--- a/Presentation/Big Data Engineering.pptx
+++ b/Presentation/Big Data Engineering.pptx
@@ -5,22 +5,27 @@
     <p:sldMasterId id="2147483648" r:id="rId1"/>
   </p:sldMasterIdLst>
   <p:notesMasterIdLst>
-    <p:notesMasterId r:id="rId15"/>
+    <p:notesMasterId r:id="rId20"/>
   </p:notesMasterIdLst>
   <p:sldIdLst>
     <p:sldId id="257" r:id="rId2"/>
     <p:sldId id="270" r:id="rId3"/>
     <p:sldId id="258" r:id="rId4"/>
     <p:sldId id="266" r:id="rId5"/>
-    <p:sldId id="259" r:id="rId6"/>
-    <p:sldId id="276" r:id="rId7"/>
-    <p:sldId id="274" r:id="rId8"/>
-    <p:sldId id="267" r:id="rId9"/>
-    <p:sldId id="275" r:id="rId10"/>
-    <p:sldId id="273" r:id="rId11"/>
-    <p:sldId id="271" r:id="rId12"/>
-    <p:sldId id="268" r:id="rId13"/>
-    <p:sldId id="269" r:id="rId14"/>
+    <p:sldId id="277" r:id="rId6"/>
+    <p:sldId id="278" r:id="rId7"/>
+    <p:sldId id="279" r:id="rId8"/>
+    <p:sldId id="274" r:id="rId9"/>
+    <p:sldId id="267" r:id="rId10"/>
+    <p:sldId id="280" r:id="rId11"/>
+    <p:sldId id="275" r:id="rId12"/>
+    <p:sldId id="273" r:id="rId13"/>
+    <p:sldId id="282" r:id="rId14"/>
+    <p:sldId id="281" r:id="rId15"/>
+    <p:sldId id="283" r:id="rId16"/>
+    <p:sldId id="271" r:id="rId17"/>
+    <p:sldId id="268" r:id="rId18"/>
+    <p:sldId id="269" r:id="rId19"/>
   </p:sldIdLst>
   <p:sldSz cx="12192000" cy="6858000"/>
   <p:notesSz cx="6858000" cy="9144000"/>
@@ -653,7 +658,7 @@
           <a:p>
             <a:fld id="{6DF8F48A-6110-47DA-8521-A1D1FFD22FEF}" type="slidenum">
               <a:rPr lang="en-US" smtClean="0"/>
-              <a:t>11</a:t>
+              <a:t>16</a:t>
             </a:fld>
             <a:endParaRPr lang="en-US" dirty="0"/>
           </a:p>
@@ -3955,35 +3960,35 @@
           <a:p>
             <a:pPr lvl="0"/>
             <a:r>
-              <a:rPr lang="en-US"/>
+              <a:rPr lang="en-US" dirty="0"/>
               <a:t>Click to edit Master text styles</a:t>
             </a:r>
           </a:p>
           <a:p>
             <a:pPr lvl="1"/>
             <a:r>
-              <a:rPr lang="en-US"/>
+              <a:rPr lang="en-US" dirty="0"/>
               <a:t>Second level</a:t>
             </a:r>
           </a:p>
           <a:p>
             <a:pPr lvl="2"/>
             <a:r>
-              <a:rPr lang="en-US"/>
+              <a:rPr lang="en-US" dirty="0"/>
               <a:t>Third level</a:t>
             </a:r>
           </a:p>
           <a:p>
             <a:pPr lvl="3"/>
             <a:r>
-              <a:rPr lang="en-US"/>
+              <a:rPr lang="en-US" dirty="0"/>
               <a:t>Fourth level</a:t>
             </a:r>
           </a:p>
           <a:p>
             <a:pPr lvl="4"/>
             <a:r>
-              <a:rPr lang="en-US"/>
+              <a:rPr lang="en-US" dirty="0"/>
               <a:t>Fifth level</a:t>
             </a:r>
           </a:p>
@@ -8311,7 +8316,7 @@
         </a:spcBef>
         <a:buFont typeface="Arial" panose="020B0604020202020204" pitchFamily="34" charset="0"/>
         <a:buChar char="•"/>
-        <a:defRPr sz="2800" kern="1200">
+        <a:defRPr sz="3600" kern="1200">
           <a:solidFill>
             <a:srgbClr val="002060"/>
           </a:solidFill>
@@ -8329,7 +8334,7 @@
         </a:spcBef>
         <a:buFont typeface="Arial" panose="020B0604020202020204" pitchFamily="34" charset="0"/>
         <a:buChar char="•"/>
-        <a:defRPr sz="2400" kern="1200">
+        <a:defRPr sz="3200" kern="1200">
           <a:solidFill>
             <a:srgbClr val="002060"/>
           </a:solidFill>
@@ -8347,7 +8352,7 @@
         </a:spcBef>
         <a:buFont typeface="Arial" panose="020B0604020202020204" pitchFamily="34" charset="0"/>
         <a:buChar char="•"/>
-        <a:defRPr sz="2000" kern="1200">
+        <a:defRPr sz="2800" kern="1200">
           <a:solidFill>
             <a:srgbClr val="002060"/>
           </a:solidFill>
@@ -8365,7 +8370,7 @@
         </a:spcBef>
         <a:buFont typeface="Arial" panose="020B0604020202020204" pitchFamily="34" charset="0"/>
         <a:buChar char="•"/>
-        <a:defRPr sz="1800" kern="1200">
+        <a:defRPr sz="2400" kern="1200">
           <a:solidFill>
             <a:srgbClr val="002060"/>
           </a:solidFill>
@@ -8383,7 +8388,7 @@
         </a:spcBef>
         <a:buFont typeface="Arial" panose="020B0604020202020204" pitchFamily="34" charset="0"/>
         <a:buChar char="•"/>
-        <a:defRPr sz="1800" kern="1200">
+        <a:defRPr sz="2400" kern="1200">
           <a:solidFill>
             <a:srgbClr val="002060"/>
           </a:solidFill>
@@ -9348,6 +9353,744 @@
       </p:grpSpPr>
       <p:sp>
         <p:nvSpPr>
+          <p:cNvPr id="2" name="Title 1">
+            <a:extLst>
+              <a:ext uri="{FF2B5EF4-FFF2-40B4-BE49-F238E27FC236}">
+                <a16:creationId xmlns:a16="http://schemas.microsoft.com/office/drawing/2014/main" id="{06EBE97E-4A2B-43C9-8551-CBBE8D42067E}"/>
+              </a:ext>
+            </a:extLst>
+          </p:cNvPr>
+          <p:cNvSpPr>
+            <a:spLocks noGrp="1"/>
+          </p:cNvSpPr>
+          <p:nvPr>
+            <p:ph type="title"/>
+          </p:nvPr>
+        </p:nvSpPr>
+        <p:spPr/>
+        <p:txBody>
+          <a:bodyPr/>
+          <a:lstStyle/>
+          <a:p>
+            <a:r>
+              <a:rPr lang="en-GB" dirty="0" err="1"/>
+              <a:t>cloudera</a:t>
+            </a:r>
+            <a:endParaRPr lang="en-US" dirty="0"/>
+          </a:p>
+        </p:txBody>
+      </p:sp>
+      <p:sp>
+        <p:nvSpPr>
+          <p:cNvPr id="3" name="Content Placeholder 2">
+            <a:extLst>
+              <a:ext uri="{FF2B5EF4-FFF2-40B4-BE49-F238E27FC236}">
+                <a16:creationId xmlns:a16="http://schemas.microsoft.com/office/drawing/2014/main" id="{7C29660D-FB82-4F88-9582-198F748A5CB4}"/>
+              </a:ext>
+            </a:extLst>
+          </p:cNvPr>
+          <p:cNvSpPr>
+            <a:spLocks noGrp="1"/>
+          </p:cNvSpPr>
+          <p:nvPr>
+            <p:ph sz="half" idx="1"/>
+          </p:nvPr>
+        </p:nvSpPr>
+        <p:spPr/>
+        <p:txBody>
+          <a:bodyPr/>
+          <a:lstStyle/>
+          <a:p>
+            <a:endParaRPr lang="en-US"/>
+          </a:p>
+        </p:txBody>
+      </p:sp>
+      <p:sp>
+        <p:nvSpPr>
+          <p:cNvPr id="4" name="Content Placeholder 3">
+            <a:extLst>
+              <a:ext uri="{FF2B5EF4-FFF2-40B4-BE49-F238E27FC236}">
+                <a16:creationId xmlns:a16="http://schemas.microsoft.com/office/drawing/2014/main" id="{C83E6D77-30D2-4530-8287-02EE035B59DE}"/>
+              </a:ext>
+            </a:extLst>
+          </p:cNvPr>
+          <p:cNvSpPr>
+            <a:spLocks noGrp="1"/>
+          </p:cNvSpPr>
+          <p:nvPr>
+            <p:ph sz="half" idx="2"/>
+          </p:nvPr>
+        </p:nvSpPr>
+        <p:spPr/>
+        <p:txBody>
+          <a:bodyPr/>
+          <a:lstStyle/>
+          <a:p>
+            <a:endParaRPr lang="en-US"/>
+          </a:p>
+        </p:txBody>
+      </p:sp>
+    </p:spTree>
+    <p:extLst>
+      <p:ext uri="{BB962C8B-B14F-4D97-AF65-F5344CB8AC3E}">
+        <p14:creationId xmlns:p14="http://schemas.microsoft.com/office/powerpoint/2010/main" val="330755808"/>
+      </p:ext>
+    </p:extLst>
+  </p:cSld>
+  <p:clrMapOvr>
+    <a:masterClrMapping/>
+  </p:clrMapOvr>
+</p:sld>
+</file>
+
+<file path=ppt/slides/slide11.xml><?xml version="1.0" encoding="utf-8"?>
+<p:sld xmlns:a="http://schemas.openxmlformats.org/drawingml/2006/main" xmlns:r="http://schemas.openxmlformats.org/officeDocument/2006/relationships" xmlns:p="http://schemas.openxmlformats.org/presentationml/2006/main">
+  <p:cSld>
+    <p:spTree>
+      <p:nvGrpSpPr>
+        <p:cNvPr id="1" name=""/>
+        <p:cNvGrpSpPr/>
+        <p:nvPr/>
+      </p:nvGrpSpPr>
+      <p:grpSpPr>
+        <a:xfrm>
+          <a:off x="0" y="0"/>
+          <a:ext cx="0" cy="0"/>
+          <a:chOff x="0" y="0"/>
+          <a:chExt cx="0" cy="0"/>
+        </a:xfrm>
+      </p:grpSpPr>
+      <p:grpSp>
+        <p:nvGrpSpPr>
+          <p:cNvPr id="23" name="Group 22" descr="This image is of an abstract shape. ">
+            <a:extLst>
+              <a:ext uri="{FF2B5EF4-FFF2-40B4-BE49-F238E27FC236}">
+                <a16:creationId xmlns:a16="http://schemas.microsoft.com/office/drawing/2014/main" id="{C5C1EC81-7459-4B76-B0C8-CF221BB21A2F}"/>
+              </a:ext>
+            </a:extLst>
+          </p:cNvPr>
+          <p:cNvGrpSpPr/>
+          <p:nvPr/>
+        </p:nvGrpSpPr>
+        <p:grpSpPr>
+          <a:xfrm>
+            <a:off x="6096000" y="-3087465"/>
+            <a:ext cx="8948964" cy="12105059"/>
+            <a:chOff x="4855953" y="-2833465"/>
+            <a:chExt cx="8948964" cy="12105059"/>
+          </a:xfrm>
+        </p:grpSpPr>
+        <p:sp>
+          <p:nvSpPr>
+            <p:cNvPr id="20" name="Freeform 10">
+              <a:extLst>
+                <a:ext uri="{FF2B5EF4-FFF2-40B4-BE49-F238E27FC236}">
+                  <a16:creationId xmlns:a16="http://schemas.microsoft.com/office/drawing/2014/main" id="{6067105C-8C4E-4F4D-AF25-4E9E7FEE0199}"/>
+                </a:ext>
+              </a:extLst>
+            </p:cNvPr>
+            <p:cNvSpPr>
+              <a:spLocks/>
+            </p:cNvSpPr>
+            <p:nvPr/>
+          </p:nvSpPr>
+          <p:spPr bwMode="auto">
+            <a:xfrm rot="9420272">
+              <a:off x="4855953" y="-2246936"/>
+              <a:ext cx="8673602" cy="11518530"/>
+            </a:xfrm>
+            <a:custGeom>
+              <a:avLst/>
+              <a:gdLst>
+                <a:gd name="T0" fmla="*/ 1166 w 2492"/>
+                <a:gd name="T1" fmla="*/ 2419 h 3315"/>
+                <a:gd name="T2" fmla="*/ 243 w 2492"/>
+                <a:gd name="T3" fmla="*/ 912 h 3315"/>
+                <a:gd name="T4" fmla="*/ 449 w 2492"/>
+                <a:gd name="T5" fmla="*/ 15 h 3315"/>
+                <a:gd name="T6" fmla="*/ 766 w 2492"/>
+                <a:gd name="T7" fmla="*/ 302 h 3315"/>
+                <a:gd name="T8" fmla="*/ 1651 w 2492"/>
+                <a:gd name="T9" fmla="*/ 481 h 3315"/>
+                <a:gd name="T10" fmla="*/ 2239 w 2492"/>
+                <a:gd name="T11" fmla="*/ 1238 h 3315"/>
+                <a:gd name="T12" fmla="*/ 2186 w 2492"/>
+                <a:gd name="T13" fmla="*/ 2201 h 3315"/>
+                <a:gd name="T14" fmla="*/ 2165 w 2492"/>
+                <a:gd name="T15" fmla="*/ 2928 h 3315"/>
+                <a:gd name="T16" fmla="*/ 1400 w 2492"/>
+                <a:gd name="T17" fmla="*/ 3100 h 3315"/>
+                <a:gd name="T18" fmla="*/ 1166 w 2492"/>
+                <a:gd name="T19" fmla="*/ 2419 h 3315"/>
+              </a:gdLst>
+              <a:ahLst/>
+              <a:cxnLst>
+                <a:cxn ang="0">
+                  <a:pos x="T0" y="T1"/>
+                </a:cxn>
+                <a:cxn ang="0">
+                  <a:pos x="T2" y="T3"/>
+                </a:cxn>
+                <a:cxn ang="0">
+                  <a:pos x="T4" y="T5"/>
+                </a:cxn>
+                <a:cxn ang="0">
+                  <a:pos x="T6" y="T7"/>
+                </a:cxn>
+                <a:cxn ang="0">
+                  <a:pos x="T8" y="T9"/>
+                </a:cxn>
+                <a:cxn ang="0">
+                  <a:pos x="T10" y="T11"/>
+                </a:cxn>
+                <a:cxn ang="0">
+                  <a:pos x="T12" y="T13"/>
+                </a:cxn>
+                <a:cxn ang="0">
+                  <a:pos x="T14" y="T15"/>
+                </a:cxn>
+                <a:cxn ang="0">
+                  <a:pos x="T16" y="T17"/>
+                </a:cxn>
+                <a:cxn ang="0">
+                  <a:pos x="T18" y="T19"/>
+                </a:cxn>
+              </a:cxnLst>
+              <a:rect l="0" t="0" r="r" b="b"/>
+              <a:pathLst>
+                <a:path w="2492" h="3315">
+                  <a:moveTo>
+                    <a:pt x="1166" y="2419"/>
+                  </a:moveTo>
+                  <a:cubicBezTo>
+                    <a:pt x="1505" y="1277"/>
+                    <a:pt x="486" y="1533"/>
+                    <a:pt x="243" y="912"/>
+                  </a:cubicBezTo>
+                  <a:cubicBezTo>
+                    <a:pt x="0" y="292"/>
+                    <a:pt x="291" y="31"/>
+                    <a:pt x="449" y="15"/>
+                  </a:cubicBezTo>
+                  <a:cubicBezTo>
+                    <a:pt x="607" y="0"/>
+                    <a:pt x="716" y="54"/>
+                    <a:pt x="766" y="302"/>
+                  </a:cubicBezTo>
+                  <a:cubicBezTo>
+                    <a:pt x="817" y="551"/>
+                    <a:pt x="1312" y="508"/>
+                    <a:pt x="1651" y="481"/>
+                  </a:cubicBezTo>
+                  <a:cubicBezTo>
+                    <a:pt x="1989" y="454"/>
+                    <a:pt x="2492" y="733"/>
+                    <a:pt x="2239" y="1238"/>
+                  </a:cubicBezTo>
+                  <a:cubicBezTo>
+                    <a:pt x="1986" y="1743"/>
+                    <a:pt x="2000" y="1716"/>
+                    <a:pt x="2186" y="2201"/>
+                  </a:cubicBezTo>
+                  <a:cubicBezTo>
+                    <a:pt x="2372" y="2685"/>
+                    <a:pt x="2165" y="2928"/>
+                    <a:pt x="2165" y="2928"/>
+                  </a:cubicBezTo>
+                  <a:cubicBezTo>
+                    <a:pt x="2165" y="2928"/>
+                    <a:pt x="1791" y="3315"/>
+                    <a:pt x="1400" y="3100"/>
+                  </a:cubicBezTo>
+                  <a:cubicBezTo>
+                    <a:pt x="1008" y="2885"/>
+                    <a:pt x="1166" y="2419"/>
+                    <a:pt x="1166" y="2419"/>
+                  </a:cubicBezTo>
+                  <a:close/>
+                </a:path>
+              </a:pathLst>
+            </a:custGeom>
+            <a:gradFill>
+              <a:gsLst>
+                <a:gs pos="0">
+                  <a:srgbClr val="80DEDE"/>
+                </a:gs>
+                <a:gs pos="53500">
+                  <a:srgbClr val="85C1E7"/>
+                </a:gs>
+                <a:gs pos="100000">
+                  <a:srgbClr val="878CFF"/>
+                </a:gs>
+              </a:gsLst>
+              <a:lin ang="5400000" scaled="1"/>
+            </a:gradFill>
+            <a:ln w="12700" cap="flat">
+              <a:noFill/>
+              <a:prstDash val="solid"/>
+              <a:miter lim="800000"/>
+              <a:headEnd/>
+              <a:tailEnd/>
+            </a:ln>
+          </p:spPr>
+          <p:txBody>
+            <a:bodyPr vert="horz" wrap="square" lIns="91440" tIns="45720" rIns="91440" bIns="45720" numCol="1" anchor="t" anchorCtr="0" compatLnSpc="1">
+              <a:prstTxWarp prst="textNoShape">
+                <a:avLst/>
+              </a:prstTxWarp>
+            </a:bodyPr>
+            <a:lstStyle/>
+            <a:p>
+              <a:endParaRPr lang="en-US" dirty="0"/>
+            </a:p>
+          </p:txBody>
+        </p:sp>
+        <p:sp>
+          <p:nvSpPr>
+            <p:cNvPr id="21" name="Freeform 11">
+              <a:extLst>
+                <a:ext uri="{FF2B5EF4-FFF2-40B4-BE49-F238E27FC236}">
+                  <a16:creationId xmlns:a16="http://schemas.microsoft.com/office/drawing/2014/main" id="{70B75532-3E3F-4E79-89ED-8E7671BB9C68}"/>
+                </a:ext>
+              </a:extLst>
+            </p:cNvPr>
+            <p:cNvSpPr>
+              <a:spLocks/>
+            </p:cNvSpPr>
+            <p:nvPr/>
+          </p:nvSpPr>
+          <p:spPr bwMode="auto">
+            <a:xfrm rot="9420272">
+              <a:off x="5048022" y="-2833465"/>
+              <a:ext cx="8756895" cy="10755934"/>
+            </a:xfrm>
+            <a:custGeom>
+              <a:avLst/>
+              <a:gdLst>
+                <a:gd name="T0" fmla="*/ 1504 w 2516"/>
+                <a:gd name="T1" fmla="*/ 2980 h 3095"/>
+                <a:gd name="T2" fmla="*/ 2237 w 2516"/>
+                <a:gd name="T3" fmla="*/ 2283 h 3095"/>
+                <a:gd name="T4" fmla="*/ 1468 w 2516"/>
+                <a:gd name="T5" fmla="*/ 1052 h 3095"/>
+                <a:gd name="T6" fmla="*/ 979 w 2516"/>
+                <a:gd name="T7" fmla="*/ 648 h 3095"/>
+                <a:gd name="T8" fmla="*/ 411 w 2516"/>
+                <a:gd name="T9" fmla="*/ 195 h 3095"/>
+                <a:gd name="T10" fmla="*/ 397 w 2516"/>
+                <a:gd name="T11" fmla="*/ 1117 h 3095"/>
+                <a:gd name="T12" fmla="*/ 194 w 2516"/>
+                <a:gd name="T13" fmla="*/ 1767 h 3095"/>
+                <a:gd name="T14" fmla="*/ 866 w 2516"/>
+                <a:gd name="T15" fmla="*/ 2349 h 3095"/>
+                <a:gd name="T16" fmla="*/ 1275 w 2516"/>
+                <a:gd name="T17" fmla="*/ 2766 h 3095"/>
+                <a:gd name="T18" fmla="*/ 1504 w 2516"/>
+                <a:gd name="T19" fmla="*/ 2980 h 3095"/>
+              </a:gdLst>
+              <a:ahLst/>
+              <a:cxnLst>
+                <a:cxn ang="0">
+                  <a:pos x="T0" y="T1"/>
+                </a:cxn>
+                <a:cxn ang="0">
+                  <a:pos x="T2" y="T3"/>
+                </a:cxn>
+                <a:cxn ang="0">
+                  <a:pos x="T4" y="T5"/>
+                </a:cxn>
+                <a:cxn ang="0">
+                  <a:pos x="T6" y="T7"/>
+                </a:cxn>
+                <a:cxn ang="0">
+                  <a:pos x="T8" y="T9"/>
+                </a:cxn>
+                <a:cxn ang="0">
+                  <a:pos x="T10" y="T11"/>
+                </a:cxn>
+                <a:cxn ang="0">
+                  <a:pos x="T12" y="T13"/>
+                </a:cxn>
+                <a:cxn ang="0">
+                  <a:pos x="T14" y="T15"/>
+                </a:cxn>
+                <a:cxn ang="0">
+                  <a:pos x="T16" y="T17"/>
+                </a:cxn>
+                <a:cxn ang="0">
+                  <a:pos x="T18" y="T19"/>
+                </a:cxn>
+              </a:cxnLst>
+              <a:rect l="0" t="0" r="r" b="b"/>
+              <a:pathLst>
+                <a:path w="2516" h="3095">
+                  <a:moveTo>
+                    <a:pt x="1504" y="2980"/>
+                  </a:moveTo>
+                  <a:cubicBezTo>
+                    <a:pt x="1504" y="2980"/>
+                    <a:pt x="1958" y="3095"/>
+                    <a:pt x="2237" y="2283"/>
+                  </a:cubicBezTo>
+                  <a:cubicBezTo>
+                    <a:pt x="2516" y="1472"/>
+                    <a:pt x="1745" y="1159"/>
+                    <a:pt x="1468" y="1052"/>
+                  </a:cubicBezTo>
+                  <a:cubicBezTo>
+                    <a:pt x="1191" y="945"/>
+                    <a:pt x="1126" y="907"/>
+                    <a:pt x="979" y="648"/>
+                  </a:cubicBezTo>
+                  <a:cubicBezTo>
+                    <a:pt x="832" y="389"/>
+                    <a:pt x="822" y="0"/>
+                    <a:pt x="411" y="195"/>
+                  </a:cubicBezTo>
+                  <a:cubicBezTo>
+                    <a:pt x="0" y="391"/>
+                    <a:pt x="384" y="948"/>
+                    <a:pt x="397" y="1117"/>
+                  </a:cubicBezTo>
+                  <a:cubicBezTo>
+                    <a:pt x="411" y="1286"/>
+                    <a:pt x="128" y="1580"/>
+                    <a:pt x="194" y="1767"/>
+                  </a:cubicBezTo>
+                  <a:cubicBezTo>
+                    <a:pt x="259" y="1954"/>
+                    <a:pt x="273" y="2154"/>
+                    <a:pt x="866" y="2349"/>
+                  </a:cubicBezTo>
+                  <a:cubicBezTo>
+                    <a:pt x="866" y="2349"/>
+                    <a:pt x="1186" y="2374"/>
+                    <a:pt x="1275" y="2766"/>
+                  </a:cubicBezTo>
+                  <a:cubicBezTo>
+                    <a:pt x="1275" y="2766"/>
+                    <a:pt x="1340" y="2988"/>
+                    <a:pt x="1504" y="2980"/>
+                  </a:cubicBezTo>
+                  <a:close/>
+                </a:path>
+              </a:pathLst>
+            </a:custGeom>
+            <a:gradFill>
+              <a:gsLst>
+                <a:gs pos="0">
+                  <a:srgbClr val="7CEFD8"/>
+                </a:gs>
+                <a:gs pos="51000">
+                  <a:srgbClr val="6672E4"/>
+                </a:gs>
+                <a:gs pos="100000">
+                  <a:srgbClr val="882BE5"/>
+                </a:gs>
+              </a:gsLst>
+              <a:lin ang="5400000" scaled="1"/>
+            </a:gradFill>
+            <a:ln w="12700" cap="flat">
+              <a:noFill/>
+              <a:prstDash val="solid"/>
+              <a:miter lim="800000"/>
+              <a:headEnd/>
+              <a:tailEnd/>
+            </a:ln>
+          </p:spPr>
+          <p:txBody>
+            <a:bodyPr vert="horz" wrap="square" lIns="91440" tIns="45720" rIns="91440" bIns="45720" numCol="1" anchor="t" anchorCtr="0" compatLnSpc="1">
+              <a:prstTxWarp prst="textNoShape">
+                <a:avLst/>
+              </a:prstTxWarp>
+            </a:bodyPr>
+            <a:lstStyle/>
+            <a:p>
+              <a:endParaRPr lang="en-US" dirty="0"/>
+            </a:p>
+          </p:txBody>
+        </p:sp>
+        <p:sp>
+          <p:nvSpPr>
+            <p:cNvPr id="22" name="Freeform 12">
+              <a:extLst>
+                <a:ext uri="{FF2B5EF4-FFF2-40B4-BE49-F238E27FC236}">
+                  <a16:creationId xmlns:a16="http://schemas.microsoft.com/office/drawing/2014/main" id="{517F7404-4FD2-4A56-9BC1-55945A2E0042}"/>
+                </a:ext>
+              </a:extLst>
+            </p:cNvPr>
+            <p:cNvSpPr>
+              <a:spLocks/>
+            </p:cNvSpPr>
+            <p:nvPr/>
+          </p:nvSpPr>
+          <p:spPr bwMode="auto">
+            <a:xfrm rot="9420272">
+              <a:off x="5218811" y="-1993836"/>
+              <a:ext cx="7570428" cy="10122905"/>
+            </a:xfrm>
+            <a:custGeom>
+              <a:avLst/>
+              <a:gdLst>
+                <a:gd name="T0" fmla="*/ 1896 w 2175"/>
+                <a:gd name="T1" fmla="*/ 2283 h 2913"/>
+                <a:gd name="T2" fmla="*/ 1467 w 2175"/>
+                <a:gd name="T3" fmla="*/ 2913 h 2913"/>
+                <a:gd name="T4" fmla="*/ 1250 w 2175"/>
+                <a:gd name="T5" fmla="*/ 2849 h 2913"/>
+                <a:gd name="T6" fmla="*/ 1016 w 2175"/>
+                <a:gd name="T7" fmla="*/ 2168 h 2913"/>
+                <a:gd name="T8" fmla="*/ 93 w 2175"/>
+                <a:gd name="T9" fmla="*/ 661 h 2913"/>
+                <a:gd name="T10" fmla="*/ 0 w 2175"/>
+                <a:gd name="T11" fmla="*/ 238 h 2913"/>
+                <a:gd name="T12" fmla="*/ 70 w 2175"/>
+                <a:gd name="T13" fmla="*/ 195 h 2913"/>
+                <a:gd name="T14" fmla="*/ 638 w 2175"/>
+                <a:gd name="T15" fmla="*/ 648 h 2913"/>
+                <a:gd name="T16" fmla="*/ 1127 w 2175"/>
+                <a:gd name="T17" fmla="*/ 1052 h 2913"/>
+                <a:gd name="T18" fmla="*/ 1896 w 2175"/>
+                <a:gd name="T19" fmla="*/ 2283 h 2913"/>
+              </a:gdLst>
+              <a:ahLst/>
+              <a:cxnLst>
+                <a:cxn ang="0">
+                  <a:pos x="T0" y="T1"/>
+                </a:cxn>
+                <a:cxn ang="0">
+                  <a:pos x="T2" y="T3"/>
+                </a:cxn>
+                <a:cxn ang="0">
+                  <a:pos x="T4" y="T5"/>
+                </a:cxn>
+                <a:cxn ang="0">
+                  <a:pos x="T6" y="T7"/>
+                </a:cxn>
+                <a:cxn ang="0">
+                  <a:pos x="T8" y="T9"/>
+                </a:cxn>
+                <a:cxn ang="0">
+                  <a:pos x="T10" y="T11"/>
+                </a:cxn>
+                <a:cxn ang="0">
+                  <a:pos x="T12" y="T13"/>
+                </a:cxn>
+                <a:cxn ang="0">
+                  <a:pos x="T14" y="T15"/>
+                </a:cxn>
+                <a:cxn ang="0">
+                  <a:pos x="T16" y="T17"/>
+                </a:cxn>
+                <a:cxn ang="0">
+                  <a:pos x="T18" y="T19"/>
+                </a:cxn>
+              </a:cxnLst>
+              <a:rect l="0" t="0" r="r" b="b"/>
+              <a:pathLst>
+                <a:path w="2175" h="2913">
+                  <a:moveTo>
+                    <a:pt x="1896" y="2283"/>
+                  </a:moveTo>
+                  <a:cubicBezTo>
+                    <a:pt x="1770" y="2651"/>
+                    <a:pt x="1607" y="2829"/>
+                    <a:pt x="1467" y="2913"/>
+                  </a:cubicBezTo>
+                  <a:cubicBezTo>
+                    <a:pt x="1397" y="2909"/>
+                    <a:pt x="1324" y="2889"/>
+                    <a:pt x="1250" y="2849"/>
+                  </a:cubicBezTo>
+                  <a:cubicBezTo>
+                    <a:pt x="858" y="2634"/>
+                    <a:pt x="1016" y="2168"/>
+                    <a:pt x="1016" y="2168"/>
+                  </a:cubicBezTo>
+                  <a:cubicBezTo>
+                    <a:pt x="1354" y="1026"/>
+                    <a:pt x="336" y="1282"/>
+                    <a:pt x="93" y="661"/>
+                  </a:cubicBezTo>
+                  <a:cubicBezTo>
+                    <a:pt x="28" y="495"/>
+                    <a:pt x="1" y="354"/>
+                    <a:pt x="0" y="238"/>
+                  </a:cubicBezTo>
+                  <a:cubicBezTo>
+                    <a:pt x="20" y="222"/>
+                    <a:pt x="44" y="208"/>
+                    <a:pt x="70" y="195"/>
+                  </a:cubicBezTo>
+                  <a:cubicBezTo>
+                    <a:pt x="481" y="0"/>
+                    <a:pt x="491" y="389"/>
+                    <a:pt x="638" y="648"/>
+                  </a:cubicBezTo>
+                  <a:cubicBezTo>
+                    <a:pt x="785" y="907"/>
+                    <a:pt x="850" y="945"/>
+                    <a:pt x="1127" y="1052"/>
+                  </a:cubicBezTo>
+                  <a:cubicBezTo>
+                    <a:pt x="1404" y="1159"/>
+                    <a:pt x="2175" y="1472"/>
+                    <a:pt x="1896" y="2283"/>
+                  </a:cubicBezTo>
+                  <a:close/>
+                </a:path>
+              </a:pathLst>
+            </a:custGeom>
+            <a:gradFill>
+              <a:gsLst>
+                <a:gs pos="100000">
+                  <a:srgbClr val="7CEFD8"/>
+                </a:gs>
+                <a:gs pos="19000">
+                  <a:srgbClr val="6672E4"/>
+                </a:gs>
+                <a:gs pos="0">
+                  <a:srgbClr val="882BE5"/>
+                </a:gs>
+              </a:gsLst>
+              <a:lin ang="10200000" scaled="0"/>
+            </a:gradFill>
+            <a:ln w="12700" cap="flat">
+              <a:noFill/>
+              <a:prstDash val="solid"/>
+              <a:miter lim="800000"/>
+              <a:headEnd/>
+              <a:tailEnd/>
+            </a:ln>
+          </p:spPr>
+          <p:txBody>
+            <a:bodyPr vert="horz" wrap="square" lIns="91440" tIns="45720" rIns="91440" bIns="45720" numCol="1" anchor="t" anchorCtr="0" compatLnSpc="1">
+              <a:prstTxWarp prst="textNoShape">
+                <a:avLst/>
+              </a:prstTxWarp>
+            </a:bodyPr>
+            <a:lstStyle/>
+            <a:p>
+              <a:endParaRPr lang="en-US" dirty="0"/>
+            </a:p>
+          </p:txBody>
+        </p:sp>
+      </p:grpSp>
+      <p:sp>
+        <p:nvSpPr>
+          <p:cNvPr id="3" name="TextBox 2">
+            <a:extLst>
+              <a:ext uri="{FF2B5EF4-FFF2-40B4-BE49-F238E27FC236}">
+                <a16:creationId xmlns:a16="http://schemas.microsoft.com/office/drawing/2014/main" id="{9436B850-15F2-41BC-A54E-6E0F332F011D}"/>
+              </a:ext>
+            </a:extLst>
+          </p:cNvPr>
+          <p:cNvSpPr txBox="1"/>
+          <p:nvPr/>
+        </p:nvSpPr>
+        <p:spPr>
+          <a:xfrm>
+            <a:off x="733192" y="4331033"/>
+            <a:ext cx="6124808" cy="830997"/>
+          </a:xfrm>
+          <a:prstGeom prst="rect">
+            <a:avLst/>
+          </a:prstGeom>
+          <a:noFill/>
+        </p:spPr>
+        <p:txBody>
+          <a:bodyPr wrap="square" lIns="0" tIns="0" rIns="0" bIns="0" rtlCol="0">
+            <a:spAutoFit/>
+          </a:bodyPr>
+          <a:lstStyle/>
+          <a:p>
+            <a:r>
+              <a:rPr lang="en-GB" sz="5400" b="1" cap="all" dirty="0">
+                <a:solidFill>
+                  <a:srgbClr val="002060"/>
+                </a:solidFill>
+                <a:latin typeface="Segoe UI Black" panose="020B0A02040204020203" pitchFamily="34" charset="0"/>
+                <a:ea typeface="Segoe UI Black" panose="020B0A02040204020203" pitchFamily="34" charset="0"/>
+                <a:cs typeface="Segoe UI" panose="020B0502040204020203" pitchFamily="34" charset="0"/>
+              </a:rPr>
+              <a:t>concept</a:t>
+            </a:r>
+            <a:endParaRPr lang="en-US" sz="5400" b="1" cap="all" dirty="0">
+              <a:solidFill>
+                <a:srgbClr val="002060"/>
+              </a:solidFill>
+              <a:latin typeface="Segoe UI Black" panose="020B0A02040204020203" pitchFamily="34" charset="0"/>
+              <a:ea typeface="Segoe UI Black" panose="020B0A02040204020203" pitchFamily="34" charset="0"/>
+              <a:cs typeface="Segoe UI" panose="020B0502040204020203" pitchFamily="34" charset="0"/>
+            </a:endParaRPr>
+          </a:p>
+        </p:txBody>
+      </p:sp>
+      <p:sp>
+        <p:nvSpPr>
+          <p:cNvPr id="25" name="Title 24" hidden="1">
+            <a:extLst>
+              <a:ext uri="{FF2B5EF4-FFF2-40B4-BE49-F238E27FC236}">
+                <a16:creationId xmlns:a16="http://schemas.microsoft.com/office/drawing/2014/main" id="{24922840-A8AD-427F-889C-2B79CACC872F}"/>
+              </a:ext>
+            </a:extLst>
+          </p:cNvPr>
+          <p:cNvSpPr>
+            <a:spLocks noGrp="1"/>
+          </p:cNvSpPr>
+          <p:nvPr>
+            <p:ph type="title" idx="4294967295"/>
+          </p:nvPr>
+        </p:nvSpPr>
+        <p:spPr>
+          <a:xfrm>
+            <a:off x="0" y="365125"/>
+            <a:ext cx="10515600" cy="1325563"/>
+          </a:xfrm>
+        </p:spPr>
+        <p:txBody>
+          <a:bodyPr/>
+          <a:lstStyle/>
+          <a:p>
+            <a:r>
+              <a:rPr lang="en-US" dirty="0"/>
+              <a:t>Human resources slide 10</a:t>
+            </a:r>
+          </a:p>
+        </p:txBody>
+      </p:sp>
+    </p:spTree>
+    <p:extLst>
+      <p:ext uri="{BB962C8B-B14F-4D97-AF65-F5344CB8AC3E}">
+        <p14:creationId xmlns:p14="http://schemas.microsoft.com/office/powerpoint/2010/main" val="365156788"/>
+      </p:ext>
+    </p:extLst>
+  </p:cSld>
+  <p:clrMapOvr>
+    <a:masterClrMapping/>
+  </p:clrMapOvr>
+</p:sld>
+</file>
+
+<file path=ppt/slides/slide12.xml><?xml version="1.0" encoding="utf-8"?>
+<p:sld xmlns:a="http://schemas.openxmlformats.org/drawingml/2006/main" xmlns:r="http://schemas.openxmlformats.org/officeDocument/2006/relationships" xmlns:p="http://schemas.openxmlformats.org/presentationml/2006/main">
+  <p:cSld>
+    <p:spTree>
+      <p:nvGrpSpPr>
+        <p:cNvPr id="1" name=""/>
+        <p:cNvGrpSpPr/>
+        <p:nvPr/>
+      </p:nvGrpSpPr>
+      <p:grpSpPr>
+        <a:xfrm>
+          <a:off x="0" y="0"/>
+          <a:ext cx="0" cy="0"/>
+          <a:chOff x="0" y="0"/>
+          <a:chExt cx="0" cy="0"/>
+        </a:xfrm>
+      </p:grpSpPr>
+      <p:sp>
+        <p:nvSpPr>
           <p:cNvPr id="3" name="TextBox 2">
             <a:extLst>
               <a:ext uri="{FF2B5EF4-FFF2-40B4-BE49-F238E27FC236}">
@@ -9519,7 +10262,367 @@
 </p:sld>
 </file>
 
-<file path=ppt/slides/slide11.xml><?xml version="1.0" encoding="utf-8"?>
+<file path=ppt/slides/slide13.xml><?xml version="1.0" encoding="utf-8"?>
+<p:sld xmlns:a="http://schemas.openxmlformats.org/drawingml/2006/main" xmlns:r="http://schemas.openxmlformats.org/officeDocument/2006/relationships" xmlns:p="http://schemas.openxmlformats.org/presentationml/2006/main">
+  <p:cSld>
+    <p:spTree>
+      <p:nvGrpSpPr>
+        <p:cNvPr id="1" name=""/>
+        <p:cNvGrpSpPr/>
+        <p:nvPr/>
+      </p:nvGrpSpPr>
+      <p:grpSpPr>
+        <a:xfrm>
+          <a:off x="0" y="0"/>
+          <a:ext cx="0" cy="0"/>
+          <a:chOff x="0" y="0"/>
+          <a:chExt cx="0" cy="0"/>
+        </a:xfrm>
+      </p:grpSpPr>
+      <p:sp>
+        <p:nvSpPr>
+          <p:cNvPr id="2" name="Title 1">
+            <a:extLst>
+              <a:ext uri="{FF2B5EF4-FFF2-40B4-BE49-F238E27FC236}">
+                <a16:creationId xmlns:a16="http://schemas.microsoft.com/office/drawing/2014/main" id="{A0D6126A-E0B3-49A6-AEF3-1CC71750CB89}"/>
+              </a:ext>
+            </a:extLst>
+          </p:cNvPr>
+          <p:cNvSpPr>
+            <a:spLocks noGrp="1"/>
+          </p:cNvSpPr>
+          <p:nvPr>
+            <p:ph type="title"/>
+          </p:nvPr>
+        </p:nvSpPr>
+        <p:spPr/>
+        <p:txBody>
+          <a:bodyPr/>
+          <a:lstStyle/>
+          <a:p>
+            <a:endParaRPr lang="en-US"/>
+          </a:p>
+        </p:txBody>
+      </p:sp>
+      <p:sp>
+        <p:nvSpPr>
+          <p:cNvPr id="3" name="Content Placeholder 2">
+            <a:extLst>
+              <a:ext uri="{FF2B5EF4-FFF2-40B4-BE49-F238E27FC236}">
+                <a16:creationId xmlns:a16="http://schemas.microsoft.com/office/drawing/2014/main" id="{22921297-5E78-4E5F-99D1-F0618C662448}"/>
+              </a:ext>
+            </a:extLst>
+          </p:cNvPr>
+          <p:cNvSpPr>
+            <a:spLocks noGrp="1"/>
+          </p:cNvSpPr>
+          <p:nvPr>
+            <p:ph idx="1"/>
+          </p:nvPr>
+        </p:nvSpPr>
+        <p:spPr/>
+        <p:txBody>
+          <a:bodyPr/>
+          <a:lstStyle/>
+          <a:p>
+            <a:endParaRPr lang="en-US"/>
+          </a:p>
+        </p:txBody>
+      </p:sp>
+    </p:spTree>
+    <p:extLst>
+      <p:ext uri="{BB962C8B-B14F-4D97-AF65-F5344CB8AC3E}">
+        <p14:creationId xmlns:p14="http://schemas.microsoft.com/office/powerpoint/2010/main" val="1619298738"/>
+      </p:ext>
+    </p:extLst>
+  </p:cSld>
+  <p:clrMapOvr>
+    <a:masterClrMapping/>
+  </p:clrMapOvr>
+</p:sld>
+</file>
+
+<file path=ppt/slides/slide14.xml><?xml version="1.0" encoding="utf-8"?>
+<p:sld xmlns:a="http://schemas.openxmlformats.org/drawingml/2006/main" xmlns:r="http://schemas.openxmlformats.org/officeDocument/2006/relationships" xmlns:p="http://schemas.openxmlformats.org/presentationml/2006/main">
+  <p:cSld>
+    <p:spTree>
+      <p:nvGrpSpPr>
+        <p:cNvPr id="1" name=""/>
+        <p:cNvGrpSpPr/>
+        <p:nvPr/>
+      </p:nvGrpSpPr>
+      <p:grpSpPr>
+        <a:xfrm>
+          <a:off x="0" y="0"/>
+          <a:ext cx="0" cy="0"/>
+          <a:chOff x="0" y="0"/>
+          <a:chExt cx="0" cy="0"/>
+        </a:xfrm>
+      </p:grpSpPr>
+      <p:sp>
+        <p:nvSpPr>
+          <p:cNvPr id="3" name="TextBox 2">
+            <a:extLst>
+              <a:ext uri="{FF2B5EF4-FFF2-40B4-BE49-F238E27FC236}">
+                <a16:creationId xmlns:a16="http://schemas.microsoft.com/office/drawing/2014/main" id="{9436B850-15F2-41BC-A54E-6E0F332F011D}"/>
+              </a:ext>
+            </a:extLst>
+          </p:cNvPr>
+          <p:cNvSpPr txBox="1"/>
+          <p:nvPr/>
+        </p:nvSpPr>
+        <p:spPr>
+          <a:xfrm>
+            <a:off x="730442" y="887684"/>
+            <a:ext cx="4845708" cy="1661993"/>
+          </a:xfrm>
+          <a:prstGeom prst="rect">
+            <a:avLst/>
+          </a:prstGeom>
+          <a:noFill/>
+        </p:spPr>
+        <p:txBody>
+          <a:bodyPr wrap="square" lIns="0" tIns="0" rIns="0" bIns="0" rtlCol="0">
+            <a:spAutoFit/>
+          </a:bodyPr>
+          <a:lstStyle/>
+          <a:p>
+            <a:r>
+              <a:rPr lang="en-GB" sz="5400" b="1" dirty="0">
+                <a:solidFill>
+                  <a:srgbClr val="002060"/>
+                </a:solidFill>
+                <a:latin typeface="Segoe UI" panose="020B0502040204020203" pitchFamily="34" charset="0"/>
+                <a:cs typeface="Segoe UI" panose="020B0502040204020203" pitchFamily="34" charset="0"/>
+              </a:rPr>
+              <a:t>Delivery Concept</a:t>
+            </a:r>
+            <a:endParaRPr lang="en-US" sz="5400" b="1" dirty="0">
+              <a:solidFill>
+                <a:srgbClr val="002060"/>
+              </a:solidFill>
+              <a:latin typeface="Segoe UI" panose="020B0502040204020203" pitchFamily="34" charset="0"/>
+              <a:cs typeface="Segoe UI" panose="020B0502040204020203" pitchFamily="34" charset="0"/>
+            </a:endParaRPr>
+          </a:p>
+        </p:txBody>
+      </p:sp>
+      <p:sp>
+        <p:nvSpPr>
+          <p:cNvPr id="4" name="Rectangle 3">
+            <a:extLst>
+              <a:ext uri="{FF2B5EF4-FFF2-40B4-BE49-F238E27FC236}">
+                <a16:creationId xmlns:a16="http://schemas.microsoft.com/office/drawing/2014/main" id="{A9B74FAF-1757-48A8-BBFB-722E8E1D6FA4}"/>
+              </a:ext>
+            </a:extLst>
+          </p:cNvPr>
+          <p:cNvSpPr/>
+          <p:nvPr/>
+        </p:nvSpPr>
+        <p:spPr>
+          <a:xfrm>
+            <a:off x="733192" y="3135016"/>
+            <a:ext cx="3536195" cy="984885"/>
+          </a:xfrm>
+          <a:prstGeom prst="rect">
+            <a:avLst/>
+          </a:prstGeom>
+        </p:spPr>
+        <p:txBody>
+          <a:bodyPr wrap="square" lIns="0" tIns="0" rIns="0" bIns="0">
+            <a:spAutoFit/>
+          </a:bodyPr>
+          <a:lstStyle/>
+          <a:p>
+            <a:r>
+              <a:rPr lang="en-US" sz="1600" dirty="0">
+                <a:solidFill>
+                  <a:srgbClr val="002060"/>
+                </a:solidFill>
+                <a:cs typeface="Segoe UI" panose="020B0502040204020203" pitchFamily="34" charset="0"/>
+              </a:rPr>
+              <a:t>If you would like to edit the data in the graph attached to this template, simply right-click on it and select </a:t>
+            </a:r>
+            <a:r>
+              <a:rPr lang="en-US" sz="1600" i="1" dirty="0">
+                <a:solidFill>
+                  <a:srgbClr val="002060"/>
+                </a:solidFill>
+                <a:cs typeface="Segoe UI" panose="020B0502040204020203" pitchFamily="34" charset="0"/>
+              </a:rPr>
+              <a:t>Edit Data in Excel.</a:t>
+            </a:r>
+            <a:endParaRPr lang="en-US" sz="1600" dirty="0">
+              <a:solidFill>
+                <a:srgbClr val="002060"/>
+              </a:solidFill>
+              <a:cs typeface="Segoe UI" panose="020B0502040204020203" pitchFamily="34" charset="0"/>
+            </a:endParaRPr>
+          </a:p>
+        </p:txBody>
+      </p:sp>
+      <p:sp>
+        <p:nvSpPr>
+          <p:cNvPr id="6" name="Title 5" hidden="1">
+            <a:extLst>
+              <a:ext uri="{FF2B5EF4-FFF2-40B4-BE49-F238E27FC236}">
+                <a16:creationId xmlns:a16="http://schemas.microsoft.com/office/drawing/2014/main" id="{369BDDB6-A69A-415D-B73D-D630C736A22A}"/>
+              </a:ext>
+            </a:extLst>
+          </p:cNvPr>
+          <p:cNvSpPr>
+            <a:spLocks noGrp="1"/>
+          </p:cNvSpPr>
+          <p:nvPr>
+            <p:ph type="title"/>
+          </p:nvPr>
+        </p:nvSpPr>
+        <p:spPr/>
+        <p:txBody>
+          <a:bodyPr/>
+          <a:lstStyle/>
+          <a:p>
+            <a:r>
+              <a:rPr lang="en-US" dirty="0"/>
+              <a:t>Human resources slide 11</a:t>
+            </a:r>
+          </a:p>
+        </p:txBody>
+      </p:sp>
+      <p:pic>
+        <p:nvPicPr>
+          <p:cNvPr id="13" name="Picture 12">
+            <a:extLst>
+              <a:ext uri="{FF2B5EF4-FFF2-40B4-BE49-F238E27FC236}">
+                <a16:creationId xmlns:a16="http://schemas.microsoft.com/office/drawing/2014/main" id="{B94A1E7A-9F0D-4976-BF59-B2CC10E089A7}"/>
+              </a:ext>
+            </a:extLst>
+          </p:cNvPr>
+          <p:cNvPicPr>
+            <a:picLocks noChangeAspect="1"/>
+          </p:cNvPicPr>
+          <p:nvPr/>
+        </p:nvPicPr>
+        <p:blipFill>
+          <a:blip r:embed="rId2">
+            <a:extLst>
+              <a:ext uri="{28A0092B-C50C-407E-A947-70E740481C1C}">
+                <a14:useLocalDpi xmlns:a14="http://schemas.microsoft.com/office/drawing/2010/main" val="0"/>
+              </a:ext>
+            </a:extLst>
+          </a:blip>
+          <a:stretch>
+            <a:fillRect/>
+          </a:stretch>
+        </p:blipFill>
+        <p:spPr>
+          <a:xfrm>
+            <a:off x="5096730" y="1075065"/>
+            <a:ext cx="6362078" cy="4119901"/>
+          </a:xfrm>
+          <a:prstGeom prst="rect">
+            <a:avLst/>
+          </a:prstGeom>
+        </p:spPr>
+      </p:pic>
+    </p:spTree>
+    <p:extLst>
+      <p:ext uri="{BB962C8B-B14F-4D97-AF65-F5344CB8AC3E}">
+        <p14:creationId xmlns:p14="http://schemas.microsoft.com/office/powerpoint/2010/main" val="664414125"/>
+      </p:ext>
+    </p:extLst>
+  </p:cSld>
+  <p:clrMapOvr>
+    <a:masterClrMapping/>
+  </p:clrMapOvr>
+</p:sld>
+</file>
+
+<file path=ppt/slides/slide15.xml><?xml version="1.0" encoding="utf-8"?>
+<p:sld xmlns:a="http://schemas.openxmlformats.org/drawingml/2006/main" xmlns:r="http://schemas.openxmlformats.org/officeDocument/2006/relationships" xmlns:p="http://schemas.openxmlformats.org/presentationml/2006/main">
+  <p:cSld>
+    <p:spTree>
+      <p:nvGrpSpPr>
+        <p:cNvPr id="1" name=""/>
+        <p:cNvGrpSpPr/>
+        <p:nvPr/>
+      </p:nvGrpSpPr>
+      <p:grpSpPr>
+        <a:xfrm>
+          <a:off x="0" y="0"/>
+          <a:ext cx="0" cy="0"/>
+          <a:chOff x="0" y="0"/>
+          <a:chExt cx="0" cy="0"/>
+        </a:xfrm>
+      </p:grpSpPr>
+      <p:sp>
+        <p:nvSpPr>
+          <p:cNvPr id="2" name="Title 1">
+            <a:extLst>
+              <a:ext uri="{FF2B5EF4-FFF2-40B4-BE49-F238E27FC236}">
+                <a16:creationId xmlns:a16="http://schemas.microsoft.com/office/drawing/2014/main" id="{7AC03C4A-724D-402F-8252-89746A980EB8}"/>
+              </a:ext>
+            </a:extLst>
+          </p:cNvPr>
+          <p:cNvSpPr>
+            <a:spLocks noGrp="1"/>
+          </p:cNvSpPr>
+          <p:nvPr>
+            <p:ph type="title"/>
+          </p:nvPr>
+        </p:nvSpPr>
+        <p:spPr/>
+        <p:txBody>
+          <a:bodyPr/>
+          <a:lstStyle/>
+          <a:p>
+            <a:r>
+              <a:rPr lang="en-GB" dirty="0"/>
+              <a:t>DELIVERY CONCEPT</a:t>
+            </a:r>
+            <a:endParaRPr lang="en-US" dirty="0"/>
+          </a:p>
+        </p:txBody>
+      </p:sp>
+      <p:sp>
+        <p:nvSpPr>
+          <p:cNvPr id="3" name="Content Placeholder 2">
+            <a:extLst>
+              <a:ext uri="{FF2B5EF4-FFF2-40B4-BE49-F238E27FC236}">
+                <a16:creationId xmlns:a16="http://schemas.microsoft.com/office/drawing/2014/main" id="{FA8F70A4-62E7-4469-99AF-B4C0D842C273}"/>
+              </a:ext>
+            </a:extLst>
+          </p:cNvPr>
+          <p:cNvSpPr>
+            <a:spLocks noGrp="1"/>
+          </p:cNvSpPr>
+          <p:nvPr>
+            <p:ph idx="1"/>
+          </p:nvPr>
+        </p:nvSpPr>
+        <p:spPr/>
+        <p:txBody>
+          <a:bodyPr/>
+          <a:lstStyle/>
+          <a:p>
+            <a:endParaRPr lang="en-US" dirty="0"/>
+          </a:p>
+        </p:txBody>
+      </p:sp>
+    </p:spTree>
+    <p:extLst>
+      <p:ext uri="{BB962C8B-B14F-4D97-AF65-F5344CB8AC3E}">
+        <p14:creationId xmlns:p14="http://schemas.microsoft.com/office/powerpoint/2010/main" val="1100543204"/>
+      </p:ext>
+    </p:extLst>
+  </p:cSld>
+  <p:clrMapOvr>
+    <a:masterClrMapping/>
+  </p:clrMapOvr>
+</p:sld>
+</file>
+
+<file path=ppt/slides/slide16.xml><?xml version="1.0" encoding="utf-8"?>
 <p:sld xmlns:a="http://schemas.openxmlformats.org/drawingml/2006/main" xmlns:r="http://schemas.openxmlformats.org/officeDocument/2006/relationships" xmlns:p="http://schemas.openxmlformats.org/presentationml/2006/main">
   <p:cSld>
     <p:spTree>
@@ -10015,7 +11118,7 @@
 </p:sld>
 </file>
 
-<file path=ppt/slides/slide12.xml><?xml version="1.0" encoding="utf-8"?>
+<file path=ppt/slides/slide17.xml><?xml version="1.0" encoding="utf-8"?>
 <p:sld xmlns:a="http://schemas.openxmlformats.org/drawingml/2006/main" xmlns:r="http://schemas.openxmlformats.org/officeDocument/2006/relationships" xmlns:p="http://schemas.openxmlformats.org/presentationml/2006/main">
   <p:cSld>
     <p:spTree>
@@ -10538,7 +11641,7 @@
 </p:sld>
 </file>
 
-<file path=ppt/slides/slide13.xml><?xml version="1.0" encoding="utf-8"?>
+<file path=ppt/slides/slide18.xml><?xml version="1.0" encoding="utf-8"?>
 <p:sld xmlns:a="http://schemas.openxmlformats.org/drawingml/2006/main" xmlns:r="http://schemas.openxmlformats.org/officeDocument/2006/relationships" xmlns:p="http://schemas.openxmlformats.org/presentationml/2006/main">
   <p:cSld>
     <p:spTree>
@@ -22117,5585 +23220,10 @@
       </p:grpSpPr>
       <p:sp>
         <p:nvSpPr>
-          <p:cNvPr id="2" name="TextBox 1">
+          <p:cNvPr id="4" name="Title 3">
             <a:extLst>
               <a:ext uri="{FF2B5EF4-FFF2-40B4-BE49-F238E27FC236}">
-                <a16:creationId xmlns:a16="http://schemas.microsoft.com/office/drawing/2014/main" id="{62AEF5FE-6C45-4BF6-9676-571742C3CDD7}"/>
-              </a:ext>
-            </a:extLst>
-          </p:cNvPr>
-          <p:cNvSpPr txBox="1"/>
-          <p:nvPr/>
-        </p:nvSpPr>
-        <p:spPr>
-          <a:xfrm>
-            <a:off x="689985" y="3615601"/>
-            <a:ext cx="3603287" cy="1550040"/>
-          </a:xfrm>
-          <a:prstGeom prst="rect">
-            <a:avLst/>
-          </a:prstGeom>
-          <a:noFill/>
-        </p:spPr>
-        <p:txBody>
-          <a:bodyPr wrap="square" lIns="0" tIns="0" rIns="0" bIns="0" rtlCol="0">
-            <a:spAutoFit/>
-          </a:bodyPr>
-          <a:lstStyle/>
-          <a:p>
-            <a:pPr>
-              <a:lnSpc>
-                <a:spcPts val="4000"/>
-              </a:lnSpc>
-            </a:pPr>
-            <a:r>
-              <a:rPr lang="id-ID" sz="4000" b="1" dirty="0">
-                <a:solidFill>
-                  <a:srgbClr val="002060"/>
-                </a:solidFill>
-                <a:latin typeface="Segoe UI" panose="020B0502040204020203" pitchFamily="34" charset="0"/>
-                <a:cs typeface="Segoe UI" panose="020B0502040204020203" pitchFamily="34" charset="0"/>
-              </a:rPr>
-              <a:t>HUMAN RESOURCE</a:t>
-            </a:r>
-            <a:r>
-              <a:rPr lang="en-US" sz="4000" b="1" dirty="0">
-                <a:solidFill>
-                  <a:srgbClr val="002060"/>
-                </a:solidFill>
-                <a:latin typeface="Segoe UI" panose="020B0502040204020203" pitchFamily="34" charset="0"/>
-                <a:cs typeface="Segoe UI" panose="020B0502040204020203" pitchFamily="34" charset="0"/>
-              </a:rPr>
-              <a:t>S </a:t>
-            </a:r>
-            <a:br>
-              <a:rPr lang="en-US" sz="4000" b="1" dirty="0">
-                <a:solidFill>
-                  <a:srgbClr val="002060"/>
-                </a:solidFill>
-                <a:latin typeface="Segoe UI" panose="020B0502040204020203" pitchFamily="34" charset="0"/>
-                <a:cs typeface="Segoe UI" panose="020B0502040204020203" pitchFamily="34" charset="0"/>
-              </a:rPr>
-            </a:br>
-            <a:r>
-              <a:rPr lang="en-US" sz="4000" b="1" dirty="0">
-                <a:solidFill>
-                  <a:srgbClr val="002060"/>
-                </a:solidFill>
-                <a:latin typeface="Segoe UI" panose="020B0502040204020203" pitchFamily="34" charset="0"/>
-                <a:cs typeface="Segoe UI" panose="020B0502040204020203" pitchFamily="34" charset="0"/>
-              </a:rPr>
-              <a:t>PLAN</a:t>
-            </a:r>
-          </a:p>
-        </p:txBody>
-      </p:sp>
-      <p:sp>
-        <p:nvSpPr>
-          <p:cNvPr id="3" name="Rectangle 2">
-            <a:extLst>
-              <a:ext uri="{FF2B5EF4-FFF2-40B4-BE49-F238E27FC236}">
-                <a16:creationId xmlns:a16="http://schemas.microsoft.com/office/drawing/2014/main" id="{A74D15AA-4B45-41B5-A81C-97FCBF019951}"/>
-              </a:ext>
-            </a:extLst>
-          </p:cNvPr>
-          <p:cNvSpPr/>
-          <p:nvPr/>
-        </p:nvSpPr>
-        <p:spPr>
-          <a:xfrm>
-            <a:off x="689985" y="5372393"/>
-            <a:ext cx="2879127" cy="492443"/>
-          </a:xfrm>
-          <a:prstGeom prst="rect">
-            <a:avLst/>
-          </a:prstGeom>
-        </p:spPr>
-        <p:txBody>
-          <a:bodyPr wrap="square" lIns="0" tIns="0" rIns="0" bIns="0">
-            <a:spAutoFit/>
-          </a:bodyPr>
-          <a:lstStyle/>
-          <a:p>
-            <a:r>
-              <a:rPr lang="en-US" sz="1600" i="1" dirty="0">
-                <a:solidFill>
-                  <a:srgbClr val="002060"/>
-                </a:solidFill>
-                <a:latin typeface="+mj-lt"/>
-                <a:cs typeface="Segoe UI" panose="020B0502040204020203" pitchFamily="34" charset="0"/>
-              </a:rPr>
-              <a:t>Lorem Ipsum is text of the printing and typesetting industry. </a:t>
-            </a:r>
-          </a:p>
-        </p:txBody>
-      </p:sp>
-      <p:sp>
-        <p:nvSpPr>
-          <p:cNvPr id="5" name="TextBox 4">
-            <a:extLst>
-              <a:ext uri="{FF2B5EF4-FFF2-40B4-BE49-F238E27FC236}">
-                <a16:creationId xmlns:a16="http://schemas.microsoft.com/office/drawing/2014/main" id="{BAD3DD8E-0492-4A48-B06C-F87FA5CFE3C0}"/>
-              </a:ext>
-            </a:extLst>
-          </p:cNvPr>
-          <p:cNvSpPr txBox="1"/>
-          <p:nvPr/>
-        </p:nvSpPr>
-        <p:spPr>
-          <a:xfrm>
-            <a:off x="689985" y="2242036"/>
-            <a:ext cx="2378308" cy="1231106"/>
-          </a:xfrm>
-          <a:prstGeom prst="rect">
-            <a:avLst/>
-          </a:prstGeom>
-          <a:noFill/>
-        </p:spPr>
-        <p:txBody>
-          <a:bodyPr wrap="square" lIns="0" tIns="0" rIns="0" bIns="0" rtlCol="0">
-            <a:spAutoFit/>
-          </a:bodyPr>
-          <a:lstStyle/>
-          <a:p>
-            <a:r>
-              <a:rPr lang="en-US" sz="8000" dirty="0">
-                <a:solidFill>
-                  <a:srgbClr val="002060"/>
-                </a:solidFill>
-                <a:latin typeface="Segoe UI" panose="020B0502040204020203" pitchFamily="34" charset="0"/>
-                <a:cs typeface="Segoe UI" panose="020B0502040204020203" pitchFamily="34" charset="0"/>
-              </a:rPr>
-              <a:t>80%</a:t>
-            </a:r>
-          </a:p>
-        </p:txBody>
-      </p:sp>
-      <p:sp>
-        <p:nvSpPr>
-          <p:cNvPr id="6" name="Rectangle: Rounded Corners 5">
-            <a:extLst>
-              <a:ext uri="{FF2B5EF4-FFF2-40B4-BE49-F238E27FC236}">
-                <a16:creationId xmlns:a16="http://schemas.microsoft.com/office/drawing/2014/main" id="{C8431200-8E45-4A0C-B12B-CFA1B2C53C47}"/>
-              </a:ext>
-              <a:ext uri="{C183D7F6-B498-43B3-948B-1728B52AA6E4}">
-                <adec:decorative xmlns:adec="http://schemas.microsoft.com/office/drawing/2017/decorative" val="1"/>
-              </a:ext>
-            </a:extLst>
-          </p:cNvPr>
-          <p:cNvSpPr/>
-          <p:nvPr/>
-        </p:nvSpPr>
-        <p:spPr>
-          <a:xfrm>
-            <a:off x="-221796" y="5502466"/>
-            <a:ext cx="443592" cy="232296"/>
-          </a:xfrm>
-          <a:prstGeom prst="roundRect">
-            <a:avLst>
-              <a:gd name="adj" fmla="val 50000"/>
-            </a:avLst>
-          </a:prstGeom>
-          <a:noFill/>
-          <a:ln>
-            <a:solidFill>
-              <a:schemeClr val="tx1">
-                <a:lumMod val="75000"/>
-                <a:lumOff val="25000"/>
-              </a:schemeClr>
-            </a:solidFill>
-          </a:ln>
-        </p:spPr>
-        <p:style>
-          <a:lnRef idx="2">
-            <a:schemeClr val="accent1">
-              <a:shade val="50000"/>
-            </a:schemeClr>
-          </a:lnRef>
-          <a:fillRef idx="1">
-            <a:schemeClr val="accent1"/>
-          </a:fillRef>
-          <a:effectRef idx="0">
-            <a:schemeClr val="accent1"/>
-          </a:effectRef>
-          <a:fontRef idx="minor">
-            <a:schemeClr val="lt1"/>
-          </a:fontRef>
-        </p:style>
-        <p:txBody>
-          <a:bodyPr rtlCol="0" anchor="ctr"/>
-          <a:lstStyle/>
-          <a:p>
-            <a:pPr algn="ctr"/>
-            <a:endParaRPr lang="en-US" dirty="0"/>
-          </a:p>
-        </p:txBody>
-      </p:sp>
-      <p:grpSp>
-        <p:nvGrpSpPr>
-          <p:cNvPr id="66" name="Group 65">
-            <a:extLst>
-              <a:ext uri="{FF2B5EF4-FFF2-40B4-BE49-F238E27FC236}">
-                <a16:creationId xmlns:a16="http://schemas.microsoft.com/office/drawing/2014/main" id="{67A5A85A-C628-4002-9626-A50C00F30A10}"/>
-              </a:ext>
-            </a:extLst>
-          </p:cNvPr>
-          <p:cNvGrpSpPr/>
-          <p:nvPr/>
-        </p:nvGrpSpPr>
-        <p:grpSpPr>
-          <a:xfrm>
-            <a:off x="4115473" y="13190"/>
-            <a:ext cx="3961053" cy="6857998"/>
-            <a:chOff x="4115473" y="13190"/>
-            <a:chExt cx="3961053" cy="6857998"/>
-          </a:xfrm>
-        </p:grpSpPr>
-        <p:sp>
-          <p:nvSpPr>
-            <p:cNvPr id="4" name="Parallelogram 3">
-              <a:extLst>
-                <a:ext uri="{FF2B5EF4-FFF2-40B4-BE49-F238E27FC236}">
-                  <a16:creationId xmlns:a16="http://schemas.microsoft.com/office/drawing/2014/main" id="{241C7FC4-FEFA-4A96-9749-9068C68611EF}"/>
-                </a:ext>
-                <a:ext uri="{C183D7F6-B498-43B3-948B-1728B52AA6E4}">
-                  <adec:decorative xmlns:adec="http://schemas.microsoft.com/office/drawing/2017/decorative" val="1"/>
-                </a:ext>
-              </a:extLst>
-            </p:cNvPr>
-            <p:cNvSpPr/>
-            <p:nvPr/>
-          </p:nvSpPr>
-          <p:spPr>
-            <a:xfrm>
-              <a:off x="4115473" y="13190"/>
-              <a:ext cx="3961053" cy="6857998"/>
-            </a:xfrm>
-            <a:prstGeom prst="parallelogram">
-              <a:avLst>
-                <a:gd name="adj" fmla="val 0"/>
-              </a:avLst>
-            </a:prstGeom>
-            <a:gradFill>
-              <a:gsLst>
-                <a:gs pos="0">
-                  <a:srgbClr val="7CEFD8"/>
-                </a:gs>
-                <a:gs pos="71000">
-                  <a:srgbClr val="6672E4"/>
-                </a:gs>
-                <a:gs pos="100000">
-                  <a:srgbClr val="882BE5"/>
-                </a:gs>
-              </a:gsLst>
-              <a:lin ang="5400000" scaled="1"/>
-            </a:gradFill>
-            <a:ln w="12700" cap="flat">
-              <a:noFill/>
-              <a:prstDash val="solid"/>
-              <a:miter lim="800000"/>
-              <a:headEnd/>
-              <a:tailEnd/>
-            </a:ln>
-          </p:spPr>
-          <p:txBody>
-            <a:bodyPr vert="horz" wrap="square" lIns="91440" tIns="45720" rIns="91440" bIns="45720" numCol="1" anchor="t" anchorCtr="0" compatLnSpc="1">
-              <a:prstTxWarp prst="textNoShape">
-                <a:avLst/>
-              </a:prstTxWarp>
-            </a:bodyPr>
-            <a:lstStyle/>
-            <a:p>
-              <a:endParaRPr lang="en-US" dirty="0">
-                <a:solidFill>
-                  <a:schemeClr val="tx1"/>
-                </a:solidFill>
-              </a:endParaRPr>
-            </a:p>
-          </p:txBody>
-        </p:sp>
-        <p:sp>
-          <p:nvSpPr>
-            <p:cNvPr id="14" name="TextBox 13">
-              <a:extLst>
-                <a:ext uri="{FF2B5EF4-FFF2-40B4-BE49-F238E27FC236}">
-                  <a16:creationId xmlns:a16="http://schemas.microsoft.com/office/drawing/2014/main" id="{A5704BA3-593E-4519-9139-4E1D86366677}"/>
-                </a:ext>
-              </a:extLst>
-            </p:cNvPr>
-            <p:cNvSpPr txBox="1"/>
-            <p:nvPr/>
-          </p:nvSpPr>
-          <p:spPr>
-            <a:xfrm>
-              <a:off x="4453458" y="1227906"/>
-              <a:ext cx="2427971" cy="492443"/>
-            </a:xfrm>
-            <a:prstGeom prst="rect">
-              <a:avLst/>
-            </a:prstGeom>
-            <a:noFill/>
-          </p:spPr>
-          <p:txBody>
-            <a:bodyPr wrap="square" lIns="0" tIns="0" rIns="0" bIns="0" rtlCol="0">
-              <a:spAutoFit/>
-            </a:bodyPr>
-            <a:lstStyle/>
-            <a:p>
-              <a:r>
-                <a:rPr lang="en-US" sz="1600" b="1" dirty="0">
-                  <a:solidFill>
-                    <a:schemeClr val="bg1"/>
-                  </a:solidFill>
-                  <a:latin typeface="Segoe UI" panose="020B0502040204020203" pitchFamily="34" charset="0"/>
-                  <a:cs typeface="Segoe UI" panose="020B0502040204020203" pitchFamily="34" charset="0"/>
-                </a:rPr>
-                <a:t>EMPLOYEES ARE MOTIVATED BY:</a:t>
-              </a:r>
-            </a:p>
-          </p:txBody>
-        </p:sp>
-        <p:grpSp>
-          <p:nvGrpSpPr>
-            <p:cNvPr id="64" name="Group 63">
-              <a:extLst>
-                <a:ext uri="{FF2B5EF4-FFF2-40B4-BE49-F238E27FC236}">
-                  <a16:creationId xmlns:a16="http://schemas.microsoft.com/office/drawing/2014/main" id="{EBB415A0-39A4-4597-926D-819C33316679}"/>
-                </a:ext>
-                <a:ext uri="{C183D7F6-B498-43B3-948B-1728B52AA6E4}">
-                  <adec:decorative xmlns:adec="http://schemas.microsoft.com/office/drawing/2017/decorative" val="1"/>
-                </a:ext>
-              </a:extLst>
-            </p:cNvPr>
-            <p:cNvGrpSpPr/>
-            <p:nvPr/>
-          </p:nvGrpSpPr>
-          <p:grpSpPr>
-            <a:xfrm>
-              <a:off x="4490387" y="2034832"/>
-              <a:ext cx="3075334" cy="3827676"/>
-              <a:chOff x="4711392" y="2125063"/>
-              <a:chExt cx="3075333" cy="3827676"/>
-            </a:xfrm>
-          </p:grpSpPr>
-          <p:grpSp>
-            <p:nvGrpSpPr>
-              <p:cNvPr id="99" name="Group 98">
-                <a:extLst>
-                  <a:ext uri="{FF2B5EF4-FFF2-40B4-BE49-F238E27FC236}">
-                    <a16:creationId xmlns:a16="http://schemas.microsoft.com/office/drawing/2014/main" id="{6E4AB604-CF34-4776-BFF1-9AD3477F593C}"/>
-                  </a:ext>
-                </a:extLst>
-              </p:cNvPr>
-              <p:cNvGrpSpPr/>
-              <p:nvPr/>
-            </p:nvGrpSpPr>
-            <p:grpSpPr>
-              <a:xfrm>
-                <a:off x="4719329" y="2125063"/>
-                <a:ext cx="3067396" cy="492443"/>
-                <a:chOff x="5063285" y="2128413"/>
-                <a:chExt cx="3067396" cy="492443"/>
-              </a:xfrm>
-            </p:grpSpPr>
-            <p:sp>
-              <p:nvSpPr>
-                <p:cNvPr id="12" name="Rectangle 11">
-                  <a:extLst>
-                    <a:ext uri="{FF2B5EF4-FFF2-40B4-BE49-F238E27FC236}">
-                      <a16:creationId xmlns:a16="http://schemas.microsoft.com/office/drawing/2014/main" id="{267E4A54-8A0F-43A0-AA7D-F508F05BB2EF}"/>
-                    </a:ext>
-                  </a:extLst>
-                </p:cNvPr>
-                <p:cNvSpPr/>
-                <p:nvPr/>
-              </p:nvSpPr>
-              <p:spPr>
-                <a:xfrm>
-                  <a:off x="5642387" y="2128413"/>
-                  <a:ext cx="2488294" cy="492443"/>
-                </a:xfrm>
-                <a:prstGeom prst="rect">
-                  <a:avLst/>
-                </a:prstGeom>
-              </p:spPr>
-              <p:txBody>
-                <a:bodyPr wrap="square" lIns="0" tIns="0" rIns="0" bIns="0">
-                  <a:spAutoFit/>
-                </a:bodyPr>
-                <a:lstStyle/>
-                <a:p>
-                  <a:r>
-                    <a:rPr lang="en-US" sz="1600" i="1" dirty="0">
-                      <a:solidFill>
-                        <a:schemeClr val="bg1"/>
-                      </a:solidFill>
-                      <a:latin typeface="+mj-lt"/>
-                      <a:cs typeface="Segoe UI" panose="020B0502040204020203" pitchFamily="34" charset="0"/>
-                    </a:rPr>
-                    <a:t>Lorem ipsum dolor sit amet, consectetur adipiscing elit. </a:t>
-                  </a:r>
-                </a:p>
-              </p:txBody>
-            </p:sp>
-            <p:grpSp>
-              <p:nvGrpSpPr>
-                <p:cNvPr id="51" name="Group 50">
-                  <a:extLst>
-                    <a:ext uri="{FF2B5EF4-FFF2-40B4-BE49-F238E27FC236}">
-                      <a16:creationId xmlns:a16="http://schemas.microsoft.com/office/drawing/2014/main" id="{0B97B3C9-EBC6-4C92-9F0A-E28F4EF7A5EA}"/>
-                    </a:ext>
-                  </a:extLst>
-                </p:cNvPr>
-                <p:cNvGrpSpPr/>
-                <p:nvPr/>
-              </p:nvGrpSpPr>
-              <p:grpSpPr>
-                <a:xfrm>
-                  <a:off x="5063285" y="2201597"/>
-                  <a:ext cx="330200" cy="346075"/>
-                  <a:chOff x="2686050" y="2895601"/>
-                  <a:chExt cx="330200" cy="346075"/>
-                </a:xfrm>
-              </p:grpSpPr>
-              <p:sp>
-                <p:nvSpPr>
-                  <p:cNvPr id="52" name="Oval 309">
-                    <a:extLst>
-                      <a:ext uri="{FF2B5EF4-FFF2-40B4-BE49-F238E27FC236}">
-                        <a16:creationId xmlns:a16="http://schemas.microsoft.com/office/drawing/2014/main" id="{00D7C237-71FC-445A-9F26-101C7B72A66E}"/>
-                      </a:ext>
-                    </a:extLst>
-                  </p:cNvPr>
-                  <p:cNvSpPr>
-                    <a:spLocks noChangeArrowheads="1"/>
-                  </p:cNvSpPr>
-                  <p:nvPr/>
-                </p:nvSpPr>
-                <p:spPr bwMode="auto">
-                  <a:xfrm>
-                    <a:off x="2809875" y="2895601"/>
-                    <a:ext cx="82550" cy="82550"/>
-                  </a:xfrm>
-                  <a:prstGeom prst="ellipse">
-                    <a:avLst/>
-                  </a:prstGeom>
-                  <a:noFill/>
-                  <a:ln w="14288" cap="rnd">
-                    <a:solidFill>
-                      <a:schemeClr val="bg1"/>
-                    </a:solidFill>
-                    <a:prstDash val="solid"/>
-                    <a:round/>
-                    <a:headEnd/>
-                    <a:tailEnd/>
-                  </a:ln>
-                  <a:extLst>
-                    <a:ext uri="{909E8E84-426E-40DD-AFC4-6F175D3DCCD1}">
-                      <a14:hiddenFill xmlns:a14="http://schemas.microsoft.com/office/drawing/2010/main">
-                        <a:solidFill>
-                          <a:srgbClr val="FFFFFF"/>
-                        </a:solidFill>
-                      </a14:hiddenFill>
-                    </a:ext>
-                  </a:extLst>
-                </p:spPr>
-                <p:txBody>
-                  <a:bodyPr vert="horz" wrap="square" lIns="91440" tIns="45720" rIns="91440" bIns="45720" numCol="1" anchor="t" anchorCtr="0" compatLnSpc="1">
-                    <a:prstTxWarp prst="textNoShape">
-                      <a:avLst/>
-                    </a:prstTxWarp>
-                  </a:bodyPr>
-                  <a:lstStyle/>
-                  <a:p>
-                    <a:endParaRPr lang="id-ID"/>
-                  </a:p>
-                </p:txBody>
-              </p:sp>
-              <p:sp>
-                <p:nvSpPr>
-                  <p:cNvPr id="53" name="Freeform 310">
-                    <a:extLst>
-                      <a:ext uri="{FF2B5EF4-FFF2-40B4-BE49-F238E27FC236}">
-                        <a16:creationId xmlns:a16="http://schemas.microsoft.com/office/drawing/2014/main" id="{66875E49-12B2-4689-93D2-F6C3DFA57408}"/>
-                      </a:ext>
-                    </a:extLst>
-                  </p:cNvPr>
-                  <p:cNvSpPr>
-                    <a:spLocks/>
-                  </p:cNvSpPr>
-                  <p:nvPr/>
-                </p:nvSpPr>
-                <p:spPr bwMode="auto">
-                  <a:xfrm>
-                    <a:off x="2782888" y="2978151"/>
-                    <a:ext cx="134938" cy="66675"/>
-                  </a:xfrm>
-                  <a:custGeom>
-                    <a:avLst/>
-                    <a:gdLst>
-                      <a:gd name="T0" fmla="*/ 36 w 36"/>
-                      <a:gd name="T1" fmla="*/ 18 h 18"/>
-                      <a:gd name="T2" fmla="*/ 0 w 36"/>
-                      <a:gd name="T3" fmla="*/ 18 h 18"/>
-                      <a:gd name="T4" fmla="*/ 18 w 36"/>
-                      <a:gd name="T5" fmla="*/ 0 h 18"/>
-                      <a:gd name="T6" fmla="*/ 36 w 36"/>
-                      <a:gd name="T7" fmla="*/ 18 h 18"/>
-                    </a:gdLst>
-                    <a:ahLst/>
-                    <a:cxnLst>
-                      <a:cxn ang="0">
-                        <a:pos x="T0" y="T1"/>
-                      </a:cxn>
-                      <a:cxn ang="0">
-                        <a:pos x="T2" y="T3"/>
-                      </a:cxn>
-                      <a:cxn ang="0">
-                        <a:pos x="T4" y="T5"/>
-                      </a:cxn>
-                      <a:cxn ang="0">
-                        <a:pos x="T6" y="T7"/>
-                      </a:cxn>
-                    </a:cxnLst>
-                    <a:rect l="0" t="0" r="r" b="b"/>
-                    <a:pathLst>
-                      <a:path w="36" h="18">
-                        <a:moveTo>
-                          <a:pt x="36" y="18"/>
-                        </a:moveTo>
-                        <a:cubicBezTo>
-                          <a:pt x="0" y="18"/>
-                          <a:pt x="0" y="18"/>
-                          <a:pt x="0" y="18"/>
-                        </a:cubicBezTo>
-                        <a:cubicBezTo>
-                          <a:pt x="0" y="8"/>
-                          <a:pt x="8" y="0"/>
-                          <a:pt x="18" y="0"/>
-                        </a:cubicBezTo>
-                        <a:cubicBezTo>
-                          <a:pt x="28" y="0"/>
-                          <a:pt x="36" y="8"/>
-                          <a:pt x="36" y="18"/>
-                        </a:cubicBezTo>
-                        <a:close/>
-                      </a:path>
-                    </a:pathLst>
-                  </a:custGeom>
-                  <a:noFill/>
-                  <a:ln w="14288" cap="rnd">
-                    <a:solidFill>
-                      <a:schemeClr val="bg1"/>
-                    </a:solidFill>
-                    <a:prstDash val="solid"/>
-                    <a:round/>
-                    <a:headEnd/>
-                    <a:tailEnd/>
-                  </a:ln>
-                  <a:extLst>
-                    <a:ext uri="{909E8E84-426E-40DD-AFC4-6F175D3DCCD1}">
-                      <a14:hiddenFill xmlns:a14="http://schemas.microsoft.com/office/drawing/2010/main">
-                        <a:solidFill>
-                          <a:srgbClr val="FFFFFF"/>
-                        </a:solidFill>
-                      </a14:hiddenFill>
-                    </a:ext>
-                  </a:extLst>
-                </p:spPr>
-                <p:txBody>
-                  <a:bodyPr vert="horz" wrap="square" lIns="91440" tIns="45720" rIns="91440" bIns="45720" numCol="1" anchor="t" anchorCtr="0" compatLnSpc="1">
-                    <a:prstTxWarp prst="textNoShape">
-                      <a:avLst/>
-                    </a:prstTxWarp>
-                  </a:bodyPr>
-                  <a:lstStyle/>
-                  <a:p>
-                    <a:endParaRPr lang="id-ID"/>
-                  </a:p>
-                </p:txBody>
-              </p:sp>
-              <p:sp>
-                <p:nvSpPr>
-                  <p:cNvPr id="54" name="Oval 311">
-                    <a:extLst>
-                      <a:ext uri="{FF2B5EF4-FFF2-40B4-BE49-F238E27FC236}">
-                        <a16:creationId xmlns:a16="http://schemas.microsoft.com/office/drawing/2014/main" id="{79E812C8-6A14-42FA-B983-56B6F7303417}"/>
-                      </a:ext>
-                    </a:extLst>
-                  </p:cNvPr>
-                  <p:cNvSpPr>
-                    <a:spLocks noChangeArrowheads="1"/>
-                  </p:cNvSpPr>
-                  <p:nvPr/>
-                </p:nvSpPr>
-                <p:spPr bwMode="auto">
-                  <a:xfrm>
-                    <a:off x="2708275" y="3128963"/>
-                    <a:ext cx="60325" cy="58738"/>
-                  </a:xfrm>
-                  <a:prstGeom prst="ellipse">
-                    <a:avLst/>
-                  </a:prstGeom>
-                  <a:noFill/>
-                  <a:ln w="14288" cap="rnd">
-                    <a:solidFill>
-                      <a:schemeClr val="bg1"/>
-                    </a:solidFill>
-                    <a:prstDash val="solid"/>
-                    <a:round/>
-                    <a:headEnd/>
-                    <a:tailEnd/>
-                  </a:ln>
-                  <a:extLst>
-                    <a:ext uri="{909E8E84-426E-40DD-AFC4-6F175D3DCCD1}">
-                      <a14:hiddenFill xmlns:a14="http://schemas.microsoft.com/office/drawing/2010/main">
-                        <a:solidFill>
-                          <a:srgbClr val="FFFFFF"/>
-                        </a:solidFill>
-                      </a14:hiddenFill>
-                    </a:ext>
-                  </a:extLst>
-                </p:spPr>
-                <p:txBody>
-                  <a:bodyPr vert="horz" wrap="square" lIns="91440" tIns="45720" rIns="91440" bIns="45720" numCol="1" anchor="t" anchorCtr="0" compatLnSpc="1">
-                    <a:prstTxWarp prst="textNoShape">
-                      <a:avLst/>
-                    </a:prstTxWarp>
-                  </a:bodyPr>
-                  <a:lstStyle/>
-                  <a:p>
-                    <a:endParaRPr lang="id-ID"/>
-                  </a:p>
-                </p:txBody>
-              </p:sp>
-              <p:sp>
-                <p:nvSpPr>
-                  <p:cNvPr id="55" name="Freeform 312">
-                    <a:extLst>
-                      <a:ext uri="{FF2B5EF4-FFF2-40B4-BE49-F238E27FC236}">
-                        <a16:creationId xmlns:a16="http://schemas.microsoft.com/office/drawing/2014/main" id="{6EE140AE-95E2-42D6-8343-EED0E01B8E8F}"/>
-                      </a:ext>
-                    </a:extLst>
-                  </p:cNvPr>
-                  <p:cNvSpPr>
-                    <a:spLocks/>
-                  </p:cNvSpPr>
-                  <p:nvPr/>
-                </p:nvSpPr>
-                <p:spPr bwMode="auto">
-                  <a:xfrm>
-                    <a:off x="2686050" y="3187701"/>
-                    <a:ext cx="104775" cy="53975"/>
-                  </a:xfrm>
-                  <a:custGeom>
-                    <a:avLst/>
-                    <a:gdLst>
-                      <a:gd name="T0" fmla="*/ 28 w 28"/>
-                      <a:gd name="T1" fmla="*/ 14 h 14"/>
-                      <a:gd name="T2" fmla="*/ 0 w 28"/>
-                      <a:gd name="T3" fmla="*/ 14 h 14"/>
-                      <a:gd name="T4" fmla="*/ 14 w 28"/>
-                      <a:gd name="T5" fmla="*/ 0 h 14"/>
-                      <a:gd name="T6" fmla="*/ 28 w 28"/>
-                      <a:gd name="T7" fmla="*/ 14 h 14"/>
-                    </a:gdLst>
-                    <a:ahLst/>
-                    <a:cxnLst>
-                      <a:cxn ang="0">
-                        <a:pos x="T0" y="T1"/>
-                      </a:cxn>
-                      <a:cxn ang="0">
-                        <a:pos x="T2" y="T3"/>
-                      </a:cxn>
-                      <a:cxn ang="0">
-                        <a:pos x="T4" y="T5"/>
-                      </a:cxn>
-                      <a:cxn ang="0">
-                        <a:pos x="T6" y="T7"/>
-                      </a:cxn>
-                    </a:cxnLst>
-                    <a:rect l="0" t="0" r="r" b="b"/>
-                    <a:pathLst>
-                      <a:path w="28" h="14">
-                        <a:moveTo>
-                          <a:pt x="28" y="14"/>
-                        </a:moveTo>
-                        <a:cubicBezTo>
-                          <a:pt x="0" y="14"/>
-                          <a:pt x="0" y="14"/>
-                          <a:pt x="0" y="14"/>
-                        </a:cubicBezTo>
-                        <a:cubicBezTo>
-                          <a:pt x="0" y="6"/>
-                          <a:pt x="6" y="0"/>
-                          <a:pt x="14" y="0"/>
-                        </a:cubicBezTo>
-                        <a:cubicBezTo>
-                          <a:pt x="22" y="0"/>
-                          <a:pt x="28" y="6"/>
-                          <a:pt x="28" y="14"/>
-                        </a:cubicBezTo>
-                        <a:close/>
-                      </a:path>
-                    </a:pathLst>
-                  </a:custGeom>
-                  <a:noFill/>
-                  <a:ln w="14288" cap="rnd">
-                    <a:solidFill>
-                      <a:schemeClr val="bg1"/>
-                    </a:solidFill>
-                    <a:prstDash val="solid"/>
-                    <a:round/>
-                    <a:headEnd/>
-                    <a:tailEnd/>
-                  </a:ln>
-                  <a:extLst>
-                    <a:ext uri="{909E8E84-426E-40DD-AFC4-6F175D3DCCD1}">
-                      <a14:hiddenFill xmlns:a14="http://schemas.microsoft.com/office/drawing/2010/main">
-                        <a:solidFill>
-                          <a:srgbClr val="FFFFFF"/>
-                        </a:solidFill>
-                      </a14:hiddenFill>
-                    </a:ext>
-                  </a:extLst>
-                </p:spPr>
-                <p:txBody>
-                  <a:bodyPr vert="horz" wrap="square" lIns="91440" tIns="45720" rIns="91440" bIns="45720" numCol="1" anchor="t" anchorCtr="0" compatLnSpc="1">
-                    <a:prstTxWarp prst="textNoShape">
-                      <a:avLst/>
-                    </a:prstTxWarp>
-                  </a:bodyPr>
-                  <a:lstStyle/>
-                  <a:p>
-                    <a:endParaRPr lang="id-ID"/>
-                  </a:p>
-                </p:txBody>
-              </p:sp>
-              <p:sp>
-                <p:nvSpPr>
-                  <p:cNvPr id="56" name="Oval 313">
-                    <a:extLst>
-                      <a:ext uri="{FF2B5EF4-FFF2-40B4-BE49-F238E27FC236}">
-                        <a16:creationId xmlns:a16="http://schemas.microsoft.com/office/drawing/2014/main" id="{A91A4C56-03CB-4D67-8CD8-FC29B3A2B6DE}"/>
-                      </a:ext>
-                    </a:extLst>
-                  </p:cNvPr>
-                  <p:cNvSpPr>
-                    <a:spLocks noChangeArrowheads="1"/>
-                  </p:cNvSpPr>
-                  <p:nvPr/>
-                </p:nvSpPr>
-                <p:spPr bwMode="auto">
-                  <a:xfrm>
-                    <a:off x="2933700" y="3128963"/>
-                    <a:ext cx="60325" cy="58738"/>
-                  </a:xfrm>
-                  <a:prstGeom prst="ellipse">
-                    <a:avLst/>
-                  </a:prstGeom>
-                  <a:noFill/>
-                  <a:ln w="14288" cap="rnd">
-                    <a:solidFill>
-                      <a:schemeClr val="bg1"/>
-                    </a:solidFill>
-                    <a:prstDash val="solid"/>
-                    <a:round/>
-                    <a:headEnd/>
-                    <a:tailEnd/>
-                  </a:ln>
-                  <a:extLst>
-                    <a:ext uri="{909E8E84-426E-40DD-AFC4-6F175D3DCCD1}">
-                      <a14:hiddenFill xmlns:a14="http://schemas.microsoft.com/office/drawing/2010/main">
-                        <a:solidFill>
-                          <a:srgbClr val="FFFFFF"/>
-                        </a:solidFill>
-                      </a14:hiddenFill>
-                    </a:ext>
-                  </a:extLst>
-                </p:spPr>
-                <p:txBody>
-                  <a:bodyPr vert="horz" wrap="square" lIns="91440" tIns="45720" rIns="91440" bIns="45720" numCol="1" anchor="t" anchorCtr="0" compatLnSpc="1">
-                    <a:prstTxWarp prst="textNoShape">
-                      <a:avLst/>
-                    </a:prstTxWarp>
-                  </a:bodyPr>
-                  <a:lstStyle/>
-                  <a:p>
-                    <a:endParaRPr lang="id-ID"/>
-                  </a:p>
-                </p:txBody>
-              </p:sp>
-              <p:sp>
-                <p:nvSpPr>
-                  <p:cNvPr id="57" name="Freeform 314">
-                    <a:extLst>
-                      <a:ext uri="{FF2B5EF4-FFF2-40B4-BE49-F238E27FC236}">
-                        <a16:creationId xmlns:a16="http://schemas.microsoft.com/office/drawing/2014/main" id="{4BF4DB61-E50C-4659-B315-21BF743FF7EC}"/>
-                      </a:ext>
-                    </a:extLst>
-                  </p:cNvPr>
-                  <p:cNvSpPr>
-                    <a:spLocks/>
-                  </p:cNvSpPr>
-                  <p:nvPr/>
-                </p:nvSpPr>
-                <p:spPr bwMode="auto">
-                  <a:xfrm>
-                    <a:off x="2911475" y="3187701"/>
-                    <a:ext cx="104775" cy="53975"/>
-                  </a:xfrm>
-                  <a:custGeom>
-                    <a:avLst/>
-                    <a:gdLst>
-                      <a:gd name="T0" fmla="*/ 28 w 28"/>
-                      <a:gd name="T1" fmla="*/ 14 h 14"/>
-                      <a:gd name="T2" fmla="*/ 0 w 28"/>
-                      <a:gd name="T3" fmla="*/ 14 h 14"/>
-                      <a:gd name="T4" fmla="*/ 14 w 28"/>
-                      <a:gd name="T5" fmla="*/ 0 h 14"/>
-                      <a:gd name="T6" fmla="*/ 28 w 28"/>
-                      <a:gd name="T7" fmla="*/ 14 h 14"/>
-                    </a:gdLst>
-                    <a:ahLst/>
-                    <a:cxnLst>
-                      <a:cxn ang="0">
-                        <a:pos x="T0" y="T1"/>
-                      </a:cxn>
-                      <a:cxn ang="0">
-                        <a:pos x="T2" y="T3"/>
-                      </a:cxn>
-                      <a:cxn ang="0">
-                        <a:pos x="T4" y="T5"/>
-                      </a:cxn>
-                      <a:cxn ang="0">
-                        <a:pos x="T6" y="T7"/>
-                      </a:cxn>
-                    </a:cxnLst>
-                    <a:rect l="0" t="0" r="r" b="b"/>
-                    <a:pathLst>
-                      <a:path w="28" h="14">
-                        <a:moveTo>
-                          <a:pt x="28" y="14"/>
-                        </a:moveTo>
-                        <a:cubicBezTo>
-                          <a:pt x="0" y="14"/>
-                          <a:pt x="0" y="14"/>
-                          <a:pt x="0" y="14"/>
-                        </a:cubicBezTo>
-                        <a:cubicBezTo>
-                          <a:pt x="0" y="6"/>
-                          <a:pt x="6" y="0"/>
-                          <a:pt x="14" y="0"/>
-                        </a:cubicBezTo>
-                        <a:cubicBezTo>
-                          <a:pt x="22" y="0"/>
-                          <a:pt x="28" y="6"/>
-                          <a:pt x="28" y="14"/>
-                        </a:cubicBezTo>
-                        <a:close/>
-                      </a:path>
-                    </a:pathLst>
-                  </a:custGeom>
-                  <a:noFill/>
-                  <a:ln w="14288" cap="rnd">
-                    <a:solidFill>
-                      <a:schemeClr val="bg1"/>
-                    </a:solidFill>
-                    <a:prstDash val="solid"/>
-                    <a:round/>
-                    <a:headEnd/>
-                    <a:tailEnd/>
-                  </a:ln>
-                  <a:extLst>
-                    <a:ext uri="{909E8E84-426E-40DD-AFC4-6F175D3DCCD1}">
-                      <a14:hiddenFill xmlns:a14="http://schemas.microsoft.com/office/drawing/2010/main">
-                        <a:solidFill>
-                          <a:srgbClr val="FFFFFF"/>
-                        </a:solidFill>
-                      </a14:hiddenFill>
-                    </a:ext>
-                  </a:extLst>
-                </p:spPr>
-                <p:txBody>
-                  <a:bodyPr vert="horz" wrap="square" lIns="91440" tIns="45720" rIns="91440" bIns="45720" numCol="1" anchor="t" anchorCtr="0" compatLnSpc="1">
-                    <a:prstTxWarp prst="textNoShape">
-                      <a:avLst/>
-                    </a:prstTxWarp>
-                  </a:bodyPr>
-                  <a:lstStyle/>
-                  <a:p>
-                    <a:endParaRPr lang="id-ID"/>
-                  </a:p>
-                </p:txBody>
-              </p:sp>
-              <p:sp>
-                <p:nvSpPr>
-                  <p:cNvPr id="58" name="Oval 315">
-                    <a:extLst>
-                      <a:ext uri="{FF2B5EF4-FFF2-40B4-BE49-F238E27FC236}">
-                        <a16:creationId xmlns:a16="http://schemas.microsoft.com/office/drawing/2014/main" id="{263D783B-3857-4E55-A551-6655D8DDA100}"/>
-                      </a:ext>
-                    </a:extLst>
-                  </p:cNvPr>
-                  <p:cNvSpPr>
-                    <a:spLocks noChangeArrowheads="1"/>
-                  </p:cNvSpPr>
-                  <p:nvPr/>
-                </p:nvSpPr>
-                <p:spPr bwMode="auto">
-                  <a:xfrm>
-                    <a:off x="2933700" y="3128963"/>
-                    <a:ext cx="60325" cy="58738"/>
-                  </a:xfrm>
-                  <a:prstGeom prst="ellipse">
-                    <a:avLst/>
-                  </a:prstGeom>
-                  <a:noFill/>
-                  <a:ln w="14288" cap="rnd">
-                    <a:solidFill>
-                      <a:schemeClr val="bg1"/>
-                    </a:solidFill>
-                    <a:prstDash val="solid"/>
-                    <a:round/>
-                    <a:headEnd/>
-                    <a:tailEnd/>
-                  </a:ln>
-                  <a:extLst>
-                    <a:ext uri="{909E8E84-426E-40DD-AFC4-6F175D3DCCD1}">
-                      <a14:hiddenFill xmlns:a14="http://schemas.microsoft.com/office/drawing/2010/main">
-                        <a:solidFill>
-                          <a:srgbClr val="FFFFFF"/>
-                        </a:solidFill>
-                      </a14:hiddenFill>
-                    </a:ext>
-                  </a:extLst>
-                </p:spPr>
-                <p:txBody>
-                  <a:bodyPr vert="horz" wrap="square" lIns="91440" tIns="45720" rIns="91440" bIns="45720" numCol="1" anchor="t" anchorCtr="0" compatLnSpc="1">
-                    <a:prstTxWarp prst="textNoShape">
-                      <a:avLst/>
-                    </a:prstTxWarp>
-                  </a:bodyPr>
-                  <a:lstStyle/>
-                  <a:p>
-                    <a:endParaRPr lang="id-ID"/>
-                  </a:p>
-                </p:txBody>
-              </p:sp>
-              <p:sp>
-                <p:nvSpPr>
-                  <p:cNvPr id="59" name="Freeform 316">
-                    <a:extLst>
-                      <a:ext uri="{FF2B5EF4-FFF2-40B4-BE49-F238E27FC236}">
-                        <a16:creationId xmlns:a16="http://schemas.microsoft.com/office/drawing/2014/main" id="{E46D5622-D664-481B-8902-70C961FAFD89}"/>
-                      </a:ext>
-                    </a:extLst>
-                  </p:cNvPr>
-                  <p:cNvSpPr>
-                    <a:spLocks/>
-                  </p:cNvSpPr>
-                  <p:nvPr/>
-                </p:nvSpPr>
-                <p:spPr bwMode="auto">
-                  <a:xfrm>
-                    <a:off x="2911475" y="3187701"/>
-                    <a:ext cx="104775" cy="53975"/>
-                  </a:xfrm>
-                  <a:custGeom>
-                    <a:avLst/>
-                    <a:gdLst>
-                      <a:gd name="T0" fmla="*/ 28 w 28"/>
-                      <a:gd name="T1" fmla="*/ 14 h 14"/>
-                      <a:gd name="T2" fmla="*/ 0 w 28"/>
-                      <a:gd name="T3" fmla="*/ 14 h 14"/>
-                      <a:gd name="T4" fmla="*/ 14 w 28"/>
-                      <a:gd name="T5" fmla="*/ 0 h 14"/>
-                      <a:gd name="T6" fmla="*/ 28 w 28"/>
-                      <a:gd name="T7" fmla="*/ 14 h 14"/>
-                    </a:gdLst>
-                    <a:ahLst/>
-                    <a:cxnLst>
-                      <a:cxn ang="0">
-                        <a:pos x="T0" y="T1"/>
-                      </a:cxn>
-                      <a:cxn ang="0">
-                        <a:pos x="T2" y="T3"/>
-                      </a:cxn>
-                      <a:cxn ang="0">
-                        <a:pos x="T4" y="T5"/>
-                      </a:cxn>
-                      <a:cxn ang="0">
-                        <a:pos x="T6" y="T7"/>
-                      </a:cxn>
-                    </a:cxnLst>
-                    <a:rect l="0" t="0" r="r" b="b"/>
-                    <a:pathLst>
-                      <a:path w="28" h="14">
-                        <a:moveTo>
-                          <a:pt x="28" y="14"/>
-                        </a:moveTo>
-                        <a:cubicBezTo>
-                          <a:pt x="0" y="14"/>
-                          <a:pt x="0" y="14"/>
-                          <a:pt x="0" y="14"/>
-                        </a:cubicBezTo>
-                        <a:cubicBezTo>
-                          <a:pt x="0" y="6"/>
-                          <a:pt x="6" y="0"/>
-                          <a:pt x="14" y="0"/>
-                        </a:cubicBezTo>
-                        <a:cubicBezTo>
-                          <a:pt x="22" y="0"/>
-                          <a:pt x="28" y="6"/>
-                          <a:pt x="28" y="14"/>
-                        </a:cubicBezTo>
-                        <a:close/>
-                      </a:path>
-                    </a:pathLst>
-                  </a:custGeom>
-                  <a:noFill/>
-                  <a:ln w="14288" cap="rnd">
-                    <a:solidFill>
-                      <a:schemeClr val="bg1"/>
-                    </a:solidFill>
-                    <a:prstDash val="solid"/>
-                    <a:round/>
-                    <a:headEnd/>
-                    <a:tailEnd/>
-                  </a:ln>
-                  <a:extLst>
-                    <a:ext uri="{909E8E84-426E-40DD-AFC4-6F175D3DCCD1}">
-                      <a14:hiddenFill xmlns:a14="http://schemas.microsoft.com/office/drawing/2010/main">
-                        <a:solidFill>
-                          <a:srgbClr val="FFFFFF"/>
-                        </a:solidFill>
-                      </a14:hiddenFill>
-                    </a:ext>
-                  </a:extLst>
-                </p:spPr>
-                <p:txBody>
-                  <a:bodyPr vert="horz" wrap="square" lIns="91440" tIns="45720" rIns="91440" bIns="45720" numCol="1" anchor="t" anchorCtr="0" compatLnSpc="1">
-                    <a:prstTxWarp prst="textNoShape">
-                      <a:avLst/>
-                    </a:prstTxWarp>
-                  </a:bodyPr>
-                  <a:lstStyle/>
-                  <a:p>
-                    <a:endParaRPr lang="id-ID"/>
-                  </a:p>
-                </p:txBody>
-              </p:sp>
-              <p:sp>
-                <p:nvSpPr>
-                  <p:cNvPr id="60" name="Oval 317">
-                    <a:extLst>
-                      <a:ext uri="{FF2B5EF4-FFF2-40B4-BE49-F238E27FC236}">
-                        <a16:creationId xmlns:a16="http://schemas.microsoft.com/office/drawing/2014/main" id="{5BDC2AA3-8653-47C6-9CF7-2579486BFFF4}"/>
-                      </a:ext>
-                    </a:extLst>
-                  </p:cNvPr>
-                  <p:cNvSpPr>
-                    <a:spLocks noChangeArrowheads="1"/>
-                  </p:cNvSpPr>
-                  <p:nvPr/>
-                </p:nvSpPr>
-                <p:spPr bwMode="auto">
-                  <a:xfrm>
-                    <a:off x="2820988" y="3128963"/>
-                    <a:ext cx="60325" cy="58738"/>
-                  </a:xfrm>
-                  <a:prstGeom prst="ellipse">
-                    <a:avLst/>
-                  </a:prstGeom>
-                  <a:noFill/>
-                  <a:ln w="14288" cap="rnd">
-                    <a:solidFill>
-                      <a:schemeClr val="bg1"/>
-                    </a:solidFill>
-                    <a:prstDash val="solid"/>
-                    <a:round/>
-                    <a:headEnd/>
-                    <a:tailEnd/>
-                  </a:ln>
-                  <a:extLst>
-                    <a:ext uri="{909E8E84-426E-40DD-AFC4-6F175D3DCCD1}">
-                      <a14:hiddenFill xmlns:a14="http://schemas.microsoft.com/office/drawing/2010/main">
-                        <a:solidFill>
-                          <a:srgbClr val="FFFFFF"/>
-                        </a:solidFill>
-                      </a14:hiddenFill>
-                    </a:ext>
-                  </a:extLst>
-                </p:spPr>
-                <p:txBody>
-                  <a:bodyPr vert="horz" wrap="square" lIns="91440" tIns="45720" rIns="91440" bIns="45720" numCol="1" anchor="t" anchorCtr="0" compatLnSpc="1">
-                    <a:prstTxWarp prst="textNoShape">
-                      <a:avLst/>
-                    </a:prstTxWarp>
-                  </a:bodyPr>
-                  <a:lstStyle/>
-                  <a:p>
-                    <a:endParaRPr lang="id-ID"/>
-                  </a:p>
-                </p:txBody>
-              </p:sp>
-              <p:sp>
-                <p:nvSpPr>
-                  <p:cNvPr id="61" name="Freeform 318">
-                    <a:extLst>
-                      <a:ext uri="{FF2B5EF4-FFF2-40B4-BE49-F238E27FC236}">
-                        <a16:creationId xmlns:a16="http://schemas.microsoft.com/office/drawing/2014/main" id="{3A66D3FE-E235-4203-A19F-BC38BF7A6C4D}"/>
-                      </a:ext>
-                    </a:extLst>
-                  </p:cNvPr>
-                  <p:cNvSpPr>
-                    <a:spLocks/>
-                  </p:cNvSpPr>
-                  <p:nvPr/>
-                </p:nvSpPr>
-                <p:spPr bwMode="auto">
-                  <a:xfrm>
-                    <a:off x="2798763" y="3187701"/>
-                    <a:ext cx="104775" cy="53975"/>
-                  </a:xfrm>
-                  <a:custGeom>
-                    <a:avLst/>
-                    <a:gdLst>
-                      <a:gd name="T0" fmla="*/ 28 w 28"/>
-                      <a:gd name="T1" fmla="*/ 14 h 14"/>
-                      <a:gd name="T2" fmla="*/ 0 w 28"/>
-                      <a:gd name="T3" fmla="*/ 14 h 14"/>
-                      <a:gd name="T4" fmla="*/ 14 w 28"/>
-                      <a:gd name="T5" fmla="*/ 0 h 14"/>
-                      <a:gd name="T6" fmla="*/ 28 w 28"/>
-                      <a:gd name="T7" fmla="*/ 14 h 14"/>
-                    </a:gdLst>
-                    <a:ahLst/>
-                    <a:cxnLst>
-                      <a:cxn ang="0">
-                        <a:pos x="T0" y="T1"/>
-                      </a:cxn>
-                      <a:cxn ang="0">
-                        <a:pos x="T2" y="T3"/>
-                      </a:cxn>
-                      <a:cxn ang="0">
-                        <a:pos x="T4" y="T5"/>
-                      </a:cxn>
-                      <a:cxn ang="0">
-                        <a:pos x="T6" y="T7"/>
-                      </a:cxn>
-                    </a:cxnLst>
-                    <a:rect l="0" t="0" r="r" b="b"/>
-                    <a:pathLst>
-                      <a:path w="28" h="14">
-                        <a:moveTo>
-                          <a:pt x="28" y="14"/>
-                        </a:moveTo>
-                        <a:cubicBezTo>
-                          <a:pt x="0" y="14"/>
-                          <a:pt x="0" y="14"/>
-                          <a:pt x="0" y="14"/>
-                        </a:cubicBezTo>
-                        <a:cubicBezTo>
-                          <a:pt x="0" y="6"/>
-                          <a:pt x="6" y="0"/>
-                          <a:pt x="14" y="0"/>
-                        </a:cubicBezTo>
-                        <a:cubicBezTo>
-                          <a:pt x="22" y="0"/>
-                          <a:pt x="28" y="6"/>
-                          <a:pt x="28" y="14"/>
-                        </a:cubicBezTo>
-                        <a:close/>
-                      </a:path>
-                    </a:pathLst>
-                  </a:custGeom>
-                  <a:noFill/>
-                  <a:ln w="14288" cap="rnd">
-                    <a:solidFill>
-                      <a:schemeClr val="bg1"/>
-                    </a:solidFill>
-                    <a:prstDash val="solid"/>
-                    <a:round/>
-                    <a:headEnd/>
-                    <a:tailEnd/>
-                  </a:ln>
-                  <a:extLst>
-                    <a:ext uri="{909E8E84-426E-40DD-AFC4-6F175D3DCCD1}">
-                      <a14:hiddenFill xmlns:a14="http://schemas.microsoft.com/office/drawing/2010/main">
-                        <a:solidFill>
-                          <a:srgbClr val="FFFFFF"/>
-                        </a:solidFill>
-                      </a14:hiddenFill>
-                    </a:ext>
-                  </a:extLst>
-                </p:spPr>
-                <p:txBody>
-                  <a:bodyPr vert="horz" wrap="square" lIns="91440" tIns="45720" rIns="91440" bIns="45720" numCol="1" anchor="t" anchorCtr="0" compatLnSpc="1">
-                    <a:prstTxWarp prst="textNoShape">
-                      <a:avLst/>
-                    </a:prstTxWarp>
-                  </a:bodyPr>
-                  <a:lstStyle/>
-                  <a:p>
-                    <a:endParaRPr lang="id-ID"/>
-                  </a:p>
-                </p:txBody>
-              </p:sp>
-              <p:sp>
-                <p:nvSpPr>
-                  <p:cNvPr id="62" name="Freeform 319">
-                    <a:extLst>
-                      <a:ext uri="{FF2B5EF4-FFF2-40B4-BE49-F238E27FC236}">
-                        <a16:creationId xmlns:a16="http://schemas.microsoft.com/office/drawing/2014/main" id="{6C51C0E5-2DAE-4DE1-BAE4-8E0D932D99E4}"/>
-                      </a:ext>
-                    </a:extLst>
-                  </p:cNvPr>
-                  <p:cNvSpPr>
-                    <a:spLocks/>
-                  </p:cNvSpPr>
-                  <p:nvPr/>
-                </p:nvSpPr>
-                <p:spPr bwMode="auto">
-                  <a:xfrm>
-                    <a:off x="2738438" y="3074988"/>
-                    <a:ext cx="225425" cy="15875"/>
-                  </a:xfrm>
-                  <a:custGeom>
-                    <a:avLst/>
-                    <a:gdLst>
-                      <a:gd name="T0" fmla="*/ 0 w 142"/>
-                      <a:gd name="T1" fmla="*/ 10 h 10"/>
-                      <a:gd name="T2" fmla="*/ 0 w 142"/>
-                      <a:gd name="T3" fmla="*/ 0 h 10"/>
-                      <a:gd name="T4" fmla="*/ 142 w 142"/>
-                      <a:gd name="T5" fmla="*/ 0 h 10"/>
-                      <a:gd name="T6" fmla="*/ 142 w 142"/>
-                      <a:gd name="T7" fmla="*/ 10 h 10"/>
-                    </a:gdLst>
-                    <a:ahLst/>
-                    <a:cxnLst>
-                      <a:cxn ang="0">
-                        <a:pos x="T0" y="T1"/>
-                      </a:cxn>
-                      <a:cxn ang="0">
-                        <a:pos x="T2" y="T3"/>
-                      </a:cxn>
-                      <a:cxn ang="0">
-                        <a:pos x="T4" y="T5"/>
-                      </a:cxn>
-                      <a:cxn ang="0">
-                        <a:pos x="T6" y="T7"/>
-                      </a:cxn>
-                    </a:cxnLst>
-                    <a:rect l="0" t="0" r="r" b="b"/>
-                    <a:pathLst>
-                      <a:path w="142" h="10">
-                        <a:moveTo>
-                          <a:pt x="0" y="10"/>
-                        </a:moveTo>
-                        <a:lnTo>
-                          <a:pt x="0" y="0"/>
-                        </a:lnTo>
-                        <a:lnTo>
-                          <a:pt x="142" y="0"/>
-                        </a:lnTo>
-                        <a:lnTo>
-                          <a:pt x="142" y="10"/>
-                        </a:lnTo>
-                      </a:path>
-                    </a:pathLst>
-                  </a:custGeom>
-                  <a:noFill/>
-                  <a:ln w="14288" cap="rnd">
-                    <a:solidFill>
-                      <a:schemeClr val="bg1"/>
-                    </a:solidFill>
-                    <a:prstDash val="solid"/>
-                    <a:round/>
-                    <a:headEnd/>
-                    <a:tailEnd/>
-                  </a:ln>
-                  <a:extLst>
-                    <a:ext uri="{909E8E84-426E-40DD-AFC4-6F175D3DCCD1}">
-                      <a14:hiddenFill xmlns:a14="http://schemas.microsoft.com/office/drawing/2010/main">
-                        <a:solidFill>
-                          <a:srgbClr val="FFFFFF"/>
-                        </a:solidFill>
-                      </a14:hiddenFill>
-                    </a:ext>
-                  </a:extLst>
-                </p:spPr>
-                <p:txBody>
-                  <a:bodyPr vert="horz" wrap="square" lIns="91440" tIns="45720" rIns="91440" bIns="45720" numCol="1" anchor="t" anchorCtr="0" compatLnSpc="1">
-                    <a:prstTxWarp prst="textNoShape">
-                      <a:avLst/>
-                    </a:prstTxWarp>
-                  </a:bodyPr>
-                  <a:lstStyle/>
-                  <a:p>
-                    <a:endParaRPr lang="id-ID"/>
-                  </a:p>
-                </p:txBody>
-              </p:sp>
-              <p:sp>
-                <p:nvSpPr>
-                  <p:cNvPr id="63" name="Line 320">
-                    <a:extLst>
-                      <a:ext uri="{FF2B5EF4-FFF2-40B4-BE49-F238E27FC236}">
-                        <a16:creationId xmlns:a16="http://schemas.microsoft.com/office/drawing/2014/main" id="{FED6DFE8-0963-48D1-9BAA-53772F0EA839}"/>
-                      </a:ext>
-                    </a:extLst>
-                  </p:cNvPr>
-                  <p:cNvSpPr>
-                    <a:spLocks noChangeShapeType="1"/>
-                  </p:cNvSpPr>
-                  <p:nvPr/>
-                </p:nvSpPr>
-                <p:spPr bwMode="auto">
-                  <a:xfrm>
-                    <a:off x="2851150" y="3044826"/>
-                    <a:ext cx="0" cy="46038"/>
-                  </a:xfrm>
-                  <a:prstGeom prst="line">
-                    <a:avLst/>
-                  </a:prstGeom>
-                  <a:noFill/>
-                  <a:ln w="14288" cap="rnd">
-                    <a:solidFill>
-                      <a:schemeClr val="bg1"/>
-                    </a:solidFill>
-                    <a:prstDash val="solid"/>
-                    <a:round/>
-                    <a:headEnd/>
-                    <a:tailEnd/>
-                  </a:ln>
-                  <a:extLst>
-                    <a:ext uri="{909E8E84-426E-40DD-AFC4-6F175D3DCCD1}">
-                      <a14:hiddenFill xmlns:a14="http://schemas.microsoft.com/office/drawing/2010/main">
-                        <a:noFill/>
-                      </a14:hiddenFill>
-                    </a:ext>
-                  </a:extLst>
-                </p:spPr>
-                <p:txBody>
-                  <a:bodyPr vert="horz" wrap="square" lIns="91440" tIns="45720" rIns="91440" bIns="45720" numCol="1" anchor="t" anchorCtr="0" compatLnSpc="1">
-                    <a:prstTxWarp prst="textNoShape">
-                      <a:avLst/>
-                    </a:prstTxWarp>
-                  </a:bodyPr>
-                  <a:lstStyle/>
-                  <a:p>
-                    <a:endParaRPr lang="id-ID"/>
-                  </a:p>
-                </p:txBody>
-              </p:sp>
-            </p:grpSp>
-          </p:grpSp>
-          <p:grpSp>
-            <p:nvGrpSpPr>
-              <p:cNvPr id="98" name="Group 97">
-                <a:extLst>
-                  <a:ext uri="{FF2B5EF4-FFF2-40B4-BE49-F238E27FC236}">
-                    <a16:creationId xmlns:a16="http://schemas.microsoft.com/office/drawing/2014/main" id="{EF34A4EB-3F1D-46DA-8918-F39703249E85}"/>
-                  </a:ext>
-                </a:extLst>
-              </p:cNvPr>
-              <p:cNvGrpSpPr/>
-              <p:nvPr/>
-            </p:nvGrpSpPr>
-            <p:grpSpPr>
-              <a:xfrm>
-                <a:off x="4711392" y="3113161"/>
-                <a:ext cx="3075333" cy="492443"/>
-                <a:chOff x="5055348" y="2856123"/>
-                <a:chExt cx="3075333" cy="492443"/>
-              </a:xfrm>
-            </p:grpSpPr>
-            <p:grpSp>
-              <p:nvGrpSpPr>
-                <p:cNvPr id="15" name="Group 14">
-                  <a:extLst>
-                    <a:ext uri="{FF2B5EF4-FFF2-40B4-BE49-F238E27FC236}">
-                      <a16:creationId xmlns:a16="http://schemas.microsoft.com/office/drawing/2014/main" id="{E136D759-25F2-4CF2-9BE6-769681C37E48}"/>
-                    </a:ext>
-                  </a:extLst>
-                </p:cNvPr>
-                <p:cNvGrpSpPr/>
-                <p:nvPr/>
-              </p:nvGrpSpPr>
-              <p:grpSpPr>
-                <a:xfrm>
-                  <a:off x="5055348" y="2929307"/>
-                  <a:ext cx="346075" cy="346075"/>
-                  <a:chOff x="3398838" y="2895601"/>
-                  <a:chExt cx="346075" cy="346075"/>
-                </a:xfrm>
-              </p:grpSpPr>
-              <p:sp>
-                <p:nvSpPr>
-                  <p:cNvPr id="16" name="Freeform 49">
-                    <a:extLst>
-                      <a:ext uri="{FF2B5EF4-FFF2-40B4-BE49-F238E27FC236}">
-                        <a16:creationId xmlns:a16="http://schemas.microsoft.com/office/drawing/2014/main" id="{56CCB68B-57D2-49CC-B61F-363F0FF3AD9B}"/>
-                      </a:ext>
-                    </a:extLst>
-                  </p:cNvPr>
-                  <p:cNvSpPr>
-                    <a:spLocks/>
-                  </p:cNvSpPr>
-                  <p:nvPr/>
-                </p:nvSpPr>
-                <p:spPr bwMode="auto">
-                  <a:xfrm>
-                    <a:off x="3398838" y="2986089"/>
-                    <a:ext cx="82550" cy="58738"/>
-                  </a:xfrm>
-                  <a:custGeom>
-                    <a:avLst/>
-                    <a:gdLst>
-                      <a:gd name="T0" fmla="*/ 14 w 22"/>
-                      <a:gd name="T1" fmla="*/ 0 h 16"/>
-                      <a:gd name="T2" fmla="*/ 14 w 22"/>
-                      <a:gd name="T3" fmla="*/ 6 h 16"/>
-                      <a:gd name="T4" fmla="*/ 4 w 22"/>
-                      <a:gd name="T5" fmla="*/ 9 h 16"/>
-                      <a:gd name="T6" fmla="*/ 0 w 22"/>
-                      <a:gd name="T7" fmla="*/ 14 h 16"/>
-                      <a:gd name="T8" fmla="*/ 0 w 22"/>
-                      <a:gd name="T9" fmla="*/ 16 h 16"/>
-                      <a:gd name="T10" fmla="*/ 22 w 22"/>
-                      <a:gd name="T11" fmla="*/ 16 h 16"/>
-                    </a:gdLst>
-                    <a:ahLst/>
-                    <a:cxnLst>
-                      <a:cxn ang="0">
-                        <a:pos x="T0" y="T1"/>
-                      </a:cxn>
-                      <a:cxn ang="0">
-                        <a:pos x="T2" y="T3"/>
-                      </a:cxn>
-                      <a:cxn ang="0">
-                        <a:pos x="T4" y="T5"/>
-                      </a:cxn>
-                      <a:cxn ang="0">
-                        <a:pos x="T6" y="T7"/>
-                      </a:cxn>
-                      <a:cxn ang="0">
-                        <a:pos x="T8" y="T9"/>
-                      </a:cxn>
-                      <a:cxn ang="0">
-                        <a:pos x="T10" y="T11"/>
-                      </a:cxn>
-                    </a:cxnLst>
-                    <a:rect l="0" t="0" r="r" b="b"/>
-                    <a:pathLst>
-                      <a:path w="22" h="16">
-                        <a:moveTo>
-                          <a:pt x="14" y="0"/>
-                        </a:moveTo>
-                        <a:cubicBezTo>
-                          <a:pt x="14" y="6"/>
-                          <a:pt x="14" y="6"/>
-                          <a:pt x="14" y="6"/>
-                        </a:cubicBezTo>
-                        <a:cubicBezTo>
-                          <a:pt x="4" y="9"/>
-                          <a:pt x="4" y="9"/>
-                          <a:pt x="4" y="9"/>
-                        </a:cubicBezTo>
-                        <a:cubicBezTo>
-                          <a:pt x="2" y="10"/>
-                          <a:pt x="0" y="12"/>
-                          <a:pt x="0" y="14"/>
-                        </a:cubicBezTo>
-                        <a:cubicBezTo>
-                          <a:pt x="0" y="16"/>
-                          <a:pt x="0" y="16"/>
-                          <a:pt x="0" y="16"/>
-                        </a:cubicBezTo>
-                        <a:cubicBezTo>
-                          <a:pt x="22" y="16"/>
-                          <a:pt x="22" y="16"/>
-                          <a:pt x="22" y="16"/>
-                        </a:cubicBezTo>
-                      </a:path>
-                    </a:pathLst>
-                  </a:custGeom>
-                  <a:noFill/>
-                  <a:ln w="14288" cap="flat">
-                    <a:solidFill>
-                      <a:schemeClr val="bg1"/>
-                    </a:solidFill>
-                    <a:prstDash val="solid"/>
-                    <a:round/>
-                    <a:headEnd/>
-                    <a:tailEnd/>
-                  </a:ln>
-                  <a:extLst>
-                    <a:ext uri="{909E8E84-426E-40DD-AFC4-6F175D3DCCD1}">
-                      <a14:hiddenFill xmlns:a14="http://schemas.microsoft.com/office/drawing/2010/main">
-                        <a:solidFill>
-                          <a:srgbClr val="FFFFFF"/>
-                        </a:solidFill>
-                      </a14:hiddenFill>
-                    </a:ext>
-                  </a:extLst>
-                </p:spPr>
-                <p:txBody>
-                  <a:bodyPr vert="horz" wrap="square" lIns="91440" tIns="45720" rIns="91440" bIns="45720" numCol="1" anchor="t" anchorCtr="0" compatLnSpc="1">
-                    <a:prstTxWarp prst="textNoShape">
-                      <a:avLst/>
-                    </a:prstTxWarp>
-                  </a:bodyPr>
-                  <a:lstStyle/>
-                  <a:p>
-                    <a:endParaRPr lang="id-ID"/>
-                  </a:p>
-                </p:txBody>
-              </p:sp>
-              <p:sp>
-                <p:nvSpPr>
-                  <p:cNvPr id="17" name="Freeform 50">
-                    <a:extLst>
-                      <a:ext uri="{FF2B5EF4-FFF2-40B4-BE49-F238E27FC236}">
-                        <a16:creationId xmlns:a16="http://schemas.microsoft.com/office/drawing/2014/main" id="{67F96EFD-DA55-4AD5-BA45-4313C3E9814D}"/>
-                      </a:ext>
-                    </a:extLst>
-                  </p:cNvPr>
-                  <p:cNvSpPr>
-                    <a:spLocks/>
-                  </p:cNvSpPr>
-                  <p:nvPr/>
-                </p:nvSpPr>
-                <p:spPr bwMode="auto">
-                  <a:xfrm>
-                    <a:off x="3467101" y="2986089"/>
-                    <a:ext cx="82550" cy="58738"/>
-                  </a:xfrm>
-                  <a:custGeom>
-                    <a:avLst/>
-                    <a:gdLst>
-                      <a:gd name="T0" fmla="*/ 8 w 22"/>
-                      <a:gd name="T1" fmla="*/ 0 h 16"/>
-                      <a:gd name="T2" fmla="*/ 8 w 22"/>
-                      <a:gd name="T3" fmla="*/ 6 h 16"/>
-                      <a:gd name="T4" fmla="*/ 18 w 22"/>
-                      <a:gd name="T5" fmla="*/ 9 h 16"/>
-                      <a:gd name="T6" fmla="*/ 22 w 22"/>
-                      <a:gd name="T7" fmla="*/ 14 h 16"/>
-                      <a:gd name="T8" fmla="*/ 22 w 22"/>
-                      <a:gd name="T9" fmla="*/ 16 h 16"/>
-                      <a:gd name="T10" fmla="*/ 0 w 22"/>
-                      <a:gd name="T11" fmla="*/ 16 h 16"/>
-                    </a:gdLst>
-                    <a:ahLst/>
-                    <a:cxnLst>
-                      <a:cxn ang="0">
-                        <a:pos x="T0" y="T1"/>
-                      </a:cxn>
-                      <a:cxn ang="0">
-                        <a:pos x="T2" y="T3"/>
-                      </a:cxn>
-                      <a:cxn ang="0">
-                        <a:pos x="T4" y="T5"/>
-                      </a:cxn>
-                      <a:cxn ang="0">
-                        <a:pos x="T6" y="T7"/>
-                      </a:cxn>
-                      <a:cxn ang="0">
-                        <a:pos x="T8" y="T9"/>
-                      </a:cxn>
-                      <a:cxn ang="0">
-                        <a:pos x="T10" y="T11"/>
-                      </a:cxn>
-                    </a:cxnLst>
-                    <a:rect l="0" t="0" r="r" b="b"/>
-                    <a:pathLst>
-                      <a:path w="22" h="16">
-                        <a:moveTo>
-                          <a:pt x="8" y="0"/>
-                        </a:moveTo>
-                        <a:cubicBezTo>
-                          <a:pt x="8" y="6"/>
-                          <a:pt x="8" y="6"/>
-                          <a:pt x="8" y="6"/>
-                        </a:cubicBezTo>
-                        <a:cubicBezTo>
-                          <a:pt x="18" y="9"/>
-                          <a:pt x="18" y="9"/>
-                          <a:pt x="18" y="9"/>
-                        </a:cubicBezTo>
-                        <a:cubicBezTo>
-                          <a:pt x="20" y="10"/>
-                          <a:pt x="22" y="12"/>
-                          <a:pt x="22" y="14"/>
-                        </a:cubicBezTo>
-                        <a:cubicBezTo>
-                          <a:pt x="22" y="16"/>
-                          <a:pt x="22" y="16"/>
-                          <a:pt x="22" y="16"/>
-                        </a:cubicBezTo>
-                        <a:cubicBezTo>
-                          <a:pt x="0" y="16"/>
-                          <a:pt x="0" y="16"/>
-                          <a:pt x="0" y="16"/>
-                        </a:cubicBezTo>
-                      </a:path>
-                    </a:pathLst>
-                  </a:custGeom>
-                  <a:noFill/>
-                  <a:ln w="14288" cap="flat">
-                    <a:solidFill>
-                      <a:schemeClr val="bg1"/>
-                    </a:solidFill>
-                    <a:prstDash val="solid"/>
-                    <a:round/>
-                    <a:headEnd/>
-                    <a:tailEnd/>
-                  </a:ln>
-                  <a:extLst>
-                    <a:ext uri="{909E8E84-426E-40DD-AFC4-6F175D3DCCD1}">
-                      <a14:hiddenFill xmlns:a14="http://schemas.microsoft.com/office/drawing/2010/main">
-                        <a:solidFill>
-                          <a:srgbClr val="FFFFFF"/>
-                        </a:solidFill>
-                      </a14:hiddenFill>
-                    </a:ext>
-                  </a:extLst>
-                </p:spPr>
-                <p:txBody>
-                  <a:bodyPr vert="horz" wrap="square" lIns="91440" tIns="45720" rIns="91440" bIns="45720" numCol="1" anchor="t" anchorCtr="0" compatLnSpc="1">
-                    <a:prstTxWarp prst="textNoShape">
-                      <a:avLst/>
-                    </a:prstTxWarp>
-                  </a:bodyPr>
-                  <a:lstStyle/>
-                  <a:p>
-                    <a:endParaRPr lang="id-ID"/>
-                  </a:p>
-                </p:txBody>
-              </p:sp>
-              <p:sp>
-                <p:nvSpPr>
-                  <p:cNvPr id="18" name="Oval 51">
-                    <a:extLst>
-                      <a:ext uri="{FF2B5EF4-FFF2-40B4-BE49-F238E27FC236}">
-                        <a16:creationId xmlns:a16="http://schemas.microsoft.com/office/drawing/2014/main" id="{F372C151-C001-4280-B771-9A239086CCF5}"/>
-                      </a:ext>
-                    </a:extLst>
-                  </p:cNvPr>
-                  <p:cNvSpPr>
-                    <a:spLocks noChangeArrowheads="1"/>
-                  </p:cNvSpPr>
-                  <p:nvPr/>
-                </p:nvSpPr>
-                <p:spPr bwMode="auto">
-                  <a:xfrm>
-                    <a:off x="3429001" y="2895601"/>
-                    <a:ext cx="90488" cy="96838"/>
-                  </a:xfrm>
-                  <a:prstGeom prst="ellipse">
-                    <a:avLst/>
-                  </a:prstGeom>
-                  <a:noFill/>
-                  <a:ln w="14288" cap="flat">
-                    <a:solidFill>
-                      <a:schemeClr val="bg1"/>
-                    </a:solidFill>
-                    <a:prstDash val="solid"/>
-                    <a:round/>
-                    <a:headEnd/>
-                    <a:tailEnd/>
-                  </a:ln>
-                  <a:extLst>
-                    <a:ext uri="{909E8E84-426E-40DD-AFC4-6F175D3DCCD1}">
-                      <a14:hiddenFill xmlns:a14="http://schemas.microsoft.com/office/drawing/2010/main">
-                        <a:solidFill>
-                          <a:srgbClr val="FFFFFF"/>
-                        </a:solidFill>
-                      </a14:hiddenFill>
-                    </a:ext>
-                  </a:extLst>
-                </p:spPr>
-                <p:txBody>
-                  <a:bodyPr vert="horz" wrap="square" lIns="91440" tIns="45720" rIns="91440" bIns="45720" numCol="1" anchor="t" anchorCtr="0" compatLnSpc="1">
-                    <a:prstTxWarp prst="textNoShape">
-                      <a:avLst/>
-                    </a:prstTxWarp>
-                  </a:bodyPr>
-                  <a:lstStyle/>
-                  <a:p>
-                    <a:endParaRPr lang="id-ID"/>
-                  </a:p>
-                </p:txBody>
-              </p:sp>
-              <p:sp>
-                <p:nvSpPr>
-                  <p:cNvPr id="19" name="Freeform 52">
-                    <a:extLst>
-                      <a:ext uri="{FF2B5EF4-FFF2-40B4-BE49-F238E27FC236}">
-                        <a16:creationId xmlns:a16="http://schemas.microsoft.com/office/drawing/2014/main" id="{D3FA7893-F8A0-4F72-ACCF-CF4CE6E4B9E5}"/>
-                      </a:ext>
-                    </a:extLst>
-                  </p:cNvPr>
-                  <p:cNvSpPr>
-                    <a:spLocks/>
-                  </p:cNvSpPr>
-                  <p:nvPr/>
-                </p:nvSpPr>
-                <p:spPr bwMode="auto">
-                  <a:xfrm>
-                    <a:off x="3429001" y="2928939"/>
-                    <a:ext cx="90488" cy="14288"/>
-                  </a:xfrm>
-                  <a:custGeom>
-                    <a:avLst/>
-                    <a:gdLst>
-                      <a:gd name="T0" fmla="*/ 24 w 24"/>
-                      <a:gd name="T1" fmla="*/ 2 h 4"/>
-                      <a:gd name="T2" fmla="*/ 14 w 24"/>
-                      <a:gd name="T3" fmla="*/ 0 h 4"/>
-                      <a:gd name="T4" fmla="*/ 0 w 24"/>
-                      <a:gd name="T5" fmla="*/ 1 h 4"/>
-                    </a:gdLst>
-                    <a:ahLst/>
-                    <a:cxnLst>
-                      <a:cxn ang="0">
-                        <a:pos x="T0" y="T1"/>
-                      </a:cxn>
-                      <a:cxn ang="0">
-                        <a:pos x="T2" y="T3"/>
-                      </a:cxn>
-                      <a:cxn ang="0">
-                        <a:pos x="T4" y="T5"/>
-                      </a:cxn>
-                    </a:cxnLst>
-                    <a:rect l="0" t="0" r="r" b="b"/>
-                    <a:pathLst>
-                      <a:path w="24" h="4">
-                        <a:moveTo>
-                          <a:pt x="24" y="2"/>
-                        </a:moveTo>
-                        <a:cubicBezTo>
-                          <a:pt x="22" y="4"/>
-                          <a:pt x="16" y="4"/>
-                          <a:pt x="14" y="0"/>
-                        </a:cubicBezTo>
-                        <a:cubicBezTo>
-                          <a:pt x="10" y="4"/>
-                          <a:pt x="3" y="4"/>
-                          <a:pt x="0" y="1"/>
-                        </a:cubicBezTo>
-                      </a:path>
-                    </a:pathLst>
-                  </a:custGeom>
-                  <a:noFill/>
-                  <a:ln w="14288" cap="flat">
-                    <a:solidFill>
-                      <a:schemeClr val="bg1"/>
-                    </a:solidFill>
-                    <a:prstDash val="solid"/>
-                    <a:round/>
-                    <a:headEnd/>
-                    <a:tailEnd/>
-                  </a:ln>
-                  <a:extLst>
-                    <a:ext uri="{909E8E84-426E-40DD-AFC4-6F175D3DCCD1}">
-                      <a14:hiddenFill xmlns:a14="http://schemas.microsoft.com/office/drawing/2010/main">
-                        <a:solidFill>
-                          <a:srgbClr val="FFFFFF"/>
-                        </a:solidFill>
-                      </a14:hiddenFill>
-                    </a:ext>
-                  </a:extLst>
-                </p:spPr>
-                <p:txBody>
-                  <a:bodyPr vert="horz" wrap="square" lIns="91440" tIns="45720" rIns="91440" bIns="45720" numCol="1" anchor="t" anchorCtr="0" compatLnSpc="1">
-                    <a:prstTxWarp prst="textNoShape">
-                      <a:avLst/>
-                    </a:prstTxWarp>
-                  </a:bodyPr>
-                  <a:lstStyle/>
-                  <a:p>
-                    <a:endParaRPr lang="id-ID"/>
-                  </a:p>
-                </p:txBody>
-              </p:sp>
-              <p:sp>
-                <p:nvSpPr>
-                  <p:cNvPr id="20" name="Freeform 53">
-                    <a:extLst>
-                      <a:ext uri="{FF2B5EF4-FFF2-40B4-BE49-F238E27FC236}">
-                        <a16:creationId xmlns:a16="http://schemas.microsoft.com/office/drawing/2014/main" id="{C017CF38-81FD-491D-9BA4-35D01D4D4210}"/>
-                      </a:ext>
-                    </a:extLst>
-                  </p:cNvPr>
-                  <p:cNvSpPr>
-                    <a:spLocks/>
-                  </p:cNvSpPr>
-                  <p:nvPr/>
-                </p:nvSpPr>
-                <p:spPr bwMode="auto">
-                  <a:xfrm>
-                    <a:off x="3594101" y="2986089"/>
-                    <a:ext cx="82550" cy="58738"/>
-                  </a:xfrm>
-                  <a:custGeom>
-                    <a:avLst/>
-                    <a:gdLst>
-                      <a:gd name="T0" fmla="*/ 14 w 22"/>
-                      <a:gd name="T1" fmla="*/ 0 h 16"/>
-                      <a:gd name="T2" fmla="*/ 14 w 22"/>
-                      <a:gd name="T3" fmla="*/ 6 h 16"/>
-                      <a:gd name="T4" fmla="*/ 4 w 22"/>
-                      <a:gd name="T5" fmla="*/ 9 h 16"/>
-                      <a:gd name="T6" fmla="*/ 0 w 22"/>
-                      <a:gd name="T7" fmla="*/ 14 h 16"/>
-                      <a:gd name="T8" fmla="*/ 0 w 22"/>
-                      <a:gd name="T9" fmla="*/ 16 h 16"/>
-                      <a:gd name="T10" fmla="*/ 22 w 22"/>
-                      <a:gd name="T11" fmla="*/ 16 h 16"/>
-                    </a:gdLst>
-                    <a:ahLst/>
-                    <a:cxnLst>
-                      <a:cxn ang="0">
-                        <a:pos x="T0" y="T1"/>
-                      </a:cxn>
-                      <a:cxn ang="0">
-                        <a:pos x="T2" y="T3"/>
-                      </a:cxn>
-                      <a:cxn ang="0">
-                        <a:pos x="T4" y="T5"/>
-                      </a:cxn>
-                      <a:cxn ang="0">
-                        <a:pos x="T6" y="T7"/>
-                      </a:cxn>
-                      <a:cxn ang="0">
-                        <a:pos x="T8" y="T9"/>
-                      </a:cxn>
-                      <a:cxn ang="0">
-                        <a:pos x="T10" y="T11"/>
-                      </a:cxn>
-                    </a:cxnLst>
-                    <a:rect l="0" t="0" r="r" b="b"/>
-                    <a:pathLst>
-                      <a:path w="22" h="16">
-                        <a:moveTo>
-                          <a:pt x="14" y="0"/>
-                        </a:moveTo>
-                        <a:cubicBezTo>
-                          <a:pt x="14" y="6"/>
-                          <a:pt x="14" y="6"/>
-                          <a:pt x="14" y="6"/>
-                        </a:cubicBezTo>
-                        <a:cubicBezTo>
-                          <a:pt x="4" y="9"/>
-                          <a:pt x="4" y="9"/>
-                          <a:pt x="4" y="9"/>
-                        </a:cubicBezTo>
-                        <a:cubicBezTo>
-                          <a:pt x="2" y="10"/>
-                          <a:pt x="0" y="12"/>
-                          <a:pt x="0" y="14"/>
-                        </a:cubicBezTo>
-                        <a:cubicBezTo>
-                          <a:pt x="0" y="16"/>
-                          <a:pt x="0" y="16"/>
-                          <a:pt x="0" y="16"/>
-                        </a:cubicBezTo>
-                        <a:cubicBezTo>
-                          <a:pt x="22" y="16"/>
-                          <a:pt x="22" y="16"/>
-                          <a:pt x="22" y="16"/>
-                        </a:cubicBezTo>
-                      </a:path>
-                    </a:pathLst>
-                  </a:custGeom>
-                  <a:noFill/>
-                  <a:ln w="14288" cap="flat">
-                    <a:solidFill>
-                      <a:schemeClr val="bg1"/>
-                    </a:solidFill>
-                    <a:prstDash val="solid"/>
-                    <a:round/>
-                    <a:headEnd/>
-                    <a:tailEnd/>
-                  </a:ln>
-                  <a:extLst>
-                    <a:ext uri="{909E8E84-426E-40DD-AFC4-6F175D3DCCD1}">
-                      <a14:hiddenFill xmlns:a14="http://schemas.microsoft.com/office/drawing/2010/main">
-                        <a:solidFill>
-                          <a:srgbClr val="FFFFFF"/>
-                        </a:solidFill>
-                      </a14:hiddenFill>
-                    </a:ext>
-                  </a:extLst>
-                </p:spPr>
-                <p:txBody>
-                  <a:bodyPr vert="horz" wrap="square" lIns="91440" tIns="45720" rIns="91440" bIns="45720" numCol="1" anchor="t" anchorCtr="0" compatLnSpc="1">
-                    <a:prstTxWarp prst="textNoShape">
-                      <a:avLst/>
-                    </a:prstTxWarp>
-                  </a:bodyPr>
-                  <a:lstStyle/>
-                  <a:p>
-                    <a:endParaRPr lang="id-ID"/>
-                  </a:p>
-                </p:txBody>
-              </p:sp>
-              <p:sp>
-                <p:nvSpPr>
-                  <p:cNvPr id="21" name="Freeform 54">
-                    <a:extLst>
-                      <a:ext uri="{FF2B5EF4-FFF2-40B4-BE49-F238E27FC236}">
-                        <a16:creationId xmlns:a16="http://schemas.microsoft.com/office/drawing/2014/main" id="{99433936-BA1A-40A3-959B-047AFFF78F7C}"/>
-                      </a:ext>
-                    </a:extLst>
-                  </p:cNvPr>
-                  <p:cNvSpPr>
-                    <a:spLocks/>
-                  </p:cNvSpPr>
-                  <p:nvPr/>
-                </p:nvSpPr>
-                <p:spPr bwMode="auto">
-                  <a:xfrm>
-                    <a:off x="3662363" y="2986089"/>
-                    <a:ext cx="82550" cy="58738"/>
-                  </a:xfrm>
-                  <a:custGeom>
-                    <a:avLst/>
-                    <a:gdLst>
-                      <a:gd name="T0" fmla="*/ 8 w 22"/>
-                      <a:gd name="T1" fmla="*/ 0 h 16"/>
-                      <a:gd name="T2" fmla="*/ 8 w 22"/>
-                      <a:gd name="T3" fmla="*/ 6 h 16"/>
-                      <a:gd name="T4" fmla="*/ 18 w 22"/>
-                      <a:gd name="T5" fmla="*/ 9 h 16"/>
-                      <a:gd name="T6" fmla="*/ 22 w 22"/>
-                      <a:gd name="T7" fmla="*/ 14 h 16"/>
-                      <a:gd name="T8" fmla="*/ 22 w 22"/>
-                      <a:gd name="T9" fmla="*/ 16 h 16"/>
-                      <a:gd name="T10" fmla="*/ 0 w 22"/>
-                      <a:gd name="T11" fmla="*/ 16 h 16"/>
-                    </a:gdLst>
-                    <a:ahLst/>
-                    <a:cxnLst>
-                      <a:cxn ang="0">
-                        <a:pos x="T0" y="T1"/>
-                      </a:cxn>
-                      <a:cxn ang="0">
-                        <a:pos x="T2" y="T3"/>
-                      </a:cxn>
-                      <a:cxn ang="0">
-                        <a:pos x="T4" y="T5"/>
-                      </a:cxn>
-                      <a:cxn ang="0">
-                        <a:pos x="T6" y="T7"/>
-                      </a:cxn>
-                      <a:cxn ang="0">
-                        <a:pos x="T8" y="T9"/>
-                      </a:cxn>
-                      <a:cxn ang="0">
-                        <a:pos x="T10" y="T11"/>
-                      </a:cxn>
-                    </a:cxnLst>
-                    <a:rect l="0" t="0" r="r" b="b"/>
-                    <a:pathLst>
-                      <a:path w="22" h="16">
-                        <a:moveTo>
-                          <a:pt x="8" y="0"/>
-                        </a:moveTo>
-                        <a:cubicBezTo>
-                          <a:pt x="8" y="6"/>
-                          <a:pt x="8" y="6"/>
-                          <a:pt x="8" y="6"/>
-                        </a:cubicBezTo>
-                        <a:cubicBezTo>
-                          <a:pt x="18" y="9"/>
-                          <a:pt x="18" y="9"/>
-                          <a:pt x="18" y="9"/>
-                        </a:cubicBezTo>
-                        <a:cubicBezTo>
-                          <a:pt x="20" y="10"/>
-                          <a:pt x="22" y="12"/>
-                          <a:pt x="22" y="14"/>
-                        </a:cubicBezTo>
-                        <a:cubicBezTo>
-                          <a:pt x="22" y="16"/>
-                          <a:pt x="22" y="16"/>
-                          <a:pt x="22" y="16"/>
-                        </a:cubicBezTo>
-                        <a:cubicBezTo>
-                          <a:pt x="0" y="16"/>
-                          <a:pt x="0" y="16"/>
-                          <a:pt x="0" y="16"/>
-                        </a:cubicBezTo>
-                      </a:path>
-                    </a:pathLst>
-                  </a:custGeom>
-                  <a:noFill/>
-                  <a:ln w="14288" cap="flat">
-                    <a:solidFill>
-                      <a:schemeClr val="bg1"/>
-                    </a:solidFill>
-                    <a:prstDash val="solid"/>
-                    <a:round/>
-                    <a:headEnd/>
-                    <a:tailEnd/>
-                  </a:ln>
-                  <a:extLst>
-                    <a:ext uri="{909E8E84-426E-40DD-AFC4-6F175D3DCCD1}">
-                      <a14:hiddenFill xmlns:a14="http://schemas.microsoft.com/office/drawing/2010/main">
-                        <a:solidFill>
-                          <a:srgbClr val="FFFFFF"/>
-                        </a:solidFill>
-                      </a14:hiddenFill>
-                    </a:ext>
-                  </a:extLst>
-                </p:spPr>
-                <p:txBody>
-                  <a:bodyPr vert="horz" wrap="square" lIns="91440" tIns="45720" rIns="91440" bIns="45720" numCol="1" anchor="t" anchorCtr="0" compatLnSpc="1">
-                    <a:prstTxWarp prst="textNoShape">
-                      <a:avLst/>
-                    </a:prstTxWarp>
-                  </a:bodyPr>
-                  <a:lstStyle/>
-                  <a:p>
-                    <a:endParaRPr lang="id-ID"/>
-                  </a:p>
-                </p:txBody>
-              </p:sp>
-              <p:sp>
-                <p:nvSpPr>
-                  <p:cNvPr id="22" name="Oval 55">
-                    <a:extLst>
-                      <a:ext uri="{FF2B5EF4-FFF2-40B4-BE49-F238E27FC236}">
-                        <a16:creationId xmlns:a16="http://schemas.microsoft.com/office/drawing/2014/main" id="{BDA2F5A8-B23C-499E-9267-3DC7A37FA790}"/>
-                      </a:ext>
-                    </a:extLst>
-                  </p:cNvPr>
-                  <p:cNvSpPr>
-                    <a:spLocks noChangeArrowheads="1"/>
-                  </p:cNvSpPr>
-                  <p:nvPr/>
-                </p:nvSpPr>
-                <p:spPr bwMode="auto">
-                  <a:xfrm>
-                    <a:off x="3624263" y="2895601"/>
-                    <a:ext cx="90488" cy="96838"/>
-                  </a:xfrm>
-                  <a:prstGeom prst="ellipse">
-                    <a:avLst/>
-                  </a:prstGeom>
-                  <a:noFill/>
-                  <a:ln w="14288" cap="flat">
-                    <a:solidFill>
-                      <a:schemeClr val="bg1"/>
-                    </a:solidFill>
-                    <a:prstDash val="solid"/>
-                    <a:round/>
-                    <a:headEnd/>
-                    <a:tailEnd/>
-                  </a:ln>
-                  <a:extLst>
-                    <a:ext uri="{909E8E84-426E-40DD-AFC4-6F175D3DCCD1}">
-                      <a14:hiddenFill xmlns:a14="http://schemas.microsoft.com/office/drawing/2010/main">
-                        <a:solidFill>
-                          <a:srgbClr val="FFFFFF"/>
-                        </a:solidFill>
-                      </a14:hiddenFill>
-                    </a:ext>
-                  </a:extLst>
-                </p:spPr>
-                <p:txBody>
-                  <a:bodyPr vert="horz" wrap="square" lIns="91440" tIns="45720" rIns="91440" bIns="45720" numCol="1" anchor="t" anchorCtr="0" compatLnSpc="1">
-                    <a:prstTxWarp prst="textNoShape">
-                      <a:avLst/>
-                    </a:prstTxWarp>
-                  </a:bodyPr>
-                  <a:lstStyle/>
-                  <a:p>
-                    <a:endParaRPr lang="id-ID"/>
-                  </a:p>
-                </p:txBody>
-              </p:sp>
-              <p:sp>
-                <p:nvSpPr>
-                  <p:cNvPr id="23" name="Freeform 56">
-                    <a:extLst>
-                      <a:ext uri="{FF2B5EF4-FFF2-40B4-BE49-F238E27FC236}">
-                        <a16:creationId xmlns:a16="http://schemas.microsoft.com/office/drawing/2014/main" id="{099EF59E-5EEF-46B5-962D-A5FD94EA515A}"/>
-                      </a:ext>
-                    </a:extLst>
-                  </p:cNvPr>
-                  <p:cNvSpPr>
-                    <a:spLocks/>
-                  </p:cNvSpPr>
-                  <p:nvPr/>
-                </p:nvSpPr>
-                <p:spPr bwMode="auto">
-                  <a:xfrm>
-                    <a:off x="3624263" y="2928939"/>
-                    <a:ext cx="90488" cy="14288"/>
-                  </a:xfrm>
-                  <a:custGeom>
-                    <a:avLst/>
-                    <a:gdLst>
-                      <a:gd name="T0" fmla="*/ 24 w 24"/>
-                      <a:gd name="T1" fmla="*/ 2 h 4"/>
-                      <a:gd name="T2" fmla="*/ 14 w 24"/>
-                      <a:gd name="T3" fmla="*/ 0 h 4"/>
-                      <a:gd name="T4" fmla="*/ 0 w 24"/>
-                      <a:gd name="T5" fmla="*/ 1 h 4"/>
-                    </a:gdLst>
-                    <a:ahLst/>
-                    <a:cxnLst>
-                      <a:cxn ang="0">
-                        <a:pos x="T0" y="T1"/>
-                      </a:cxn>
-                      <a:cxn ang="0">
-                        <a:pos x="T2" y="T3"/>
-                      </a:cxn>
-                      <a:cxn ang="0">
-                        <a:pos x="T4" y="T5"/>
-                      </a:cxn>
-                    </a:cxnLst>
-                    <a:rect l="0" t="0" r="r" b="b"/>
-                    <a:pathLst>
-                      <a:path w="24" h="4">
-                        <a:moveTo>
-                          <a:pt x="24" y="2"/>
-                        </a:moveTo>
-                        <a:cubicBezTo>
-                          <a:pt x="22" y="4"/>
-                          <a:pt x="16" y="4"/>
-                          <a:pt x="14" y="0"/>
-                        </a:cubicBezTo>
-                        <a:cubicBezTo>
-                          <a:pt x="10" y="4"/>
-                          <a:pt x="3" y="4"/>
-                          <a:pt x="0" y="1"/>
-                        </a:cubicBezTo>
-                      </a:path>
-                    </a:pathLst>
-                  </a:custGeom>
-                  <a:noFill/>
-                  <a:ln w="14288" cap="flat">
-                    <a:solidFill>
-                      <a:schemeClr val="bg1"/>
-                    </a:solidFill>
-                    <a:prstDash val="solid"/>
-                    <a:round/>
-                    <a:headEnd/>
-                    <a:tailEnd/>
-                  </a:ln>
-                  <a:extLst>
-                    <a:ext uri="{909E8E84-426E-40DD-AFC4-6F175D3DCCD1}">
-                      <a14:hiddenFill xmlns:a14="http://schemas.microsoft.com/office/drawing/2010/main">
-                        <a:solidFill>
-                          <a:srgbClr val="FFFFFF"/>
-                        </a:solidFill>
-                      </a14:hiddenFill>
-                    </a:ext>
-                  </a:extLst>
-                </p:spPr>
-                <p:txBody>
-                  <a:bodyPr vert="horz" wrap="square" lIns="91440" tIns="45720" rIns="91440" bIns="45720" numCol="1" anchor="t" anchorCtr="0" compatLnSpc="1">
-                    <a:prstTxWarp prst="textNoShape">
-                      <a:avLst/>
-                    </a:prstTxWarp>
-                  </a:bodyPr>
-                  <a:lstStyle/>
-                  <a:p>
-                    <a:endParaRPr lang="id-ID"/>
-                  </a:p>
-                </p:txBody>
-              </p:sp>
-              <p:sp>
-                <p:nvSpPr>
-                  <p:cNvPr id="24" name="Freeform 57">
-                    <a:extLst>
-                      <a:ext uri="{FF2B5EF4-FFF2-40B4-BE49-F238E27FC236}">
-                        <a16:creationId xmlns:a16="http://schemas.microsoft.com/office/drawing/2014/main" id="{FCE54361-37E3-4F52-B33F-6FAA345B486E}"/>
-                      </a:ext>
-                    </a:extLst>
-                  </p:cNvPr>
-                  <p:cNvSpPr>
-                    <a:spLocks/>
-                  </p:cNvSpPr>
-                  <p:nvPr/>
-                </p:nvSpPr>
-                <p:spPr bwMode="auto">
-                  <a:xfrm>
-                    <a:off x="3497263" y="3181351"/>
-                    <a:ext cx="82550" cy="60325"/>
-                  </a:xfrm>
-                  <a:custGeom>
-                    <a:avLst/>
-                    <a:gdLst>
-                      <a:gd name="T0" fmla="*/ 14 w 22"/>
-                      <a:gd name="T1" fmla="*/ 0 h 16"/>
-                      <a:gd name="T2" fmla="*/ 14 w 22"/>
-                      <a:gd name="T3" fmla="*/ 6 h 16"/>
-                      <a:gd name="T4" fmla="*/ 4 w 22"/>
-                      <a:gd name="T5" fmla="*/ 9 h 16"/>
-                      <a:gd name="T6" fmla="*/ 0 w 22"/>
-                      <a:gd name="T7" fmla="*/ 14 h 16"/>
-                      <a:gd name="T8" fmla="*/ 0 w 22"/>
-                      <a:gd name="T9" fmla="*/ 16 h 16"/>
-                      <a:gd name="T10" fmla="*/ 22 w 22"/>
-                      <a:gd name="T11" fmla="*/ 16 h 16"/>
-                    </a:gdLst>
-                    <a:ahLst/>
-                    <a:cxnLst>
-                      <a:cxn ang="0">
-                        <a:pos x="T0" y="T1"/>
-                      </a:cxn>
-                      <a:cxn ang="0">
-                        <a:pos x="T2" y="T3"/>
-                      </a:cxn>
-                      <a:cxn ang="0">
-                        <a:pos x="T4" y="T5"/>
-                      </a:cxn>
-                      <a:cxn ang="0">
-                        <a:pos x="T6" y="T7"/>
-                      </a:cxn>
-                      <a:cxn ang="0">
-                        <a:pos x="T8" y="T9"/>
-                      </a:cxn>
-                      <a:cxn ang="0">
-                        <a:pos x="T10" y="T11"/>
-                      </a:cxn>
-                    </a:cxnLst>
-                    <a:rect l="0" t="0" r="r" b="b"/>
-                    <a:pathLst>
-                      <a:path w="22" h="16">
-                        <a:moveTo>
-                          <a:pt x="14" y="0"/>
-                        </a:moveTo>
-                        <a:cubicBezTo>
-                          <a:pt x="14" y="6"/>
-                          <a:pt x="14" y="6"/>
-                          <a:pt x="14" y="6"/>
-                        </a:cubicBezTo>
-                        <a:cubicBezTo>
-                          <a:pt x="4" y="9"/>
-                          <a:pt x="4" y="9"/>
-                          <a:pt x="4" y="9"/>
-                        </a:cubicBezTo>
-                        <a:cubicBezTo>
-                          <a:pt x="2" y="10"/>
-                          <a:pt x="0" y="12"/>
-                          <a:pt x="0" y="14"/>
-                        </a:cubicBezTo>
-                        <a:cubicBezTo>
-                          <a:pt x="0" y="16"/>
-                          <a:pt x="0" y="16"/>
-                          <a:pt x="0" y="16"/>
-                        </a:cubicBezTo>
-                        <a:cubicBezTo>
-                          <a:pt x="22" y="16"/>
-                          <a:pt x="22" y="16"/>
-                          <a:pt x="22" y="16"/>
-                        </a:cubicBezTo>
-                      </a:path>
-                    </a:pathLst>
-                  </a:custGeom>
-                  <a:noFill/>
-                  <a:ln w="14288" cap="flat">
-                    <a:solidFill>
-                      <a:schemeClr val="bg1"/>
-                    </a:solidFill>
-                    <a:prstDash val="solid"/>
-                    <a:round/>
-                    <a:headEnd/>
-                    <a:tailEnd/>
-                  </a:ln>
-                  <a:extLst>
-                    <a:ext uri="{909E8E84-426E-40DD-AFC4-6F175D3DCCD1}">
-                      <a14:hiddenFill xmlns:a14="http://schemas.microsoft.com/office/drawing/2010/main">
-                        <a:solidFill>
-                          <a:srgbClr val="FFFFFF"/>
-                        </a:solidFill>
-                      </a14:hiddenFill>
-                    </a:ext>
-                  </a:extLst>
-                </p:spPr>
-                <p:txBody>
-                  <a:bodyPr vert="horz" wrap="square" lIns="91440" tIns="45720" rIns="91440" bIns="45720" numCol="1" anchor="t" anchorCtr="0" compatLnSpc="1">
-                    <a:prstTxWarp prst="textNoShape">
-                      <a:avLst/>
-                    </a:prstTxWarp>
-                  </a:bodyPr>
-                  <a:lstStyle/>
-                  <a:p>
-                    <a:endParaRPr lang="id-ID"/>
-                  </a:p>
-                </p:txBody>
-              </p:sp>
-              <p:sp>
-                <p:nvSpPr>
-                  <p:cNvPr id="25" name="Freeform 58">
-                    <a:extLst>
-                      <a:ext uri="{FF2B5EF4-FFF2-40B4-BE49-F238E27FC236}">
-                        <a16:creationId xmlns:a16="http://schemas.microsoft.com/office/drawing/2014/main" id="{78645E47-D178-4E95-8459-77D1D8FF6434}"/>
-                      </a:ext>
-                    </a:extLst>
-                  </p:cNvPr>
-                  <p:cNvSpPr>
-                    <a:spLocks/>
-                  </p:cNvSpPr>
-                  <p:nvPr/>
-                </p:nvSpPr>
-                <p:spPr bwMode="auto">
-                  <a:xfrm>
-                    <a:off x="3563938" y="3181351"/>
-                    <a:ext cx="82550" cy="60325"/>
-                  </a:xfrm>
-                  <a:custGeom>
-                    <a:avLst/>
-                    <a:gdLst>
-                      <a:gd name="T0" fmla="*/ 8 w 22"/>
-                      <a:gd name="T1" fmla="*/ 0 h 16"/>
-                      <a:gd name="T2" fmla="*/ 8 w 22"/>
-                      <a:gd name="T3" fmla="*/ 6 h 16"/>
-                      <a:gd name="T4" fmla="*/ 18 w 22"/>
-                      <a:gd name="T5" fmla="*/ 9 h 16"/>
-                      <a:gd name="T6" fmla="*/ 22 w 22"/>
-                      <a:gd name="T7" fmla="*/ 14 h 16"/>
-                      <a:gd name="T8" fmla="*/ 22 w 22"/>
-                      <a:gd name="T9" fmla="*/ 16 h 16"/>
-                      <a:gd name="T10" fmla="*/ 0 w 22"/>
-                      <a:gd name="T11" fmla="*/ 16 h 16"/>
-                    </a:gdLst>
-                    <a:ahLst/>
-                    <a:cxnLst>
-                      <a:cxn ang="0">
-                        <a:pos x="T0" y="T1"/>
-                      </a:cxn>
-                      <a:cxn ang="0">
-                        <a:pos x="T2" y="T3"/>
-                      </a:cxn>
-                      <a:cxn ang="0">
-                        <a:pos x="T4" y="T5"/>
-                      </a:cxn>
-                      <a:cxn ang="0">
-                        <a:pos x="T6" y="T7"/>
-                      </a:cxn>
-                      <a:cxn ang="0">
-                        <a:pos x="T8" y="T9"/>
-                      </a:cxn>
-                      <a:cxn ang="0">
-                        <a:pos x="T10" y="T11"/>
-                      </a:cxn>
-                    </a:cxnLst>
-                    <a:rect l="0" t="0" r="r" b="b"/>
-                    <a:pathLst>
-                      <a:path w="22" h="16">
-                        <a:moveTo>
-                          <a:pt x="8" y="0"/>
-                        </a:moveTo>
-                        <a:cubicBezTo>
-                          <a:pt x="8" y="6"/>
-                          <a:pt x="8" y="6"/>
-                          <a:pt x="8" y="6"/>
-                        </a:cubicBezTo>
-                        <a:cubicBezTo>
-                          <a:pt x="18" y="9"/>
-                          <a:pt x="18" y="9"/>
-                          <a:pt x="18" y="9"/>
-                        </a:cubicBezTo>
-                        <a:cubicBezTo>
-                          <a:pt x="20" y="10"/>
-                          <a:pt x="22" y="12"/>
-                          <a:pt x="22" y="14"/>
-                        </a:cubicBezTo>
-                        <a:cubicBezTo>
-                          <a:pt x="22" y="16"/>
-                          <a:pt x="22" y="16"/>
-                          <a:pt x="22" y="16"/>
-                        </a:cubicBezTo>
-                        <a:cubicBezTo>
-                          <a:pt x="0" y="16"/>
-                          <a:pt x="0" y="16"/>
-                          <a:pt x="0" y="16"/>
-                        </a:cubicBezTo>
-                      </a:path>
-                    </a:pathLst>
-                  </a:custGeom>
-                  <a:noFill/>
-                  <a:ln w="14288" cap="flat">
-                    <a:solidFill>
-                      <a:schemeClr val="bg1"/>
-                    </a:solidFill>
-                    <a:prstDash val="solid"/>
-                    <a:round/>
-                    <a:headEnd/>
-                    <a:tailEnd/>
-                  </a:ln>
-                  <a:extLst>
-                    <a:ext uri="{909E8E84-426E-40DD-AFC4-6F175D3DCCD1}">
-                      <a14:hiddenFill xmlns:a14="http://schemas.microsoft.com/office/drawing/2010/main">
-                        <a:solidFill>
-                          <a:srgbClr val="FFFFFF"/>
-                        </a:solidFill>
-                      </a14:hiddenFill>
-                    </a:ext>
-                  </a:extLst>
-                </p:spPr>
-                <p:txBody>
-                  <a:bodyPr vert="horz" wrap="square" lIns="91440" tIns="45720" rIns="91440" bIns="45720" numCol="1" anchor="t" anchorCtr="0" compatLnSpc="1">
-                    <a:prstTxWarp prst="textNoShape">
-                      <a:avLst/>
-                    </a:prstTxWarp>
-                  </a:bodyPr>
-                  <a:lstStyle/>
-                  <a:p>
-                    <a:endParaRPr lang="id-ID"/>
-                  </a:p>
-                </p:txBody>
-              </p:sp>
-              <p:sp>
-                <p:nvSpPr>
-                  <p:cNvPr id="26" name="Oval 59">
-                    <a:extLst>
-                      <a:ext uri="{FF2B5EF4-FFF2-40B4-BE49-F238E27FC236}">
-                        <a16:creationId xmlns:a16="http://schemas.microsoft.com/office/drawing/2014/main" id="{7854B272-51DE-4F9C-A5CA-3532EA082A42}"/>
-                      </a:ext>
-                    </a:extLst>
-                  </p:cNvPr>
-                  <p:cNvSpPr>
-                    <a:spLocks noChangeArrowheads="1"/>
-                  </p:cNvSpPr>
-                  <p:nvPr/>
-                </p:nvSpPr>
-                <p:spPr bwMode="auto">
-                  <a:xfrm>
-                    <a:off x="3527426" y="3090864"/>
-                    <a:ext cx="88900" cy="96838"/>
-                  </a:xfrm>
-                  <a:prstGeom prst="ellipse">
-                    <a:avLst/>
-                  </a:prstGeom>
-                  <a:noFill/>
-                  <a:ln w="14288" cap="flat">
-                    <a:solidFill>
-                      <a:schemeClr val="bg1"/>
-                    </a:solidFill>
-                    <a:prstDash val="solid"/>
-                    <a:round/>
-                    <a:headEnd/>
-                    <a:tailEnd/>
-                  </a:ln>
-                  <a:extLst>
-                    <a:ext uri="{909E8E84-426E-40DD-AFC4-6F175D3DCCD1}">
-                      <a14:hiddenFill xmlns:a14="http://schemas.microsoft.com/office/drawing/2010/main">
-                        <a:solidFill>
-                          <a:srgbClr val="FFFFFF"/>
-                        </a:solidFill>
-                      </a14:hiddenFill>
-                    </a:ext>
-                  </a:extLst>
-                </p:spPr>
-                <p:txBody>
-                  <a:bodyPr vert="horz" wrap="square" lIns="91440" tIns="45720" rIns="91440" bIns="45720" numCol="1" anchor="t" anchorCtr="0" compatLnSpc="1">
-                    <a:prstTxWarp prst="textNoShape">
-                      <a:avLst/>
-                    </a:prstTxWarp>
-                  </a:bodyPr>
-                  <a:lstStyle/>
-                  <a:p>
-                    <a:endParaRPr lang="id-ID"/>
-                  </a:p>
-                </p:txBody>
-              </p:sp>
-              <p:sp>
-                <p:nvSpPr>
-                  <p:cNvPr id="27" name="Freeform 60">
-                    <a:extLst>
-                      <a:ext uri="{FF2B5EF4-FFF2-40B4-BE49-F238E27FC236}">
-                        <a16:creationId xmlns:a16="http://schemas.microsoft.com/office/drawing/2014/main" id="{814DA909-0D02-4070-A399-CC0263BE579C}"/>
-                      </a:ext>
-                    </a:extLst>
-                  </p:cNvPr>
-                  <p:cNvSpPr>
-                    <a:spLocks/>
-                  </p:cNvSpPr>
-                  <p:nvPr/>
-                </p:nvSpPr>
-                <p:spPr bwMode="auto">
-                  <a:xfrm>
-                    <a:off x="3527426" y="3124201"/>
-                    <a:ext cx="88900" cy="15875"/>
-                  </a:xfrm>
-                  <a:custGeom>
-                    <a:avLst/>
-                    <a:gdLst>
-                      <a:gd name="T0" fmla="*/ 24 w 24"/>
-                      <a:gd name="T1" fmla="*/ 2 h 4"/>
-                      <a:gd name="T2" fmla="*/ 14 w 24"/>
-                      <a:gd name="T3" fmla="*/ 0 h 4"/>
-                      <a:gd name="T4" fmla="*/ 0 w 24"/>
-                      <a:gd name="T5" fmla="*/ 1 h 4"/>
-                    </a:gdLst>
-                    <a:ahLst/>
-                    <a:cxnLst>
-                      <a:cxn ang="0">
-                        <a:pos x="T0" y="T1"/>
-                      </a:cxn>
-                      <a:cxn ang="0">
-                        <a:pos x="T2" y="T3"/>
-                      </a:cxn>
-                      <a:cxn ang="0">
-                        <a:pos x="T4" y="T5"/>
-                      </a:cxn>
-                    </a:cxnLst>
-                    <a:rect l="0" t="0" r="r" b="b"/>
-                    <a:pathLst>
-                      <a:path w="24" h="4">
-                        <a:moveTo>
-                          <a:pt x="24" y="2"/>
-                        </a:moveTo>
-                        <a:cubicBezTo>
-                          <a:pt x="22" y="4"/>
-                          <a:pt x="16" y="4"/>
-                          <a:pt x="14" y="0"/>
-                        </a:cubicBezTo>
-                        <a:cubicBezTo>
-                          <a:pt x="10" y="4"/>
-                          <a:pt x="3" y="4"/>
-                          <a:pt x="0" y="1"/>
-                        </a:cubicBezTo>
-                      </a:path>
-                    </a:pathLst>
-                  </a:custGeom>
-                  <a:noFill/>
-                  <a:ln w="14288" cap="flat">
-                    <a:solidFill>
-                      <a:schemeClr val="bg1"/>
-                    </a:solidFill>
-                    <a:prstDash val="solid"/>
-                    <a:round/>
-                    <a:headEnd/>
-                    <a:tailEnd/>
-                  </a:ln>
-                  <a:extLst>
-                    <a:ext uri="{909E8E84-426E-40DD-AFC4-6F175D3DCCD1}">
-                      <a14:hiddenFill xmlns:a14="http://schemas.microsoft.com/office/drawing/2010/main">
-                        <a:solidFill>
-                          <a:srgbClr val="FFFFFF"/>
-                        </a:solidFill>
-                      </a14:hiddenFill>
-                    </a:ext>
-                  </a:extLst>
-                </p:spPr>
-                <p:txBody>
-                  <a:bodyPr vert="horz" wrap="square" lIns="91440" tIns="45720" rIns="91440" bIns="45720" numCol="1" anchor="t" anchorCtr="0" compatLnSpc="1">
-                    <a:prstTxWarp prst="textNoShape">
-                      <a:avLst/>
-                    </a:prstTxWarp>
-                  </a:bodyPr>
-                  <a:lstStyle/>
-                  <a:p>
-                    <a:endParaRPr lang="id-ID"/>
-                  </a:p>
-                </p:txBody>
-              </p:sp>
-              <p:sp>
-                <p:nvSpPr>
-                  <p:cNvPr id="28" name="Line 61">
-                    <a:extLst>
-                      <a:ext uri="{FF2B5EF4-FFF2-40B4-BE49-F238E27FC236}">
-                        <a16:creationId xmlns:a16="http://schemas.microsoft.com/office/drawing/2014/main" id="{5899F489-EDA7-4EC2-826F-95D6DBC76562}"/>
-                      </a:ext>
-                    </a:extLst>
-                  </p:cNvPr>
-                  <p:cNvSpPr>
-                    <a:spLocks noChangeShapeType="1"/>
-                  </p:cNvSpPr>
-                  <p:nvPr/>
-                </p:nvSpPr>
-                <p:spPr bwMode="auto">
-                  <a:xfrm>
-                    <a:off x="3451226" y="3074989"/>
-                    <a:ext cx="38100" cy="38100"/>
-                  </a:xfrm>
-                  <a:prstGeom prst="line">
-                    <a:avLst/>
-                  </a:prstGeom>
-                  <a:noFill/>
-                  <a:ln w="14288" cap="rnd">
-                    <a:solidFill>
-                      <a:schemeClr val="bg1"/>
-                    </a:solidFill>
-                    <a:prstDash val="solid"/>
-                    <a:round/>
-                    <a:headEnd/>
-                    <a:tailEnd/>
-                  </a:ln>
-                  <a:extLst>
-                    <a:ext uri="{909E8E84-426E-40DD-AFC4-6F175D3DCCD1}">
-                      <a14:hiddenFill xmlns:a14="http://schemas.microsoft.com/office/drawing/2010/main">
-                        <a:noFill/>
-                      </a14:hiddenFill>
-                    </a:ext>
-                  </a:extLst>
-                </p:spPr>
-                <p:txBody>
-                  <a:bodyPr vert="horz" wrap="square" lIns="91440" tIns="45720" rIns="91440" bIns="45720" numCol="1" anchor="t" anchorCtr="0" compatLnSpc="1">
-                    <a:prstTxWarp prst="textNoShape">
-                      <a:avLst/>
-                    </a:prstTxWarp>
-                  </a:bodyPr>
-                  <a:lstStyle/>
-                  <a:p>
-                    <a:endParaRPr lang="id-ID"/>
-                  </a:p>
-                </p:txBody>
-              </p:sp>
-              <p:sp>
-                <p:nvSpPr>
-                  <p:cNvPr id="29" name="Line 62">
-                    <a:extLst>
-                      <a:ext uri="{FF2B5EF4-FFF2-40B4-BE49-F238E27FC236}">
-                        <a16:creationId xmlns:a16="http://schemas.microsoft.com/office/drawing/2014/main" id="{83CCE497-C8F7-4970-AE29-490A81B267C2}"/>
-                      </a:ext>
-                    </a:extLst>
-                  </p:cNvPr>
-                  <p:cNvSpPr>
-                    <a:spLocks noChangeShapeType="1"/>
-                  </p:cNvSpPr>
-                  <p:nvPr/>
-                </p:nvSpPr>
-                <p:spPr bwMode="auto">
-                  <a:xfrm flipH="1">
-                    <a:off x="3654426" y="3074989"/>
-                    <a:ext cx="38100" cy="38100"/>
-                  </a:xfrm>
-                  <a:prstGeom prst="line">
-                    <a:avLst/>
-                  </a:prstGeom>
-                  <a:noFill/>
-                  <a:ln w="14288" cap="rnd">
-                    <a:solidFill>
-                      <a:schemeClr val="bg1"/>
-                    </a:solidFill>
-                    <a:prstDash val="solid"/>
-                    <a:round/>
-                    <a:headEnd/>
-                    <a:tailEnd/>
-                  </a:ln>
-                  <a:extLst>
-                    <a:ext uri="{909E8E84-426E-40DD-AFC4-6F175D3DCCD1}">
-                      <a14:hiddenFill xmlns:a14="http://schemas.microsoft.com/office/drawing/2010/main">
-                        <a:noFill/>
-                      </a14:hiddenFill>
-                    </a:ext>
-                  </a:extLst>
-                </p:spPr>
-                <p:txBody>
-                  <a:bodyPr vert="horz" wrap="square" lIns="91440" tIns="45720" rIns="91440" bIns="45720" numCol="1" anchor="t" anchorCtr="0" compatLnSpc="1">
-                    <a:prstTxWarp prst="textNoShape">
-                      <a:avLst/>
-                    </a:prstTxWarp>
-                  </a:bodyPr>
-                  <a:lstStyle/>
-                  <a:p>
-                    <a:endParaRPr lang="id-ID"/>
-                  </a:p>
-                </p:txBody>
-              </p:sp>
-            </p:grpSp>
-            <p:sp>
-              <p:nvSpPr>
-                <p:cNvPr id="65" name="Rectangle 64">
-                  <a:extLst>
-                    <a:ext uri="{FF2B5EF4-FFF2-40B4-BE49-F238E27FC236}">
-                      <a16:creationId xmlns:a16="http://schemas.microsoft.com/office/drawing/2014/main" id="{D600301E-404F-4763-892B-EE1C3109F4D3}"/>
-                    </a:ext>
-                  </a:extLst>
-                </p:cNvPr>
-                <p:cNvSpPr/>
-                <p:nvPr/>
-              </p:nvSpPr>
-              <p:spPr>
-                <a:xfrm>
-                  <a:off x="5642387" y="2856123"/>
-                  <a:ext cx="2488294" cy="492443"/>
-                </a:xfrm>
-                <a:prstGeom prst="rect">
-                  <a:avLst/>
-                </a:prstGeom>
-              </p:spPr>
-              <p:txBody>
-                <a:bodyPr wrap="square" lIns="0" tIns="0" rIns="0" bIns="0">
-                  <a:spAutoFit/>
-                </a:bodyPr>
-                <a:lstStyle/>
-                <a:p>
-                  <a:r>
-                    <a:rPr lang="en-US" sz="1600" i="1" dirty="0">
-                      <a:solidFill>
-                        <a:schemeClr val="bg1"/>
-                      </a:solidFill>
-                      <a:latin typeface="+mj-lt"/>
-                      <a:cs typeface="Segoe UI" panose="020B0502040204020203" pitchFamily="34" charset="0"/>
-                    </a:rPr>
-                    <a:t>Lorem ipsum dolor sit amet, consectetur adipiscing elit. </a:t>
-                  </a:r>
-                </a:p>
-              </p:txBody>
-            </p:sp>
-          </p:grpSp>
-          <p:grpSp>
-            <p:nvGrpSpPr>
-              <p:cNvPr id="97" name="Group 96">
-                <a:extLst>
-                  <a:ext uri="{FF2B5EF4-FFF2-40B4-BE49-F238E27FC236}">
-                    <a16:creationId xmlns:a16="http://schemas.microsoft.com/office/drawing/2014/main" id="{7375CECE-C8C6-426B-9A8C-EB696D69F141}"/>
-                  </a:ext>
-                </a:extLst>
-              </p:cNvPr>
-              <p:cNvGrpSpPr/>
-              <p:nvPr/>
-            </p:nvGrpSpPr>
-            <p:grpSpPr>
-              <a:xfrm>
-                <a:off x="4719329" y="4101260"/>
-                <a:ext cx="3067396" cy="492443"/>
-                <a:chOff x="5063285" y="3639850"/>
-                <a:chExt cx="3067396" cy="492443"/>
-              </a:xfrm>
-            </p:grpSpPr>
-            <p:grpSp>
-              <p:nvGrpSpPr>
-                <p:cNvPr id="41" name="Group 40">
-                  <a:extLst>
-                    <a:ext uri="{FF2B5EF4-FFF2-40B4-BE49-F238E27FC236}">
-                      <a16:creationId xmlns:a16="http://schemas.microsoft.com/office/drawing/2014/main" id="{6974775F-B291-4B53-B461-88835C383ED5}"/>
-                    </a:ext>
-                  </a:extLst>
-                </p:cNvPr>
-                <p:cNvGrpSpPr/>
-                <p:nvPr/>
-              </p:nvGrpSpPr>
-              <p:grpSpPr>
-                <a:xfrm>
-                  <a:off x="5063285" y="3728115"/>
-                  <a:ext cx="330200" cy="315913"/>
-                  <a:chOff x="4127500" y="2909888"/>
-                  <a:chExt cx="330200" cy="315913"/>
-                </a:xfrm>
-              </p:grpSpPr>
-              <p:sp>
-                <p:nvSpPr>
-                  <p:cNvPr id="42" name="Oval 268">
-                    <a:extLst>
-                      <a:ext uri="{FF2B5EF4-FFF2-40B4-BE49-F238E27FC236}">
-                        <a16:creationId xmlns:a16="http://schemas.microsoft.com/office/drawing/2014/main" id="{FE9D5F51-D5BF-438E-8442-591451564E59}"/>
-                      </a:ext>
-                    </a:extLst>
-                  </p:cNvPr>
-                  <p:cNvSpPr>
-                    <a:spLocks noChangeArrowheads="1"/>
-                  </p:cNvSpPr>
-                  <p:nvPr/>
-                </p:nvSpPr>
-                <p:spPr bwMode="auto">
-                  <a:xfrm>
-                    <a:off x="4149725" y="3060701"/>
-                    <a:ext cx="76200" cy="74613"/>
-                  </a:xfrm>
-                  <a:prstGeom prst="ellipse">
-                    <a:avLst/>
-                  </a:prstGeom>
-                  <a:noFill/>
-                  <a:ln w="14288" cap="rnd">
-                    <a:solidFill>
-                      <a:schemeClr val="bg1"/>
-                    </a:solidFill>
-                    <a:prstDash val="solid"/>
-                    <a:round/>
-                    <a:headEnd/>
-                    <a:tailEnd/>
-                  </a:ln>
-                  <a:extLst>
-                    <a:ext uri="{909E8E84-426E-40DD-AFC4-6F175D3DCCD1}">
-                      <a14:hiddenFill xmlns:a14="http://schemas.microsoft.com/office/drawing/2010/main">
-                        <a:solidFill>
-                          <a:srgbClr val="FFFFFF"/>
-                        </a:solidFill>
-                      </a14:hiddenFill>
-                    </a:ext>
-                  </a:extLst>
-                </p:spPr>
-                <p:txBody>
-                  <a:bodyPr vert="horz" wrap="square" lIns="91440" tIns="45720" rIns="91440" bIns="45720" numCol="1" anchor="t" anchorCtr="0" compatLnSpc="1">
-                    <a:prstTxWarp prst="textNoShape">
-                      <a:avLst/>
-                    </a:prstTxWarp>
-                  </a:bodyPr>
-                  <a:lstStyle/>
-                  <a:p>
-                    <a:endParaRPr lang="id-ID"/>
-                  </a:p>
-                </p:txBody>
-              </p:sp>
-              <p:sp>
-                <p:nvSpPr>
-                  <p:cNvPr id="43" name="Freeform 269">
-                    <a:extLst>
-                      <a:ext uri="{FF2B5EF4-FFF2-40B4-BE49-F238E27FC236}">
-                        <a16:creationId xmlns:a16="http://schemas.microsoft.com/office/drawing/2014/main" id="{4514A40D-D6F0-4AD6-9605-37581D312EC8}"/>
-                      </a:ext>
-                    </a:extLst>
-                  </p:cNvPr>
-                  <p:cNvSpPr>
-                    <a:spLocks/>
-                  </p:cNvSpPr>
-                  <p:nvPr/>
-                </p:nvSpPr>
-                <p:spPr bwMode="auto">
-                  <a:xfrm>
-                    <a:off x="4127500" y="3135313"/>
-                    <a:ext cx="109538" cy="60325"/>
-                  </a:xfrm>
-                  <a:custGeom>
-                    <a:avLst/>
-                    <a:gdLst>
-                      <a:gd name="T0" fmla="*/ 22 w 29"/>
-                      <a:gd name="T1" fmla="*/ 16 h 16"/>
-                      <a:gd name="T2" fmla="*/ 0 w 29"/>
-                      <a:gd name="T3" fmla="*/ 16 h 16"/>
-                      <a:gd name="T4" fmla="*/ 16 w 29"/>
-                      <a:gd name="T5" fmla="*/ 0 h 16"/>
-                      <a:gd name="T6" fmla="*/ 29 w 29"/>
-                      <a:gd name="T7" fmla="*/ 7 h 16"/>
-                    </a:gdLst>
-                    <a:ahLst/>
-                    <a:cxnLst>
-                      <a:cxn ang="0">
-                        <a:pos x="T0" y="T1"/>
-                      </a:cxn>
-                      <a:cxn ang="0">
-                        <a:pos x="T2" y="T3"/>
-                      </a:cxn>
-                      <a:cxn ang="0">
-                        <a:pos x="T4" y="T5"/>
-                      </a:cxn>
-                      <a:cxn ang="0">
-                        <a:pos x="T6" y="T7"/>
-                      </a:cxn>
-                    </a:cxnLst>
-                    <a:rect l="0" t="0" r="r" b="b"/>
-                    <a:pathLst>
-                      <a:path w="29" h="16">
-                        <a:moveTo>
-                          <a:pt x="22" y="16"/>
-                        </a:moveTo>
-                        <a:cubicBezTo>
-                          <a:pt x="0" y="16"/>
-                          <a:pt x="0" y="16"/>
-                          <a:pt x="0" y="16"/>
-                        </a:cubicBezTo>
-                        <a:cubicBezTo>
-                          <a:pt x="0" y="7"/>
-                          <a:pt x="7" y="0"/>
-                          <a:pt x="16" y="0"/>
-                        </a:cubicBezTo>
-                        <a:cubicBezTo>
-                          <a:pt x="21" y="0"/>
-                          <a:pt x="26" y="3"/>
-                          <a:pt x="29" y="7"/>
-                        </a:cubicBezTo>
-                      </a:path>
-                    </a:pathLst>
-                  </a:custGeom>
-                  <a:noFill/>
-                  <a:ln w="14288" cap="rnd">
-                    <a:solidFill>
-                      <a:schemeClr val="bg1"/>
-                    </a:solidFill>
-                    <a:prstDash val="solid"/>
-                    <a:round/>
-                    <a:headEnd/>
-                    <a:tailEnd/>
-                  </a:ln>
-                  <a:extLst>
-                    <a:ext uri="{909E8E84-426E-40DD-AFC4-6F175D3DCCD1}">
-                      <a14:hiddenFill xmlns:a14="http://schemas.microsoft.com/office/drawing/2010/main">
-                        <a:solidFill>
-                          <a:srgbClr val="FFFFFF"/>
-                        </a:solidFill>
-                      </a14:hiddenFill>
-                    </a:ext>
-                  </a:extLst>
-                </p:spPr>
-                <p:txBody>
-                  <a:bodyPr vert="horz" wrap="square" lIns="91440" tIns="45720" rIns="91440" bIns="45720" numCol="1" anchor="t" anchorCtr="0" compatLnSpc="1">
-                    <a:prstTxWarp prst="textNoShape">
-                      <a:avLst/>
-                    </a:prstTxWarp>
-                  </a:bodyPr>
-                  <a:lstStyle/>
-                  <a:p>
-                    <a:endParaRPr lang="id-ID"/>
-                  </a:p>
-                </p:txBody>
-              </p:sp>
-              <p:sp>
-                <p:nvSpPr>
-                  <p:cNvPr id="44" name="Oval 270">
-                    <a:extLst>
-                      <a:ext uri="{FF2B5EF4-FFF2-40B4-BE49-F238E27FC236}">
-                        <a16:creationId xmlns:a16="http://schemas.microsoft.com/office/drawing/2014/main" id="{B605F216-E7D2-42D4-8BCF-4B68365DD59A}"/>
-                      </a:ext>
-                    </a:extLst>
-                  </p:cNvPr>
-                  <p:cNvSpPr>
-                    <a:spLocks noChangeArrowheads="1"/>
-                  </p:cNvSpPr>
-                  <p:nvPr/>
-                </p:nvSpPr>
-                <p:spPr bwMode="auto">
-                  <a:xfrm>
-                    <a:off x="4360863" y="3060701"/>
-                    <a:ext cx="74613" cy="74613"/>
-                  </a:xfrm>
-                  <a:prstGeom prst="ellipse">
-                    <a:avLst/>
-                  </a:prstGeom>
-                  <a:noFill/>
-                  <a:ln w="14288" cap="rnd">
-                    <a:solidFill>
-                      <a:schemeClr val="bg1"/>
-                    </a:solidFill>
-                    <a:prstDash val="solid"/>
-                    <a:round/>
-                    <a:headEnd/>
-                    <a:tailEnd/>
-                  </a:ln>
-                  <a:extLst>
-                    <a:ext uri="{909E8E84-426E-40DD-AFC4-6F175D3DCCD1}">
-                      <a14:hiddenFill xmlns:a14="http://schemas.microsoft.com/office/drawing/2010/main">
-                        <a:solidFill>
-                          <a:srgbClr val="FFFFFF"/>
-                        </a:solidFill>
-                      </a14:hiddenFill>
-                    </a:ext>
-                  </a:extLst>
-                </p:spPr>
-                <p:txBody>
-                  <a:bodyPr vert="horz" wrap="square" lIns="91440" tIns="45720" rIns="91440" bIns="45720" numCol="1" anchor="t" anchorCtr="0" compatLnSpc="1">
-                    <a:prstTxWarp prst="textNoShape">
-                      <a:avLst/>
-                    </a:prstTxWarp>
-                  </a:bodyPr>
-                  <a:lstStyle/>
-                  <a:p>
-                    <a:endParaRPr lang="id-ID"/>
-                  </a:p>
-                </p:txBody>
-              </p:sp>
-              <p:sp>
-                <p:nvSpPr>
-                  <p:cNvPr id="45" name="Freeform 271">
-                    <a:extLst>
-                      <a:ext uri="{FF2B5EF4-FFF2-40B4-BE49-F238E27FC236}">
-                        <a16:creationId xmlns:a16="http://schemas.microsoft.com/office/drawing/2014/main" id="{7221B60C-9DC7-49BE-9845-B55F67481AED}"/>
-                      </a:ext>
-                    </a:extLst>
-                  </p:cNvPr>
-                  <p:cNvSpPr>
-                    <a:spLocks/>
-                  </p:cNvSpPr>
-                  <p:nvPr/>
-                </p:nvSpPr>
-                <p:spPr bwMode="auto">
-                  <a:xfrm>
-                    <a:off x="4349750" y="3135313"/>
-                    <a:ext cx="107950" cy="60325"/>
-                  </a:xfrm>
-                  <a:custGeom>
-                    <a:avLst/>
-                    <a:gdLst>
-                      <a:gd name="T0" fmla="*/ 0 w 29"/>
-                      <a:gd name="T1" fmla="*/ 7 h 16"/>
-                      <a:gd name="T2" fmla="*/ 13 w 29"/>
-                      <a:gd name="T3" fmla="*/ 0 h 16"/>
-                      <a:gd name="T4" fmla="*/ 29 w 29"/>
-                      <a:gd name="T5" fmla="*/ 16 h 16"/>
-                      <a:gd name="T6" fmla="*/ 7 w 29"/>
-                      <a:gd name="T7" fmla="*/ 16 h 16"/>
-                    </a:gdLst>
-                    <a:ahLst/>
-                    <a:cxnLst>
-                      <a:cxn ang="0">
-                        <a:pos x="T0" y="T1"/>
-                      </a:cxn>
-                      <a:cxn ang="0">
-                        <a:pos x="T2" y="T3"/>
-                      </a:cxn>
-                      <a:cxn ang="0">
-                        <a:pos x="T4" y="T5"/>
-                      </a:cxn>
-                      <a:cxn ang="0">
-                        <a:pos x="T6" y="T7"/>
-                      </a:cxn>
-                    </a:cxnLst>
-                    <a:rect l="0" t="0" r="r" b="b"/>
-                    <a:pathLst>
-                      <a:path w="29" h="16">
-                        <a:moveTo>
-                          <a:pt x="0" y="7"/>
-                        </a:moveTo>
-                        <a:cubicBezTo>
-                          <a:pt x="3" y="3"/>
-                          <a:pt x="8" y="0"/>
-                          <a:pt x="13" y="0"/>
-                        </a:cubicBezTo>
-                        <a:cubicBezTo>
-                          <a:pt x="22" y="0"/>
-                          <a:pt x="29" y="7"/>
-                          <a:pt x="29" y="16"/>
-                        </a:cubicBezTo>
-                        <a:cubicBezTo>
-                          <a:pt x="7" y="16"/>
-                          <a:pt x="7" y="16"/>
-                          <a:pt x="7" y="16"/>
-                        </a:cubicBezTo>
-                      </a:path>
-                    </a:pathLst>
-                  </a:custGeom>
-                  <a:noFill/>
-                  <a:ln w="14288" cap="rnd">
-                    <a:solidFill>
-                      <a:schemeClr val="bg1"/>
-                    </a:solidFill>
-                    <a:prstDash val="solid"/>
-                    <a:round/>
-                    <a:headEnd/>
-                    <a:tailEnd/>
-                  </a:ln>
-                  <a:extLst>
-                    <a:ext uri="{909E8E84-426E-40DD-AFC4-6F175D3DCCD1}">
-                      <a14:hiddenFill xmlns:a14="http://schemas.microsoft.com/office/drawing/2010/main">
-                        <a:solidFill>
-                          <a:srgbClr val="FFFFFF"/>
-                        </a:solidFill>
-                      </a14:hiddenFill>
-                    </a:ext>
-                  </a:extLst>
-                </p:spPr>
-                <p:txBody>
-                  <a:bodyPr vert="horz" wrap="square" lIns="91440" tIns="45720" rIns="91440" bIns="45720" numCol="1" anchor="t" anchorCtr="0" compatLnSpc="1">
-                    <a:prstTxWarp prst="textNoShape">
-                      <a:avLst/>
-                    </a:prstTxWarp>
-                  </a:bodyPr>
-                  <a:lstStyle/>
-                  <a:p>
-                    <a:endParaRPr lang="id-ID"/>
-                  </a:p>
-                </p:txBody>
-              </p:sp>
-              <p:sp>
-                <p:nvSpPr>
-                  <p:cNvPr id="46" name="Oval 272">
-                    <a:extLst>
-                      <a:ext uri="{FF2B5EF4-FFF2-40B4-BE49-F238E27FC236}">
-                        <a16:creationId xmlns:a16="http://schemas.microsoft.com/office/drawing/2014/main" id="{F7CDF7AF-4200-420D-ACFE-5F2B36CC0F4B}"/>
-                      </a:ext>
-                    </a:extLst>
-                  </p:cNvPr>
-                  <p:cNvSpPr>
-                    <a:spLocks noChangeArrowheads="1"/>
-                  </p:cNvSpPr>
-                  <p:nvPr/>
-                </p:nvSpPr>
-                <p:spPr bwMode="auto">
-                  <a:xfrm>
-                    <a:off x="4240213" y="3030538"/>
-                    <a:ext cx="104775" cy="109538"/>
-                  </a:xfrm>
-                  <a:prstGeom prst="ellipse">
-                    <a:avLst/>
-                  </a:prstGeom>
-                  <a:noFill/>
-                  <a:ln w="14288" cap="rnd">
-                    <a:solidFill>
-                      <a:schemeClr val="bg1"/>
-                    </a:solidFill>
-                    <a:prstDash val="solid"/>
-                    <a:round/>
-                    <a:headEnd/>
-                    <a:tailEnd/>
-                  </a:ln>
-                  <a:extLst>
-                    <a:ext uri="{909E8E84-426E-40DD-AFC4-6F175D3DCCD1}">
-                      <a14:hiddenFill xmlns:a14="http://schemas.microsoft.com/office/drawing/2010/main">
-                        <a:solidFill>
-                          <a:srgbClr val="FFFFFF"/>
-                        </a:solidFill>
-                      </a14:hiddenFill>
-                    </a:ext>
-                  </a:extLst>
-                </p:spPr>
-                <p:txBody>
-                  <a:bodyPr vert="horz" wrap="square" lIns="91440" tIns="45720" rIns="91440" bIns="45720" numCol="1" anchor="t" anchorCtr="0" compatLnSpc="1">
-                    <a:prstTxWarp prst="textNoShape">
-                      <a:avLst/>
-                    </a:prstTxWarp>
-                  </a:bodyPr>
-                  <a:lstStyle/>
-                  <a:p>
-                    <a:endParaRPr lang="id-ID"/>
-                  </a:p>
-                </p:txBody>
-              </p:sp>
-              <p:sp>
-                <p:nvSpPr>
-                  <p:cNvPr id="47" name="Freeform 273">
-                    <a:extLst>
-                      <a:ext uri="{FF2B5EF4-FFF2-40B4-BE49-F238E27FC236}">
-                        <a16:creationId xmlns:a16="http://schemas.microsoft.com/office/drawing/2014/main" id="{1A3F4268-4FB7-4106-9CDA-E5DFAC4ABF05}"/>
-                      </a:ext>
-                    </a:extLst>
-                  </p:cNvPr>
-                  <p:cNvSpPr>
-                    <a:spLocks/>
-                  </p:cNvSpPr>
-                  <p:nvPr/>
-                </p:nvSpPr>
-                <p:spPr bwMode="auto">
-                  <a:xfrm>
-                    <a:off x="4214813" y="2986088"/>
-                    <a:ext cx="157163" cy="36513"/>
-                  </a:xfrm>
-                  <a:custGeom>
-                    <a:avLst/>
-                    <a:gdLst>
-                      <a:gd name="T0" fmla="*/ 0 w 42"/>
-                      <a:gd name="T1" fmla="*/ 10 h 10"/>
-                      <a:gd name="T2" fmla="*/ 21 w 42"/>
-                      <a:gd name="T3" fmla="*/ 0 h 10"/>
-                      <a:gd name="T4" fmla="*/ 42 w 42"/>
-                      <a:gd name="T5" fmla="*/ 10 h 10"/>
-                    </a:gdLst>
-                    <a:ahLst/>
-                    <a:cxnLst>
-                      <a:cxn ang="0">
-                        <a:pos x="T0" y="T1"/>
-                      </a:cxn>
-                      <a:cxn ang="0">
-                        <a:pos x="T2" y="T3"/>
-                      </a:cxn>
-                      <a:cxn ang="0">
-                        <a:pos x="T4" y="T5"/>
-                      </a:cxn>
-                    </a:cxnLst>
-                    <a:rect l="0" t="0" r="r" b="b"/>
-                    <a:pathLst>
-                      <a:path w="42" h="10">
-                        <a:moveTo>
-                          <a:pt x="0" y="10"/>
-                        </a:moveTo>
-                        <a:cubicBezTo>
-                          <a:pt x="5" y="4"/>
-                          <a:pt x="13" y="0"/>
-                          <a:pt x="21" y="0"/>
-                        </a:cubicBezTo>
-                        <a:cubicBezTo>
-                          <a:pt x="29" y="0"/>
-                          <a:pt x="37" y="4"/>
-                          <a:pt x="42" y="10"/>
-                        </a:cubicBezTo>
-                      </a:path>
-                    </a:pathLst>
-                  </a:custGeom>
-                  <a:noFill/>
-                  <a:ln w="14288" cap="rnd">
-                    <a:solidFill>
-                      <a:schemeClr val="bg1"/>
-                    </a:solidFill>
-                    <a:prstDash val="solid"/>
-                    <a:round/>
-                    <a:headEnd/>
-                    <a:tailEnd/>
-                  </a:ln>
-                  <a:extLst>
-                    <a:ext uri="{909E8E84-426E-40DD-AFC4-6F175D3DCCD1}">
-                      <a14:hiddenFill xmlns:a14="http://schemas.microsoft.com/office/drawing/2010/main">
-                        <a:solidFill>
-                          <a:srgbClr val="FFFFFF"/>
-                        </a:solidFill>
-                      </a14:hiddenFill>
-                    </a:ext>
-                  </a:extLst>
-                </p:spPr>
-                <p:txBody>
-                  <a:bodyPr vert="horz" wrap="square" lIns="91440" tIns="45720" rIns="91440" bIns="45720" numCol="1" anchor="t" anchorCtr="0" compatLnSpc="1">
-                    <a:prstTxWarp prst="textNoShape">
-                      <a:avLst/>
-                    </a:prstTxWarp>
-                  </a:bodyPr>
-                  <a:lstStyle/>
-                  <a:p>
-                    <a:endParaRPr lang="id-ID"/>
-                  </a:p>
-                </p:txBody>
-              </p:sp>
-              <p:sp>
-                <p:nvSpPr>
-                  <p:cNvPr id="48" name="Freeform 274">
-                    <a:extLst>
-                      <a:ext uri="{FF2B5EF4-FFF2-40B4-BE49-F238E27FC236}">
-                        <a16:creationId xmlns:a16="http://schemas.microsoft.com/office/drawing/2014/main" id="{090011F9-93DA-4E08-8197-0237F3720B94}"/>
-                      </a:ext>
-                    </a:extLst>
-                  </p:cNvPr>
-                  <p:cNvSpPr>
-                    <a:spLocks/>
-                  </p:cNvSpPr>
-                  <p:nvPr/>
-                </p:nvSpPr>
-                <p:spPr bwMode="auto">
-                  <a:xfrm>
-                    <a:off x="4187825" y="2947988"/>
-                    <a:ext cx="211138" cy="49213"/>
-                  </a:xfrm>
-                  <a:custGeom>
-                    <a:avLst/>
-                    <a:gdLst>
-                      <a:gd name="T0" fmla="*/ 0 w 56"/>
-                      <a:gd name="T1" fmla="*/ 13 h 13"/>
-                      <a:gd name="T2" fmla="*/ 28 w 56"/>
-                      <a:gd name="T3" fmla="*/ 0 h 13"/>
-                      <a:gd name="T4" fmla="*/ 56 w 56"/>
-                      <a:gd name="T5" fmla="*/ 13 h 13"/>
-                    </a:gdLst>
-                    <a:ahLst/>
-                    <a:cxnLst>
-                      <a:cxn ang="0">
-                        <a:pos x="T0" y="T1"/>
-                      </a:cxn>
-                      <a:cxn ang="0">
-                        <a:pos x="T2" y="T3"/>
-                      </a:cxn>
-                      <a:cxn ang="0">
-                        <a:pos x="T4" y="T5"/>
-                      </a:cxn>
-                    </a:cxnLst>
-                    <a:rect l="0" t="0" r="r" b="b"/>
-                    <a:pathLst>
-                      <a:path w="56" h="13">
-                        <a:moveTo>
-                          <a:pt x="0" y="13"/>
-                        </a:moveTo>
-                        <a:cubicBezTo>
-                          <a:pt x="7" y="5"/>
-                          <a:pt x="17" y="0"/>
-                          <a:pt x="28" y="0"/>
-                        </a:cubicBezTo>
-                        <a:cubicBezTo>
-                          <a:pt x="39" y="0"/>
-                          <a:pt x="49" y="5"/>
-                          <a:pt x="56" y="13"/>
-                        </a:cubicBezTo>
-                      </a:path>
-                    </a:pathLst>
-                  </a:custGeom>
-                  <a:noFill/>
-                  <a:ln w="14288" cap="rnd">
-                    <a:solidFill>
-                      <a:schemeClr val="bg1"/>
-                    </a:solidFill>
-                    <a:prstDash val="solid"/>
-                    <a:round/>
-                    <a:headEnd/>
-                    <a:tailEnd/>
-                  </a:ln>
-                  <a:extLst>
-                    <a:ext uri="{909E8E84-426E-40DD-AFC4-6F175D3DCCD1}">
-                      <a14:hiddenFill xmlns:a14="http://schemas.microsoft.com/office/drawing/2010/main">
-                        <a:solidFill>
-                          <a:srgbClr val="FFFFFF"/>
-                        </a:solidFill>
-                      </a14:hiddenFill>
-                    </a:ext>
-                  </a:extLst>
-                </p:spPr>
-                <p:txBody>
-                  <a:bodyPr vert="horz" wrap="square" lIns="91440" tIns="45720" rIns="91440" bIns="45720" numCol="1" anchor="t" anchorCtr="0" compatLnSpc="1">
-                    <a:prstTxWarp prst="textNoShape">
-                      <a:avLst/>
-                    </a:prstTxWarp>
-                  </a:bodyPr>
-                  <a:lstStyle/>
-                  <a:p>
-                    <a:endParaRPr lang="id-ID"/>
-                  </a:p>
-                </p:txBody>
-              </p:sp>
-              <p:sp>
-                <p:nvSpPr>
-                  <p:cNvPr id="49" name="Freeform 275">
-                    <a:extLst>
-                      <a:ext uri="{FF2B5EF4-FFF2-40B4-BE49-F238E27FC236}">
-                        <a16:creationId xmlns:a16="http://schemas.microsoft.com/office/drawing/2014/main" id="{832AB0A3-F36E-4927-8E0D-E0C36586B75D}"/>
-                      </a:ext>
-                    </a:extLst>
-                  </p:cNvPr>
-                  <p:cNvSpPr>
-                    <a:spLocks/>
-                  </p:cNvSpPr>
-                  <p:nvPr/>
-                </p:nvSpPr>
-                <p:spPr bwMode="auto">
-                  <a:xfrm>
-                    <a:off x="4157663" y="2909888"/>
-                    <a:ext cx="269875" cy="63500"/>
-                  </a:xfrm>
-                  <a:custGeom>
-                    <a:avLst/>
-                    <a:gdLst>
-                      <a:gd name="T0" fmla="*/ 0 w 72"/>
-                      <a:gd name="T1" fmla="*/ 17 h 17"/>
-                      <a:gd name="T2" fmla="*/ 36 w 72"/>
-                      <a:gd name="T3" fmla="*/ 0 h 17"/>
-                      <a:gd name="T4" fmla="*/ 72 w 72"/>
-                      <a:gd name="T5" fmla="*/ 17 h 17"/>
-                    </a:gdLst>
-                    <a:ahLst/>
-                    <a:cxnLst>
-                      <a:cxn ang="0">
-                        <a:pos x="T0" y="T1"/>
-                      </a:cxn>
-                      <a:cxn ang="0">
-                        <a:pos x="T2" y="T3"/>
-                      </a:cxn>
-                      <a:cxn ang="0">
-                        <a:pos x="T4" y="T5"/>
-                      </a:cxn>
-                    </a:cxnLst>
-                    <a:rect l="0" t="0" r="r" b="b"/>
-                    <a:pathLst>
-                      <a:path w="72" h="17">
-                        <a:moveTo>
-                          <a:pt x="0" y="17"/>
-                        </a:moveTo>
-                        <a:cubicBezTo>
-                          <a:pt x="8" y="7"/>
-                          <a:pt x="21" y="0"/>
-                          <a:pt x="36" y="0"/>
-                        </a:cubicBezTo>
-                        <a:cubicBezTo>
-                          <a:pt x="51" y="0"/>
-                          <a:pt x="64" y="7"/>
-                          <a:pt x="72" y="17"/>
-                        </a:cubicBezTo>
-                      </a:path>
-                    </a:pathLst>
-                  </a:custGeom>
-                  <a:noFill/>
-                  <a:ln w="14288" cap="rnd">
-                    <a:solidFill>
-                      <a:schemeClr val="bg1"/>
-                    </a:solidFill>
-                    <a:prstDash val="solid"/>
-                    <a:round/>
-                    <a:headEnd/>
-                    <a:tailEnd/>
-                  </a:ln>
-                  <a:extLst>
-                    <a:ext uri="{909E8E84-426E-40DD-AFC4-6F175D3DCCD1}">
-                      <a14:hiddenFill xmlns:a14="http://schemas.microsoft.com/office/drawing/2010/main">
-                        <a:solidFill>
-                          <a:srgbClr val="FFFFFF"/>
-                        </a:solidFill>
-                      </a14:hiddenFill>
-                    </a:ext>
-                  </a:extLst>
-                </p:spPr>
-                <p:txBody>
-                  <a:bodyPr vert="horz" wrap="square" lIns="91440" tIns="45720" rIns="91440" bIns="45720" numCol="1" anchor="t" anchorCtr="0" compatLnSpc="1">
-                    <a:prstTxWarp prst="textNoShape">
-                      <a:avLst/>
-                    </a:prstTxWarp>
-                  </a:bodyPr>
-                  <a:lstStyle/>
-                  <a:p>
-                    <a:endParaRPr lang="id-ID"/>
-                  </a:p>
-                </p:txBody>
-              </p:sp>
-              <p:sp>
-                <p:nvSpPr>
-                  <p:cNvPr id="50" name="Freeform 276">
-                    <a:extLst>
-                      <a:ext uri="{FF2B5EF4-FFF2-40B4-BE49-F238E27FC236}">
-                        <a16:creationId xmlns:a16="http://schemas.microsoft.com/office/drawing/2014/main" id="{69185BBE-8B01-4042-9127-5E91F9AA4D0C}"/>
-                      </a:ext>
-                    </a:extLst>
-                  </p:cNvPr>
-                  <p:cNvSpPr>
-                    <a:spLocks/>
-                  </p:cNvSpPr>
-                  <p:nvPr/>
-                </p:nvSpPr>
-                <p:spPr bwMode="auto">
-                  <a:xfrm>
-                    <a:off x="4206875" y="3140076"/>
-                    <a:ext cx="173038" cy="85725"/>
-                  </a:xfrm>
-                  <a:custGeom>
-                    <a:avLst/>
-                    <a:gdLst>
-                      <a:gd name="T0" fmla="*/ 46 w 46"/>
-                      <a:gd name="T1" fmla="*/ 23 h 23"/>
-                      <a:gd name="T2" fmla="*/ 0 w 46"/>
-                      <a:gd name="T3" fmla="*/ 23 h 23"/>
-                      <a:gd name="T4" fmla="*/ 23 w 46"/>
-                      <a:gd name="T5" fmla="*/ 0 h 23"/>
-                      <a:gd name="T6" fmla="*/ 46 w 46"/>
-                      <a:gd name="T7" fmla="*/ 23 h 23"/>
-                    </a:gdLst>
-                    <a:ahLst/>
-                    <a:cxnLst>
-                      <a:cxn ang="0">
-                        <a:pos x="T0" y="T1"/>
-                      </a:cxn>
-                      <a:cxn ang="0">
-                        <a:pos x="T2" y="T3"/>
-                      </a:cxn>
-                      <a:cxn ang="0">
-                        <a:pos x="T4" y="T5"/>
-                      </a:cxn>
-                      <a:cxn ang="0">
-                        <a:pos x="T6" y="T7"/>
-                      </a:cxn>
-                    </a:cxnLst>
-                    <a:rect l="0" t="0" r="r" b="b"/>
-                    <a:pathLst>
-                      <a:path w="46" h="23">
-                        <a:moveTo>
-                          <a:pt x="46" y="23"/>
-                        </a:moveTo>
-                        <a:cubicBezTo>
-                          <a:pt x="0" y="23"/>
-                          <a:pt x="0" y="23"/>
-                          <a:pt x="0" y="23"/>
-                        </a:cubicBezTo>
-                        <a:cubicBezTo>
-                          <a:pt x="0" y="10"/>
-                          <a:pt x="10" y="0"/>
-                          <a:pt x="23" y="0"/>
-                        </a:cubicBezTo>
-                        <a:cubicBezTo>
-                          <a:pt x="36" y="0"/>
-                          <a:pt x="46" y="10"/>
-                          <a:pt x="46" y="23"/>
-                        </a:cubicBezTo>
-                        <a:close/>
-                      </a:path>
-                    </a:pathLst>
-                  </a:custGeom>
-                  <a:noFill/>
-                  <a:ln w="14288" cap="rnd">
-                    <a:solidFill>
-                      <a:schemeClr val="bg1"/>
-                    </a:solidFill>
-                    <a:prstDash val="solid"/>
-                    <a:round/>
-                    <a:headEnd/>
-                    <a:tailEnd/>
-                  </a:ln>
-                  <a:extLst>
-                    <a:ext uri="{909E8E84-426E-40DD-AFC4-6F175D3DCCD1}">
-                      <a14:hiddenFill xmlns:a14="http://schemas.microsoft.com/office/drawing/2010/main">
-                        <a:solidFill>
-                          <a:srgbClr val="FFFFFF"/>
-                        </a:solidFill>
-                      </a14:hiddenFill>
-                    </a:ext>
-                  </a:extLst>
-                </p:spPr>
-                <p:txBody>
-                  <a:bodyPr vert="horz" wrap="square" lIns="91440" tIns="45720" rIns="91440" bIns="45720" numCol="1" anchor="t" anchorCtr="0" compatLnSpc="1">
-                    <a:prstTxWarp prst="textNoShape">
-                      <a:avLst/>
-                    </a:prstTxWarp>
-                  </a:bodyPr>
-                  <a:lstStyle/>
-                  <a:p>
-                    <a:endParaRPr lang="id-ID"/>
-                  </a:p>
-                </p:txBody>
-              </p:sp>
-            </p:grpSp>
-            <p:sp>
-              <p:nvSpPr>
-                <p:cNvPr id="81" name="Rectangle 80">
-                  <a:extLst>
-                    <a:ext uri="{FF2B5EF4-FFF2-40B4-BE49-F238E27FC236}">
-                      <a16:creationId xmlns:a16="http://schemas.microsoft.com/office/drawing/2014/main" id="{E7E16F25-9A73-4F49-8593-4DDEE2A8AB5D}"/>
-                    </a:ext>
-                  </a:extLst>
-                </p:cNvPr>
-                <p:cNvSpPr/>
-                <p:nvPr/>
-              </p:nvSpPr>
-              <p:spPr>
-                <a:xfrm>
-                  <a:off x="5642387" y="3639850"/>
-                  <a:ext cx="2488294" cy="492443"/>
-                </a:xfrm>
-                <a:prstGeom prst="rect">
-                  <a:avLst/>
-                </a:prstGeom>
-              </p:spPr>
-              <p:txBody>
-                <a:bodyPr wrap="square" lIns="0" tIns="0" rIns="0" bIns="0">
-                  <a:spAutoFit/>
-                </a:bodyPr>
-                <a:lstStyle/>
-                <a:p>
-                  <a:r>
-                    <a:rPr lang="en-US" sz="1600" i="1" dirty="0">
-                      <a:solidFill>
-                        <a:schemeClr val="bg1"/>
-                      </a:solidFill>
-                      <a:latin typeface="+mj-lt"/>
-                      <a:cs typeface="Segoe UI" panose="020B0502040204020203" pitchFamily="34" charset="0"/>
-                    </a:rPr>
-                    <a:t>Lorem ipsum dolor sit amet, consectetur adipiscing elit. </a:t>
-                  </a:r>
-                </a:p>
-              </p:txBody>
-            </p:sp>
-          </p:grpSp>
-          <p:grpSp>
-            <p:nvGrpSpPr>
-              <p:cNvPr id="96" name="Group 95">
-                <a:extLst>
-                  <a:ext uri="{FF2B5EF4-FFF2-40B4-BE49-F238E27FC236}">
-                    <a16:creationId xmlns:a16="http://schemas.microsoft.com/office/drawing/2014/main" id="{B7DB03EE-BB00-488A-B451-6DF7DA5AC981}"/>
-                  </a:ext>
-                </a:extLst>
-              </p:cNvPr>
-              <p:cNvGrpSpPr/>
-              <p:nvPr/>
-            </p:nvGrpSpPr>
-            <p:grpSpPr>
-              <a:xfrm>
-                <a:off x="4712185" y="5089358"/>
-                <a:ext cx="3074540" cy="492443"/>
-                <a:chOff x="5056141" y="4560242"/>
-                <a:chExt cx="3074540" cy="492443"/>
-              </a:xfrm>
-            </p:grpSpPr>
-            <p:grpSp>
-              <p:nvGrpSpPr>
-                <p:cNvPr id="30" name="Group 29">
-                  <a:extLst>
-                    <a:ext uri="{FF2B5EF4-FFF2-40B4-BE49-F238E27FC236}">
-                      <a16:creationId xmlns:a16="http://schemas.microsoft.com/office/drawing/2014/main" id="{2FED15E3-F2A7-469C-B628-611921767E34}"/>
-                    </a:ext>
-                  </a:extLst>
-                </p:cNvPr>
-                <p:cNvGrpSpPr/>
-                <p:nvPr/>
-              </p:nvGrpSpPr>
-              <p:grpSpPr>
-                <a:xfrm>
-                  <a:off x="5056141" y="4633426"/>
-                  <a:ext cx="344488" cy="346075"/>
-                  <a:chOff x="4841875" y="2895601"/>
-                  <a:chExt cx="344488" cy="346075"/>
-                </a:xfrm>
-              </p:grpSpPr>
-              <p:sp>
-                <p:nvSpPr>
-                  <p:cNvPr id="31" name="Freeform 258">
-                    <a:extLst>
-                      <a:ext uri="{FF2B5EF4-FFF2-40B4-BE49-F238E27FC236}">
-                        <a16:creationId xmlns:a16="http://schemas.microsoft.com/office/drawing/2014/main" id="{66F1D3E8-8C01-4B14-8A55-CA0D336560C8}"/>
-                      </a:ext>
-                    </a:extLst>
-                  </p:cNvPr>
-                  <p:cNvSpPr>
-                    <a:spLocks/>
-                  </p:cNvSpPr>
-                  <p:nvPr/>
-                </p:nvSpPr>
-                <p:spPr bwMode="auto">
-                  <a:xfrm>
-                    <a:off x="4916488" y="2895601"/>
-                    <a:ext cx="195263" cy="195263"/>
-                  </a:xfrm>
-                  <a:custGeom>
-                    <a:avLst/>
-                    <a:gdLst>
-                      <a:gd name="T0" fmla="*/ 52 w 52"/>
-                      <a:gd name="T1" fmla="*/ 26 h 52"/>
-                      <a:gd name="T2" fmla="*/ 26 w 52"/>
-                      <a:gd name="T3" fmla="*/ 52 h 52"/>
-                      <a:gd name="T4" fmla="*/ 0 w 52"/>
-                      <a:gd name="T5" fmla="*/ 25 h 52"/>
-                      <a:gd name="T6" fmla="*/ 25 w 52"/>
-                      <a:gd name="T7" fmla="*/ 0 h 52"/>
-                      <a:gd name="T8" fmla="*/ 26 w 52"/>
-                      <a:gd name="T9" fmla="*/ 0 h 52"/>
-                      <a:gd name="T10" fmla="*/ 52 w 52"/>
-                      <a:gd name="T11" fmla="*/ 26 h 52"/>
-                    </a:gdLst>
-                    <a:ahLst/>
-                    <a:cxnLst>
-                      <a:cxn ang="0">
-                        <a:pos x="T0" y="T1"/>
-                      </a:cxn>
-                      <a:cxn ang="0">
-                        <a:pos x="T2" y="T3"/>
-                      </a:cxn>
-                      <a:cxn ang="0">
-                        <a:pos x="T4" y="T5"/>
-                      </a:cxn>
-                      <a:cxn ang="0">
-                        <a:pos x="T6" y="T7"/>
-                      </a:cxn>
-                      <a:cxn ang="0">
-                        <a:pos x="T8" y="T9"/>
-                      </a:cxn>
-                      <a:cxn ang="0">
-                        <a:pos x="T10" y="T11"/>
-                      </a:cxn>
-                    </a:cxnLst>
-                    <a:rect l="0" t="0" r="r" b="b"/>
-                    <a:pathLst>
-                      <a:path w="52" h="52">
-                        <a:moveTo>
-                          <a:pt x="52" y="26"/>
-                        </a:moveTo>
-                        <a:cubicBezTo>
-                          <a:pt x="52" y="40"/>
-                          <a:pt x="40" y="52"/>
-                          <a:pt x="26" y="52"/>
-                        </a:cubicBezTo>
-                        <a:cubicBezTo>
-                          <a:pt x="12" y="52"/>
-                          <a:pt x="0" y="40"/>
-                          <a:pt x="0" y="25"/>
-                        </a:cubicBezTo>
-                        <a:cubicBezTo>
-                          <a:pt x="0" y="11"/>
-                          <a:pt x="11" y="1"/>
-                          <a:pt x="25" y="0"/>
-                        </a:cubicBezTo>
-                        <a:cubicBezTo>
-                          <a:pt x="25" y="0"/>
-                          <a:pt x="26" y="0"/>
-                          <a:pt x="26" y="0"/>
-                        </a:cubicBezTo>
-                        <a:cubicBezTo>
-                          <a:pt x="40" y="0"/>
-                          <a:pt x="52" y="11"/>
-                          <a:pt x="52" y="26"/>
-                        </a:cubicBezTo>
-                        <a:close/>
-                      </a:path>
-                    </a:pathLst>
-                  </a:custGeom>
-                  <a:noFill/>
-                  <a:ln w="14288" cap="flat">
-                    <a:solidFill>
-                      <a:schemeClr val="bg1"/>
-                    </a:solidFill>
-                    <a:prstDash val="solid"/>
-                    <a:round/>
-                    <a:headEnd/>
-                    <a:tailEnd/>
-                  </a:ln>
-                  <a:extLst>
-                    <a:ext uri="{909E8E84-426E-40DD-AFC4-6F175D3DCCD1}">
-                      <a14:hiddenFill xmlns:a14="http://schemas.microsoft.com/office/drawing/2010/main">
-                        <a:solidFill>
-                          <a:srgbClr val="FFFFFF"/>
-                        </a:solidFill>
-                      </a14:hiddenFill>
-                    </a:ext>
-                  </a:extLst>
-                </p:spPr>
-                <p:txBody>
-                  <a:bodyPr vert="horz" wrap="square" lIns="91440" tIns="45720" rIns="91440" bIns="45720" numCol="1" anchor="t" anchorCtr="0" compatLnSpc="1">
-                    <a:prstTxWarp prst="textNoShape">
-                      <a:avLst/>
-                    </a:prstTxWarp>
-                  </a:bodyPr>
-                  <a:lstStyle/>
-                  <a:p>
-                    <a:endParaRPr lang="id-ID"/>
-                  </a:p>
-                </p:txBody>
-              </p:sp>
-              <p:sp>
-                <p:nvSpPr>
-                  <p:cNvPr id="32" name="Freeform 259">
-                    <a:extLst>
-                      <a:ext uri="{FF2B5EF4-FFF2-40B4-BE49-F238E27FC236}">
-                        <a16:creationId xmlns:a16="http://schemas.microsoft.com/office/drawing/2014/main" id="{C7E4337D-67E8-477B-8284-B0579D016001}"/>
-                      </a:ext>
-                    </a:extLst>
-                  </p:cNvPr>
-                  <p:cNvSpPr>
-                    <a:spLocks/>
-                  </p:cNvSpPr>
-                  <p:nvPr/>
-                </p:nvSpPr>
-                <p:spPr bwMode="auto">
-                  <a:xfrm>
-                    <a:off x="4957763" y="2895601"/>
-                    <a:ext cx="52388" cy="195263"/>
-                  </a:xfrm>
-                  <a:custGeom>
-                    <a:avLst/>
-                    <a:gdLst>
-                      <a:gd name="T0" fmla="*/ 14 w 14"/>
-                      <a:gd name="T1" fmla="*/ 0 h 52"/>
-                      <a:gd name="T2" fmla="*/ 14 w 14"/>
-                      <a:gd name="T3" fmla="*/ 52 h 52"/>
-                    </a:gdLst>
-                    <a:ahLst/>
-                    <a:cxnLst>
-                      <a:cxn ang="0">
-                        <a:pos x="T0" y="T1"/>
-                      </a:cxn>
-                      <a:cxn ang="0">
-                        <a:pos x="T2" y="T3"/>
-                      </a:cxn>
-                    </a:cxnLst>
-                    <a:rect l="0" t="0" r="r" b="b"/>
-                    <a:pathLst>
-                      <a:path w="14" h="52">
-                        <a:moveTo>
-                          <a:pt x="14" y="0"/>
-                        </a:moveTo>
-                        <a:cubicBezTo>
-                          <a:pt x="0" y="15"/>
-                          <a:pt x="0" y="34"/>
-                          <a:pt x="14" y="52"/>
-                        </a:cubicBezTo>
-                      </a:path>
-                    </a:pathLst>
-                  </a:custGeom>
-                  <a:noFill/>
-                  <a:ln w="14288" cap="flat">
-                    <a:solidFill>
-                      <a:schemeClr val="bg1"/>
-                    </a:solidFill>
-                    <a:prstDash val="solid"/>
-                    <a:round/>
-                    <a:headEnd/>
-                    <a:tailEnd/>
-                  </a:ln>
-                  <a:extLst>
-                    <a:ext uri="{909E8E84-426E-40DD-AFC4-6F175D3DCCD1}">
-                      <a14:hiddenFill xmlns:a14="http://schemas.microsoft.com/office/drawing/2010/main">
-                        <a:solidFill>
-                          <a:srgbClr val="FFFFFF"/>
-                        </a:solidFill>
-                      </a14:hiddenFill>
-                    </a:ext>
-                  </a:extLst>
-                </p:spPr>
-                <p:txBody>
-                  <a:bodyPr vert="horz" wrap="square" lIns="91440" tIns="45720" rIns="91440" bIns="45720" numCol="1" anchor="t" anchorCtr="0" compatLnSpc="1">
-                    <a:prstTxWarp prst="textNoShape">
-                      <a:avLst/>
-                    </a:prstTxWarp>
-                  </a:bodyPr>
-                  <a:lstStyle/>
-                  <a:p>
-                    <a:endParaRPr lang="id-ID"/>
-                  </a:p>
-                </p:txBody>
-              </p:sp>
-              <p:sp>
-                <p:nvSpPr>
-                  <p:cNvPr id="33" name="Freeform 260">
-                    <a:extLst>
-                      <a:ext uri="{FF2B5EF4-FFF2-40B4-BE49-F238E27FC236}">
-                        <a16:creationId xmlns:a16="http://schemas.microsoft.com/office/drawing/2014/main" id="{C2AF1AB5-D96A-4C19-BE80-2C8A0736E9B3}"/>
-                      </a:ext>
-                    </a:extLst>
-                  </p:cNvPr>
-                  <p:cNvSpPr>
-                    <a:spLocks/>
-                  </p:cNvSpPr>
-                  <p:nvPr/>
-                </p:nvSpPr>
-                <p:spPr bwMode="auto">
-                  <a:xfrm>
-                    <a:off x="5018088" y="2895601"/>
-                    <a:ext cx="52388" cy="195263"/>
-                  </a:xfrm>
-                  <a:custGeom>
-                    <a:avLst/>
-                    <a:gdLst>
-                      <a:gd name="T0" fmla="*/ 0 w 14"/>
-                      <a:gd name="T1" fmla="*/ 0 h 52"/>
-                      <a:gd name="T2" fmla="*/ 0 w 14"/>
-                      <a:gd name="T3" fmla="*/ 52 h 52"/>
-                    </a:gdLst>
-                    <a:ahLst/>
-                    <a:cxnLst>
-                      <a:cxn ang="0">
-                        <a:pos x="T0" y="T1"/>
-                      </a:cxn>
-                      <a:cxn ang="0">
-                        <a:pos x="T2" y="T3"/>
-                      </a:cxn>
-                    </a:cxnLst>
-                    <a:rect l="0" t="0" r="r" b="b"/>
-                    <a:pathLst>
-                      <a:path w="14" h="52">
-                        <a:moveTo>
-                          <a:pt x="0" y="0"/>
-                        </a:moveTo>
-                        <a:cubicBezTo>
-                          <a:pt x="14" y="15"/>
-                          <a:pt x="14" y="34"/>
-                          <a:pt x="0" y="52"/>
-                        </a:cubicBezTo>
-                      </a:path>
-                    </a:pathLst>
-                  </a:custGeom>
-                  <a:noFill/>
-                  <a:ln w="14288" cap="flat">
-                    <a:solidFill>
-                      <a:schemeClr val="bg1"/>
-                    </a:solidFill>
-                    <a:prstDash val="solid"/>
-                    <a:round/>
-                    <a:headEnd/>
-                    <a:tailEnd/>
-                  </a:ln>
-                  <a:extLst>
-                    <a:ext uri="{909E8E84-426E-40DD-AFC4-6F175D3DCCD1}">
-                      <a14:hiddenFill xmlns:a14="http://schemas.microsoft.com/office/drawing/2010/main">
-                        <a:solidFill>
-                          <a:srgbClr val="FFFFFF"/>
-                        </a:solidFill>
-                      </a14:hiddenFill>
-                    </a:ext>
-                  </a:extLst>
-                </p:spPr>
-                <p:txBody>
-                  <a:bodyPr vert="horz" wrap="square" lIns="91440" tIns="45720" rIns="91440" bIns="45720" numCol="1" anchor="t" anchorCtr="0" compatLnSpc="1">
-                    <a:prstTxWarp prst="textNoShape">
-                      <a:avLst/>
-                    </a:prstTxWarp>
-                  </a:bodyPr>
-                  <a:lstStyle/>
-                  <a:p>
-                    <a:endParaRPr lang="id-ID"/>
-                  </a:p>
-                </p:txBody>
-              </p:sp>
-              <p:sp>
-                <p:nvSpPr>
-                  <p:cNvPr id="34" name="Line 261">
-                    <a:extLst>
-                      <a:ext uri="{FF2B5EF4-FFF2-40B4-BE49-F238E27FC236}">
-                        <a16:creationId xmlns:a16="http://schemas.microsoft.com/office/drawing/2014/main" id="{FF7B7042-5F74-4182-89DF-79E95F074837}"/>
-                      </a:ext>
-                    </a:extLst>
-                  </p:cNvPr>
-                  <p:cNvSpPr>
-                    <a:spLocks noChangeShapeType="1"/>
-                  </p:cNvSpPr>
-                  <p:nvPr/>
-                </p:nvSpPr>
-                <p:spPr bwMode="auto">
-                  <a:xfrm>
-                    <a:off x="4932363" y="3044826"/>
-                    <a:ext cx="165100" cy="0"/>
-                  </a:xfrm>
-                  <a:prstGeom prst="line">
-                    <a:avLst/>
-                  </a:prstGeom>
-                  <a:noFill/>
-                  <a:ln w="14288" cap="flat">
-                    <a:solidFill>
-                      <a:schemeClr val="bg1"/>
-                    </a:solidFill>
-                    <a:prstDash val="solid"/>
-                    <a:round/>
-                    <a:headEnd/>
-                    <a:tailEnd/>
-                  </a:ln>
-                  <a:extLst>
-                    <a:ext uri="{909E8E84-426E-40DD-AFC4-6F175D3DCCD1}">
-                      <a14:hiddenFill xmlns:a14="http://schemas.microsoft.com/office/drawing/2010/main">
-                        <a:noFill/>
-                      </a14:hiddenFill>
-                    </a:ext>
-                  </a:extLst>
-                </p:spPr>
-                <p:txBody>
-                  <a:bodyPr vert="horz" wrap="square" lIns="91440" tIns="45720" rIns="91440" bIns="45720" numCol="1" anchor="t" anchorCtr="0" compatLnSpc="1">
-                    <a:prstTxWarp prst="textNoShape">
-                      <a:avLst/>
-                    </a:prstTxWarp>
-                  </a:bodyPr>
-                  <a:lstStyle/>
-                  <a:p>
-                    <a:endParaRPr lang="id-ID"/>
-                  </a:p>
-                </p:txBody>
-              </p:sp>
-              <p:sp>
-                <p:nvSpPr>
-                  <p:cNvPr id="35" name="Line 262">
-                    <a:extLst>
-                      <a:ext uri="{FF2B5EF4-FFF2-40B4-BE49-F238E27FC236}">
-                        <a16:creationId xmlns:a16="http://schemas.microsoft.com/office/drawing/2014/main" id="{6D40A249-C0DF-492C-98A0-5563396CEDA3}"/>
-                      </a:ext>
-                    </a:extLst>
-                  </p:cNvPr>
-                  <p:cNvSpPr>
-                    <a:spLocks noChangeShapeType="1"/>
-                  </p:cNvSpPr>
-                  <p:nvPr/>
-                </p:nvSpPr>
-                <p:spPr bwMode="auto">
-                  <a:xfrm>
-                    <a:off x="4932363" y="2940051"/>
-                    <a:ext cx="165100" cy="0"/>
-                  </a:xfrm>
-                  <a:prstGeom prst="line">
-                    <a:avLst/>
-                  </a:prstGeom>
-                  <a:noFill/>
-                  <a:ln w="14288" cap="flat">
-                    <a:solidFill>
-                      <a:schemeClr val="bg1"/>
-                    </a:solidFill>
-                    <a:prstDash val="solid"/>
-                    <a:round/>
-                    <a:headEnd/>
-                    <a:tailEnd/>
-                  </a:ln>
-                  <a:extLst>
-                    <a:ext uri="{909E8E84-426E-40DD-AFC4-6F175D3DCCD1}">
-                      <a14:hiddenFill xmlns:a14="http://schemas.microsoft.com/office/drawing/2010/main">
-                        <a:noFill/>
-                      </a14:hiddenFill>
-                    </a:ext>
-                  </a:extLst>
-                </p:spPr>
-                <p:txBody>
-                  <a:bodyPr vert="horz" wrap="square" lIns="91440" tIns="45720" rIns="91440" bIns="45720" numCol="1" anchor="t" anchorCtr="0" compatLnSpc="1">
-                    <a:prstTxWarp prst="textNoShape">
-                      <a:avLst/>
-                    </a:prstTxWarp>
-                  </a:bodyPr>
-                  <a:lstStyle/>
-                  <a:p>
-                    <a:endParaRPr lang="id-ID"/>
-                  </a:p>
-                </p:txBody>
-              </p:sp>
-              <p:sp>
-                <p:nvSpPr>
-                  <p:cNvPr id="36" name="Line 263">
-                    <a:extLst>
-                      <a:ext uri="{FF2B5EF4-FFF2-40B4-BE49-F238E27FC236}">
-                        <a16:creationId xmlns:a16="http://schemas.microsoft.com/office/drawing/2014/main" id="{0424966D-2E93-463D-925D-8EC1314AA4C8}"/>
-                      </a:ext>
-                    </a:extLst>
-                  </p:cNvPr>
-                  <p:cNvSpPr>
-                    <a:spLocks noChangeShapeType="1"/>
-                  </p:cNvSpPr>
-                  <p:nvPr/>
-                </p:nvSpPr>
-                <p:spPr bwMode="auto">
-                  <a:xfrm>
-                    <a:off x="4916488" y="2992438"/>
-                    <a:ext cx="195263" cy="0"/>
-                  </a:xfrm>
-                  <a:prstGeom prst="line">
-                    <a:avLst/>
-                  </a:prstGeom>
-                  <a:noFill/>
-                  <a:ln w="14288" cap="flat">
-                    <a:solidFill>
-                      <a:schemeClr val="bg1"/>
-                    </a:solidFill>
-                    <a:prstDash val="solid"/>
-                    <a:round/>
-                    <a:headEnd/>
-                    <a:tailEnd/>
-                  </a:ln>
-                  <a:extLst>
-                    <a:ext uri="{909E8E84-426E-40DD-AFC4-6F175D3DCCD1}">
-                      <a14:hiddenFill xmlns:a14="http://schemas.microsoft.com/office/drawing/2010/main">
-                        <a:noFill/>
-                      </a14:hiddenFill>
-                    </a:ext>
-                  </a:extLst>
-                </p:spPr>
-                <p:txBody>
-                  <a:bodyPr vert="horz" wrap="square" lIns="91440" tIns="45720" rIns="91440" bIns="45720" numCol="1" anchor="t" anchorCtr="0" compatLnSpc="1">
-                    <a:prstTxWarp prst="textNoShape">
-                      <a:avLst/>
-                    </a:prstTxWarp>
-                  </a:bodyPr>
-                  <a:lstStyle/>
-                  <a:p>
-                    <a:endParaRPr lang="id-ID"/>
-                  </a:p>
-                </p:txBody>
-              </p:sp>
-              <p:sp>
-                <p:nvSpPr>
-                  <p:cNvPr id="37" name="Oval 264">
-                    <a:extLst>
-                      <a:ext uri="{FF2B5EF4-FFF2-40B4-BE49-F238E27FC236}">
-                        <a16:creationId xmlns:a16="http://schemas.microsoft.com/office/drawing/2014/main" id="{A2027076-84C0-41AA-ABE6-E182664DD1A7}"/>
-                      </a:ext>
-                    </a:extLst>
-                  </p:cNvPr>
-                  <p:cNvSpPr>
-                    <a:spLocks noChangeArrowheads="1"/>
-                  </p:cNvSpPr>
-                  <p:nvPr/>
-                </p:nvSpPr>
-                <p:spPr bwMode="auto">
-                  <a:xfrm>
-                    <a:off x="4864100" y="3105151"/>
-                    <a:ext cx="74613" cy="76200"/>
-                  </a:xfrm>
-                  <a:prstGeom prst="ellipse">
-                    <a:avLst/>
-                  </a:prstGeom>
-                  <a:noFill/>
-                  <a:ln w="14288" cap="rnd">
-                    <a:solidFill>
-                      <a:schemeClr val="bg1"/>
-                    </a:solidFill>
-                    <a:prstDash val="solid"/>
-                    <a:round/>
-                    <a:headEnd/>
-                    <a:tailEnd/>
-                  </a:ln>
-                  <a:extLst>
-                    <a:ext uri="{909E8E84-426E-40DD-AFC4-6F175D3DCCD1}">
-                      <a14:hiddenFill xmlns:a14="http://schemas.microsoft.com/office/drawing/2010/main">
-                        <a:solidFill>
-                          <a:srgbClr val="FFFFFF"/>
-                        </a:solidFill>
-                      </a14:hiddenFill>
-                    </a:ext>
-                  </a:extLst>
-                </p:spPr>
-                <p:txBody>
-                  <a:bodyPr vert="horz" wrap="square" lIns="91440" tIns="45720" rIns="91440" bIns="45720" numCol="1" anchor="t" anchorCtr="0" compatLnSpc="1">
-                    <a:prstTxWarp prst="textNoShape">
-                      <a:avLst/>
-                    </a:prstTxWarp>
-                  </a:bodyPr>
-                  <a:lstStyle/>
-                  <a:p>
-                    <a:endParaRPr lang="id-ID"/>
-                  </a:p>
-                </p:txBody>
-              </p:sp>
-              <p:sp>
-                <p:nvSpPr>
-                  <p:cNvPr id="38" name="Oval 265">
-                    <a:extLst>
-                      <a:ext uri="{FF2B5EF4-FFF2-40B4-BE49-F238E27FC236}">
-                        <a16:creationId xmlns:a16="http://schemas.microsoft.com/office/drawing/2014/main" id="{34911030-E1C4-47C6-B878-AB9504619ECD}"/>
-                      </a:ext>
-                    </a:extLst>
-                  </p:cNvPr>
-                  <p:cNvSpPr>
-                    <a:spLocks noChangeArrowheads="1"/>
-                  </p:cNvSpPr>
-                  <p:nvPr/>
-                </p:nvSpPr>
-                <p:spPr bwMode="auto">
-                  <a:xfrm>
-                    <a:off x="4976813" y="3105151"/>
-                    <a:ext cx="74613" cy="76200"/>
-                  </a:xfrm>
-                  <a:prstGeom prst="ellipse">
-                    <a:avLst/>
-                  </a:prstGeom>
-                  <a:noFill/>
-                  <a:ln w="14288" cap="rnd">
-                    <a:solidFill>
-                      <a:schemeClr val="bg1"/>
-                    </a:solidFill>
-                    <a:prstDash val="solid"/>
-                    <a:round/>
-                    <a:headEnd/>
-                    <a:tailEnd/>
-                  </a:ln>
-                  <a:extLst>
-                    <a:ext uri="{909E8E84-426E-40DD-AFC4-6F175D3DCCD1}">
-                      <a14:hiddenFill xmlns:a14="http://schemas.microsoft.com/office/drawing/2010/main">
-                        <a:solidFill>
-                          <a:srgbClr val="FFFFFF"/>
-                        </a:solidFill>
-                      </a14:hiddenFill>
-                    </a:ext>
-                  </a:extLst>
-                </p:spPr>
-                <p:txBody>
-                  <a:bodyPr vert="horz" wrap="square" lIns="91440" tIns="45720" rIns="91440" bIns="45720" numCol="1" anchor="t" anchorCtr="0" compatLnSpc="1">
-                    <a:prstTxWarp prst="textNoShape">
-                      <a:avLst/>
-                    </a:prstTxWarp>
-                  </a:bodyPr>
-                  <a:lstStyle/>
-                  <a:p>
-                    <a:endParaRPr lang="id-ID"/>
-                  </a:p>
-                </p:txBody>
-              </p:sp>
-              <p:sp>
-                <p:nvSpPr>
-                  <p:cNvPr id="39" name="Oval 266">
-                    <a:extLst>
-                      <a:ext uri="{FF2B5EF4-FFF2-40B4-BE49-F238E27FC236}">
-                        <a16:creationId xmlns:a16="http://schemas.microsoft.com/office/drawing/2014/main" id="{872A828C-C960-409B-BA85-F3FA58C5877B}"/>
-                      </a:ext>
-                    </a:extLst>
-                  </p:cNvPr>
-                  <p:cNvSpPr>
-                    <a:spLocks noChangeArrowheads="1"/>
-                  </p:cNvSpPr>
-                  <p:nvPr/>
-                </p:nvSpPr>
-                <p:spPr bwMode="auto">
-                  <a:xfrm>
-                    <a:off x="5089525" y="3105151"/>
-                    <a:ext cx="74613" cy="76200"/>
-                  </a:xfrm>
-                  <a:prstGeom prst="ellipse">
-                    <a:avLst/>
-                  </a:prstGeom>
-                  <a:noFill/>
-                  <a:ln w="14288" cap="rnd">
-                    <a:solidFill>
-                      <a:schemeClr val="bg1"/>
-                    </a:solidFill>
-                    <a:prstDash val="solid"/>
-                    <a:round/>
-                    <a:headEnd/>
-                    <a:tailEnd/>
-                  </a:ln>
-                  <a:extLst>
-                    <a:ext uri="{909E8E84-426E-40DD-AFC4-6F175D3DCCD1}">
-                      <a14:hiddenFill xmlns:a14="http://schemas.microsoft.com/office/drawing/2010/main">
-                        <a:solidFill>
-                          <a:srgbClr val="FFFFFF"/>
-                        </a:solidFill>
-                      </a14:hiddenFill>
-                    </a:ext>
-                  </a:extLst>
-                </p:spPr>
-                <p:txBody>
-                  <a:bodyPr vert="horz" wrap="square" lIns="91440" tIns="45720" rIns="91440" bIns="45720" numCol="1" anchor="t" anchorCtr="0" compatLnSpc="1">
-                    <a:prstTxWarp prst="textNoShape">
-                      <a:avLst/>
-                    </a:prstTxWarp>
-                  </a:bodyPr>
-                  <a:lstStyle/>
-                  <a:p>
-                    <a:endParaRPr lang="id-ID"/>
-                  </a:p>
-                </p:txBody>
-              </p:sp>
-              <p:sp>
-                <p:nvSpPr>
-                  <p:cNvPr id="40" name="Freeform 267">
-                    <a:extLst>
-                      <a:ext uri="{FF2B5EF4-FFF2-40B4-BE49-F238E27FC236}">
-                        <a16:creationId xmlns:a16="http://schemas.microsoft.com/office/drawing/2014/main" id="{111031BF-F147-4673-B7D2-BAB9FDE01341}"/>
-                      </a:ext>
-                    </a:extLst>
-                  </p:cNvPr>
-                  <p:cNvSpPr>
-                    <a:spLocks/>
-                  </p:cNvSpPr>
-                  <p:nvPr/>
-                </p:nvSpPr>
-                <p:spPr bwMode="auto">
-                  <a:xfrm>
-                    <a:off x="4841875" y="3181351"/>
-                    <a:ext cx="344488" cy="60325"/>
-                  </a:xfrm>
-                  <a:custGeom>
-                    <a:avLst/>
-                    <a:gdLst>
-                      <a:gd name="T0" fmla="*/ 76 w 92"/>
-                      <a:gd name="T1" fmla="*/ 0 h 16"/>
-                      <a:gd name="T2" fmla="*/ 61 w 92"/>
-                      <a:gd name="T3" fmla="*/ 11 h 16"/>
-                      <a:gd name="T4" fmla="*/ 46 w 92"/>
-                      <a:gd name="T5" fmla="*/ 0 h 16"/>
-                      <a:gd name="T6" fmla="*/ 31 w 92"/>
-                      <a:gd name="T7" fmla="*/ 11 h 16"/>
-                      <a:gd name="T8" fmla="*/ 16 w 92"/>
-                      <a:gd name="T9" fmla="*/ 0 h 16"/>
-                      <a:gd name="T10" fmla="*/ 0 w 92"/>
-                      <a:gd name="T11" fmla="*/ 16 h 16"/>
-                      <a:gd name="T12" fmla="*/ 92 w 92"/>
-                      <a:gd name="T13" fmla="*/ 16 h 16"/>
-                      <a:gd name="T14" fmla="*/ 76 w 92"/>
-                      <a:gd name="T15" fmla="*/ 0 h 16"/>
-                    </a:gdLst>
-                    <a:ahLst/>
-                    <a:cxnLst>
-                      <a:cxn ang="0">
-                        <a:pos x="T0" y="T1"/>
-                      </a:cxn>
-                      <a:cxn ang="0">
-                        <a:pos x="T2" y="T3"/>
-                      </a:cxn>
-                      <a:cxn ang="0">
-                        <a:pos x="T4" y="T5"/>
-                      </a:cxn>
-                      <a:cxn ang="0">
-                        <a:pos x="T6" y="T7"/>
-                      </a:cxn>
-                      <a:cxn ang="0">
-                        <a:pos x="T8" y="T9"/>
-                      </a:cxn>
-                      <a:cxn ang="0">
-                        <a:pos x="T10" y="T11"/>
-                      </a:cxn>
-                      <a:cxn ang="0">
-                        <a:pos x="T12" y="T13"/>
-                      </a:cxn>
-                      <a:cxn ang="0">
-                        <a:pos x="T14" y="T15"/>
-                      </a:cxn>
-                    </a:cxnLst>
-                    <a:rect l="0" t="0" r="r" b="b"/>
-                    <a:pathLst>
-                      <a:path w="92" h="16">
-                        <a:moveTo>
-                          <a:pt x="76" y="0"/>
-                        </a:moveTo>
-                        <a:cubicBezTo>
-                          <a:pt x="69" y="0"/>
-                          <a:pt x="63" y="4"/>
-                          <a:pt x="61" y="11"/>
-                        </a:cubicBezTo>
-                        <a:cubicBezTo>
-                          <a:pt x="59" y="4"/>
-                          <a:pt x="53" y="0"/>
-                          <a:pt x="46" y="0"/>
-                        </a:cubicBezTo>
-                        <a:cubicBezTo>
-                          <a:pt x="39" y="0"/>
-                          <a:pt x="33" y="4"/>
-                          <a:pt x="31" y="11"/>
-                        </a:cubicBezTo>
-                        <a:cubicBezTo>
-                          <a:pt x="29" y="4"/>
-                          <a:pt x="23" y="0"/>
-                          <a:pt x="16" y="0"/>
-                        </a:cubicBezTo>
-                        <a:cubicBezTo>
-                          <a:pt x="7" y="0"/>
-                          <a:pt x="0" y="8"/>
-                          <a:pt x="0" y="16"/>
-                        </a:cubicBezTo>
-                        <a:cubicBezTo>
-                          <a:pt x="92" y="16"/>
-                          <a:pt x="92" y="16"/>
-                          <a:pt x="92" y="16"/>
-                        </a:cubicBezTo>
-                        <a:cubicBezTo>
-                          <a:pt x="92" y="8"/>
-                          <a:pt x="85" y="0"/>
-                          <a:pt x="76" y="0"/>
-                        </a:cubicBezTo>
-                        <a:close/>
-                      </a:path>
-                    </a:pathLst>
-                  </a:custGeom>
-                  <a:noFill/>
-                  <a:ln w="14288" cap="rnd">
-                    <a:solidFill>
-                      <a:schemeClr val="bg1"/>
-                    </a:solidFill>
-                    <a:prstDash val="solid"/>
-                    <a:round/>
-                    <a:headEnd/>
-                    <a:tailEnd/>
-                  </a:ln>
-                  <a:extLst>
-                    <a:ext uri="{909E8E84-426E-40DD-AFC4-6F175D3DCCD1}">
-                      <a14:hiddenFill xmlns:a14="http://schemas.microsoft.com/office/drawing/2010/main">
-                        <a:solidFill>
-                          <a:srgbClr val="FFFFFF"/>
-                        </a:solidFill>
-                      </a14:hiddenFill>
-                    </a:ext>
-                  </a:extLst>
-                </p:spPr>
-                <p:txBody>
-                  <a:bodyPr vert="horz" wrap="square" lIns="91440" tIns="45720" rIns="91440" bIns="45720" numCol="1" anchor="t" anchorCtr="0" compatLnSpc="1">
-                    <a:prstTxWarp prst="textNoShape">
-                      <a:avLst/>
-                    </a:prstTxWarp>
-                  </a:bodyPr>
-                  <a:lstStyle/>
-                  <a:p>
-                    <a:endParaRPr lang="id-ID"/>
-                  </a:p>
-                </p:txBody>
-              </p:sp>
-            </p:grpSp>
-            <p:sp>
-              <p:nvSpPr>
-                <p:cNvPr id="94" name="Rectangle 93">
-                  <a:extLst>
-                    <a:ext uri="{FF2B5EF4-FFF2-40B4-BE49-F238E27FC236}">
-                      <a16:creationId xmlns:a16="http://schemas.microsoft.com/office/drawing/2014/main" id="{9482C2C4-A83F-481A-A4DA-8A5D9AD7A680}"/>
-                    </a:ext>
-                  </a:extLst>
-                </p:cNvPr>
-                <p:cNvSpPr/>
-                <p:nvPr/>
-              </p:nvSpPr>
-              <p:spPr>
-                <a:xfrm>
-                  <a:off x="5642387" y="4560242"/>
-                  <a:ext cx="2488294" cy="492443"/>
-                </a:xfrm>
-                <a:prstGeom prst="rect">
-                  <a:avLst/>
-                </a:prstGeom>
-              </p:spPr>
-              <p:txBody>
-                <a:bodyPr wrap="square" lIns="0" tIns="0" rIns="0" bIns="0">
-                  <a:spAutoFit/>
-                </a:bodyPr>
-                <a:lstStyle/>
-                <a:p>
-                  <a:r>
-                    <a:rPr lang="en-US" sz="1600" i="1" dirty="0">
-                      <a:solidFill>
-                        <a:schemeClr val="bg1"/>
-                      </a:solidFill>
-                      <a:latin typeface="+mj-lt"/>
-                      <a:cs typeface="Segoe UI" panose="020B0502040204020203" pitchFamily="34" charset="0"/>
-                    </a:rPr>
-                    <a:t>Lorem ipsum dolor sit amet, consectetur adipiscing elit. </a:t>
-                  </a:r>
-                </a:p>
-              </p:txBody>
-            </p:sp>
-          </p:grpSp>
-          <p:grpSp>
-            <p:nvGrpSpPr>
-              <p:cNvPr id="13" name="Group 12">
-                <a:extLst>
-                  <a:ext uri="{FF2B5EF4-FFF2-40B4-BE49-F238E27FC236}">
-                    <a16:creationId xmlns:a16="http://schemas.microsoft.com/office/drawing/2014/main" id="{DFB86711-61B6-4E9F-94FC-7E4E4C2AFDBB}"/>
-                  </a:ext>
-                </a:extLst>
-              </p:cNvPr>
-              <p:cNvGrpSpPr/>
-              <p:nvPr/>
-            </p:nvGrpSpPr>
-            <p:grpSpPr>
-              <a:xfrm>
-                <a:off x="4721542" y="2742223"/>
-                <a:ext cx="2998053" cy="246221"/>
-                <a:chOff x="4721542" y="2734320"/>
-                <a:chExt cx="2998053" cy="246221"/>
-              </a:xfrm>
-            </p:grpSpPr>
-            <p:grpSp>
-              <p:nvGrpSpPr>
-                <p:cNvPr id="8" name="Group 7">
-                  <a:extLst>
-                    <a:ext uri="{FF2B5EF4-FFF2-40B4-BE49-F238E27FC236}">
-                      <a16:creationId xmlns:a16="http://schemas.microsoft.com/office/drawing/2014/main" id="{4AF81162-F8E5-4429-8E39-AF70CBB53233}"/>
-                    </a:ext>
-                  </a:extLst>
-                </p:cNvPr>
-                <p:cNvGrpSpPr/>
-                <p:nvPr/>
-              </p:nvGrpSpPr>
-              <p:grpSpPr>
-                <a:xfrm>
-                  <a:off x="5298431" y="2813132"/>
-                  <a:ext cx="2421164" cy="88596"/>
-                  <a:chOff x="4674462" y="2940354"/>
-                  <a:chExt cx="3045133" cy="81030"/>
-                </a:xfrm>
-              </p:grpSpPr>
-              <p:sp>
-                <p:nvSpPr>
-                  <p:cNvPr id="7" name="Rectangle: Rounded Corners 6">
-                    <a:extLst>
-                      <a:ext uri="{FF2B5EF4-FFF2-40B4-BE49-F238E27FC236}">
-                        <a16:creationId xmlns:a16="http://schemas.microsoft.com/office/drawing/2014/main" id="{946F7D42-7783-4AA6-ADD6-AB6D2DF05CAF}"/>
-                      </a:ext>
-                    </a:extLst>
-                  </p:cNvPr>
-                  <p:cNvSpPr/>
-                  <p:nvPr/>
-                </p:nvSpPr>
-                <p:spPr>
-                  <a:xfrm>
-                    <a:off x="4674462" y="2940367"/>
-                    <a:ext cx="3045133" cy="81017"/>
-                  </a:xfrm>
-                  <a:prstGeom prst="roundRect">
-                    <a:avLst>
-                      <a:gd name="adj" fmla="val 50000"/>
-                    </a:avLst>
-                  </a:prstGeom>
-                  <a:solidFill>
-                    <a:schemeClr val="bg1">
-                      <a:alpha val="26000"/>
-                    </a:schemeClr>
-                  </a:solidFill>
-                  <a:ln>
-                    <a:noFill/>
-                  </a:ln>
-                </p:spPr>
-                <p:style>
-                  <a:lnRef idx="2">
-                    <a:schemeClr val="accent1">
-                      <a:shade val="50000"/>
-                    </a:schemeClr>
-                  </a:lnRef>
-                  <a:fillRef idx="1">
-                    <a:schemeClr val="accent1"/>
-                  </a:fillRef>
-                  <a:effectRef idx="0">
-                    <a:schemeClr val="accent1"/>
-                  </a:effectRef>
-                  <a:fontRef idx="minor">
-                    <a:schemeClr val="lt1"/>
-                  </a:fontRef>
-                </p:style>
-                <p:txBody>
-                  <a:bodyPr rtlCol="0" anchor="ctr"/>
-                  <a:lstStyle/>
-                  <a:p>
-                    <a:pPr algn="ctr"/>
-                    <a:endParaRPr lang="en-US" dirty="0"/>
-                  </a:p>
-                </p:txBody>
-              </p:sp>
-              <p:sp>
-                <p:nvSpPr>
-                  <p:cNvPr id="71" name="Rectangle: Rounded Corners 70">
-                    <a:extLst>
-                      <a:ext uri="{FF2B5EF4-FFF2-40B4-BE49-F238E27FC236}">
-                        <a16:creationId xmlns:a16="http://schemas.microsoft.com/office/drawing/2014/main" id="{0A78528F-E9CB-4B99-BD4F-A6AE016C76C8}"/>
-                      </a:ext>
-                    </a:extLst>
-                  </p:cNvPr>
-                  <p:cNvSpPr/>
-                  <p:nvPr/>
-                </p:nvSpPr>
-                <p:spPr>
-                  <a:xfrm>
-                    <a:off x="4674463" y="2940354"/>
-                    <a:ext cx="1834287" cy="81017"/>
-                  </a:xfrm>
-                  <a:prstGeom prst="roundRect">
-                    <a:avLst>
-                      <a:gd name="adj" fmla="val 50000"/>
-                    </a:avLst>
-                  </a:prstGeom>
-                  <a:solidFill>
-                    <a:schemeClr val="bg1">
-                      <a:alpha val="67000"/>
-                    </a:schemeClr>
-                  </a:solidFill>
-                  <a:ln>
-                    <a:noFill/>
-                  </a:ln>
-                </p:spPr>
-                <p:style>
-                  <a:lnRef idx="2">
-                    <a:schemeClr val="accent1">
-                      <a:shade val="50000"/>
-                    </a:schemeClr>
-                  </a:lnRef>
-                  <a:fillRef idx="1">
-                    <a:schemeClr val="accent1"/>
-                  </a:fillRef>
-                  <a:effectRef idx="0">
-                    <a:schemeClr val="accent1"/>
-                  </a:effectRef>
-                  <a:fontRef idx="minor">
-                    <a:schemeClr val="lt1"/>
-                  </a:fontRef>
-                </p:style>
-                <p:txBody>
-                  <a:bodyPr rtlCol="0" anchor="ctr"/>
-                  <a:lstStyle/>
-                  <a:p>
-                    <a:pPr algn="ctr"/>
-                    <a:endParaRPr lang="en-US" dirty="0"/>
-                  </a:p>
-                </p:txBody>
-              </p:sp>
-            </p:grpSp>
-            <p:sp>
-              <p:nvSpPr>
-                <p:cNvPr id="73" name="Rectangle 72">
-                  <a:extLst>
-                    <a:ext uri="{FF2B5EF4-FFF2-40B4-BE49-F238E27FC236}">
-                      <a16:creationId xmlns:a16="http://schemas.microsoft.com/office/drawing/2014/main" id="{CBE1CF42-34AD-45F7-9BB7-06D7FDE081B7}"/>
-                    </a:ext>
-                  </a:extLst>
-                </p:cNvPr>
-                <p:cNvSpPr/>
-                <p:nvPr/>
-              </p:nvSpPr>
-              <p:spPr>
-                <a:xfrm>
-                  <a:off x="4721542" y="2734320"/>
-                  <a:ext cx="446424" cy="246221"/>
-                </a:xfrm>
-                <a:prstGeom prst="rect">
-                  <a:avLst/>
-                </a:prstGeom>
-              </p:spPr>
-              <p:txBody>
-                <a:bodyPr wrap="square" lIns="0" tIns="0" rIns="0" bIns="0">
-                  <a:spAutoFit/>
-                </a:bodyPr>
-                <a:lstStyle/>
-                <a:p>
-                  <a:r>
-                    <a:rPr lang="id-ID" sz="1600" i="1" dirty="0">
-                      <a:solidFill>
-                        <a:schemeClr val="bg1"/>
-                      </a:solidFill>
-                      <a:latin typeface="+mj-lt"/>
-                      <a:cs typeface="Segoe UI" panose="020B0502040204020203" pitchFamily="34" charset="0"/>
-                    </a:rPr>
-                    <a:t>65%</a:t>
-                  </a:r>
-                  <a:endParaRPr lang="en-US" sz="1600" i="1" dirty="0">
-                    <a:solidFill>
-                      <a:schemeClr val="bg1"/>
-                    </a:solidFill>
-                    <a:latin typeface="+mj-lt"/>
-                    <a:cs typeface="Segoe UI" panose="020B0502040204020203" pitchFamily="34" charset="0"/>
-                  </a:endParaRPr>
-                </a:p>
-              </p:txBody>
-            </p:sp>
-          </p:grpSp>
-          <p:grpSp>
-            <p:nvGrpSpPr>
-              <p:cNvPr id="11" name="Group 10">
-                <a:extLst>
-                  <a:ext uri="{FF2B5EF4-FFF2-40B4-BE49-F238E27FC236}">
-                    <a16:creationId xmlns:a16="http://schemas.microsoft.com/office/drawing/2014/main" id="{02F17230-3C6B-4C60-8575-90C979038AC0}"/>
-                  </a:ext>
-                </a:extLst>
-              </p:cNvPr>
-              <p:cNvGrpSpPr/>
-              <p:nvPr/>
-            </p:nvGrpSpPr>
-            <p:grpSpPr>
-              <a:xfrm>
-                <a:off x="4721542" y="3730321"/>
-                <a:ext cx="2998053" cy="246221"/>
-                <a:chOff x="4721542" y="3848257"/>
-                <a:chExt cx="2998053" cy="246221"/>
-              </a:xfrm>
-            </p:grpSpPr>
-            <p:grpSp>
-              <p:nvGrpSpPr>
-                <p:cNvPr id="78" name="Group 77">
-                  <a:extLst>
-                    <a:ext uri="{FF2B5EF4-FFF2-40B4-BE49-F238E27FC236}">
-                      <a16:creationId xmlns:a16="http://schemas.microsoft.com/office/drawing/2014/main" id="{19E0996D-AF4A-4FFB-A88F-2FEE0A9EDCD2}"/>
-                    </a:ext>
-                  </a:extLst>
-                </p:cNvPr>
-                <p:cNvGrpSpPr/>
-                <p:nvPr/>
-              </p:nvGrpSpPr>
-              <p:grpSpPr>
-                <a:xfrm>
-                  <a:off x="5298431" y="3927069"/>
-                  <a:ext cx="2421164" cy="88596"/>
-                  <a:chOff x="4674462" y="2940354"/>
-                  <a:chExt cx="3045133" cy="81030"/>
-                </a:xfrm>
-              </p:grpSpPr>
-              <p:sp>
-                <p:nvSpPr>
-                  <p:cNvPr id="79" name="Rectangle: Rounded Corners 78">
-                    <a:extLst>
-                      <a:ext uri="{FF2B5EF4-FFF2-40B4-BE49-F238E27FC236}">
-                        <a16:creationId xmlns:a16="http://schemas.microsoft.com/office/drawing/2014/main" id="{214774FE-1FFD-4D64-8A37-76CB44EB021C}"/>
-                      </a:ext>
-                    </a:extLst>
-                  </p:cNvPr>
-                  <p:cNvSpPr/>
-                  <p:nvPr/>
-                </p:nvSpPr>
-                <p:spPr>
-                  <a:xfrm>
-                    <a:off x="4674462" y="2940367"/>
-                    <a:ext cx="3045133" cy="81017"/>
-                  </a:xfrm>
-                  <a:prstGeom prst="roundRect">
-                    <a:avLst>
-                      <a:gd name="adj" fmla="val 50000"/>
-                    </a:avLst>
-                  </a:prstGeom>
-                  <a:solidFill>
-                    <a:schemeClr val="bg1">
-                      <a:alpha val="26000"/>
-                    </a:schemeClr>
-                  </a:solidFill>
-                  <a:ln>
-                    <a:noFill/>
-                  </a:ln>
-                </p:spPr>
-                <p:style>
-                  <a:lnRef idx="2">
-                    <a:schemeClr val="accent1">
-                      <a:shade val="50000"/>
-                    </a:schemeClr>
-                  </a:lnRef>
-                  <a:fillRef idx="1">
-                    <a:schemeClr val="accent1"/>
-                  </a:fillRef>
-                  <a:effectRef idx="0">
-                    <a:schemeClr val="accent1"/>
-                  </a:effectRef>
-                  <a:fontRef idx="minor">
-                    <a:schemeClr val="lt1"/>
-                  </a:fontRef>
-                </p:style>
-                <p:txBody>
-                  <a:bodyPr rtlCol="0" anchor="ctr"/>
-                  <a:lstStyle/>
-                  <a:p>
-                    <a:pPr algn="ctr"/>
-                    <a:endParaRPr lang="en-US" dirty="0"/>
-                  </a:p>
-                </p:txBody>
-              </p:sp>
-              <p:sp>
-                <p:nvSpPr>
-                  <p:cNvPr id="80" name="Rectangle: Rounded Corners 79">
-                    <a:extLst>
-                      <a:ext uri="{FF2B5EF4-FFF2-40B4-BE49-F238E27FC236}">
-                        <a16:creationId xmlns:a16="http://schemas.microsoft.com/office/drawing/2014/main" id="{CCFD5BBD-3EB8-4D70-947E-F5AFBFF96EC0}"/>
-                      </a:ext>
-                    </a:extLst>
-                  </p:cNvPr>
-                  <p:cNvSpPr/>
-                  <p:nvPr/>
-                </p:nvSpPr>
-                <p:spPr>
-                  <a:xfrm>
-                    <a:off x="4674465" y="2940354"/>
-                    <a:ext cx="1569155" cy="81017"/>
-                  </a:xfrm>
-                  <a:prstGeom prst="roundRect">
-                    <a:avLst>
-                      <a:gd name="adj" fmla="val 50000"/>
-                    </a:avLst>
-                  </a:prstGeom>
-                  <a:solidFill>
-                    <a:schemeClr val="bg1">
-                      <a:alpha val="67000"/>
-                    </a:schemeClr>
-                  </a:solidFill>
-                  <a:ln>
-                    <a:noFill/>
-                  </a:ln>
-                </p:spPr>
-                <p:style>
-                  <a:lnRef idx="2">
-                    <a:schemeClr val="accent1">
-                      <a:shade val="50000"/>
-                    </a:schemeClr>
-                  </a:lnRef>
-                  <a:fillRef idx="1">
-                    <a:schemeClr val="accent1"/>
-                  </a:fillRef>
-                  <a:effectRef idx="0">
-                    <a:schemeClr val="accent1"/>
-                  </a:effectRef>
-                  <a:fontRef idx="minor">
-                    <a:schemeClr val="lt1"/>
-                  </a:fontRef>
-                </p:style>
-                <p:txBody>
-                  <a:bodyPr rtlCol="0" anchor="ctr"/>
-                  <a:lstStyle/>
-                  <a:p>
-                    <a:pPr algn="ctr"/>
-                    <a:endParaRPr lang="en-US" dirty="0"/>
-                  </a:p>
-                </p:txBody>
-              </p:sp>
-            </p:grpSp>
-            <p:sp>
-              <p:nvSpPr>
-                <p:cNvPr id="82" name="Rectangle 81">
-                  <a:extLst>
-                    <a:ext uri="{FF2B5EF4-FFF2-40B4-BE49-F238E27FC236}">
-                      <a16:creationId xmlns:a16="http://schemas.microsoft.com/office/drawing/2014/main" id="{CC76473C-D689-4828-A3C2-DBFA64DB3596}"/>
-                    </a:ext>
-                  </a:extLst>
-                </p:cNvPr>
-                <p:cNvSpPr/>
-                <p:nvPr/>
-              </p:nvSpPr>
-              <p:spPr>
-                <a:xfrm>
-                  <a:off x="4721542" y="3848257"/>
-                  <a:ext cx="446424" cy="246221"/>
-                </a:xfrm>
-                <a:prstGeom prst="rect">
-                  <a:avLst/>
-                </a:prstGeom>
-              </p:spPr>
-              <p:txBody>
-                <a:bodyPr wrap="square" lIns="0" tIns="0" rIns="0" bIns="0">
-                  <a:spAutoFit/>
-                </a:bodyPr>
-                <a:lstStyle/>
-                <a:p>
-                  <a:r>
-                    <a:rPr lang="id-ID" sz="1600" i="1" dirty="0">
-                      <a:solidFill>
-                        <a:schemeClr val="bg1"/>
-                      </a:solidFill>
-                      <a:latin typeface="+mj-lt"/>
-                      <a:cs typeface="Segoe UI" panose="020B0502040204020203" pitchFamily="34" charset="0"/>
-                    </a:rPr>
-                    <a:t>50%</a:t>
-                  </a:r>
-                  <a:endParaRPr lang="en-US" sz="1600" i="1" dirty="0">
-                    <a:solidFill>
-                      <a:schemeClr val="bg1"/>
-                    </a:solidFill>
-                    <a:latin typeface="+mj-lt"/>
-                    <a:cs typeface="Segoe UI" panose="020B0502040204020203" pitchFamily="34" charset="0"/>
-                  </a:endParaRPr>
-                </a:p>
-              </p:txBody>
-            </p:sp>
-          </p:grpSp>
-          <p:grpSp>
-            <p:nvGrpSpPr>
-              <p:cNvPr id="10" name="Group 9">
-                <a:extLst>
-                  <a:ext uri="{FF2B5EF4-FFF2-40B4-BE49-F238E27FC236}">
-                    <a16:creationId xmlns:a16="http://schemas.microsoft.com/office/drawing/2014/main" id="{B604189C-E133-4D62-9D02-29130FCCC123}"/>
-                  </a:ext>
-                </a:extLst>
-              </p:cNvPr>
-              <p:cNvGrpSpPr/>
-              <p:nvPr/>
-            </p:nvGrpSpPr>
-            <p:grpSpPr>
-              <a:xfrm>
-                <a:off x="4721542" y="4718420"/>
-                <a:ext cx="2998053" cy="246221"/>
-                <a:chOff x="4721542" y="4753566"/>
-                <a:chExt cx="2998053" cy="246221"/>
-              </a:xfrm>
-            </p:grpSpPr>
-            <p:grpSp>
-              <p:nvGrpSpPr>
-                <p:cNvPr id="83" name="Group 82">
-                  <a:extLst>
-                    <a:ext uri="{FF2B5EF4-FFF2-40B4-BE49-F238E27FC236}">
-                      <a16:creationId xmlns:a16="http://schemas.microsoft.com/office/drawing/2014/main" id="{FBA54A74-91C7-4A8E-8256-29CECA65EBE5}"/>
-                    </a:ext>
-                  </a:extLst>
-                </p:cNvPr>
-                <p:cNvGrpSpPr/>
-                <p:nvPr/>
-              </p:nvGrpSpPr>
-              <p:grpSpPr>
-                <a:xfrm>
-                  <a:off x="5298431" y="4832378"/>
-                  <a:ext cx="2421164" cy="88596"/>
-                  <a:chOff x="4674462" y="2940354"/>
-                  <a:chExt cx="3045133" cy="81030"/>
-                </a:xfrm>
-              </p:grpSpPr>
-              <p:sp>
-                <p:nvSpPr>
-                  <p:cNvPr id="84" name="Rectangle: Rounded Corners 83">
-                    <a:extLst>
-                      <a:ext uri="{FF2B5EF4-FFF2-40B4-BE49-F238E27FC236}">
-                        <a16:creationId xmlns:a16="http://schemas.microsoft.com/office/drawing/2014/main" id="{BAF05105-E146-4A76-80BC-D132339D80CC}"/>
-                      </a:ext>
-                    </a:extLst>
-                  </p:cNvPr>
-                  <p:cNvSpPr/>
-                  <p:nvPr/>
-                </p:nvSpPr>
-                <p:spPr>
-                  <a:xfrm>
-                    <a:off x="4674462" y="2940367"/>
-                    <a:ext cx="3045133" cy="81017"/>
-                  </a:xfrm>
-                  <a:prstGeom prst="roundRect">
-                    <a:avLst>
-                      <a:gd name="adj" fmla="val 50000"/>
-                    </a:avLst>
-                  </a:prstGeom>
-                  <a:solidFill>
-                    <a:schemeClr val="bg1">
-                      <a:alpha val="26000"/>
-                    </a:schemeClr>
-                  </a:solidFill>
-                  <a:ln>
-                    <a:noFill/>
-                  </a:ln>
-                </p:spPr>
-                <p:style>
-                  <a:lnRef idx="2">
-                    <a:schemeClr val="accent1">
-                      <a:shade val="50000"/>
-                    </a:schemeClr>
-                  </a:lnRef>
-                  <a:fillRef idx="1">
-                    <a:schemeClr val="accent1"/>
-                  </a:fillRef>
-                  <a:effectRef idx="0">
-                    <a:schemeClr val="accent1"/>
-                  </a:effectRef>
-                  <a:fontRef idx="minor">
-                    <a:schemeClr val="lt1"/>
-                  </a:fontRef>
-                </p:style>
-                <p:txBody>
-                  <a:bodyPr rtlCol="0" anchor="ctr"/>
-                  <a:lstStyle/>
-                  <a:p>
-                    <a:pPr algn="ctr"/>
-                    <a:endParaRPr lang="en-US" dirty="0"/>
-                  </a:p>
-                </p:txBody>
-              </p:sp>
-              <p:sp>
-                <p:nvSpPr>
-                  <p:cNvPr id="85" name="Rectangle: Rounded Corners 84">
-                    <a:extLst>
-                      <a:ext uri="{FF2B5EF4-FFF2-40B4-BE49-F238E27FC236}">
-                        <a16:creationId xmlns:a16="http://schemas.microsoft.com/office/drawing/2014/main" id="{C85F8D48-F497-4FF4-86A4-A306F3F0ED91}"/>
-                      </a:ext>
-                    </a:extLst>
-                  </p:cNvPr>
-                  <p:cNvSpPr/>
-                  <p:nvPr/>
-                </p:nvSpPr>
-                <p:spPr>
-                  <a:xfrm>
-                    <a:off x="4674463" y="2940354"/>
-                    <a:ext cx="2392762" cy="81017"/>
-                  </a:xfrm>
-                  <a:prstGeom prst="roundRect">
-                    <a:avLst>
-                      <a:gd name="adj" fmla="val 50000"/>
-                    </a:avLst>
-                  </a:prstGeom>
-                  <a:solidFill>
-                    <a:schemeClr val="bg1">
-                      <a:alpha val="67000"/>
-                    </a:schemeClr>
-                  </a:solidFill>
-                  <a:ln>
-                    <a:noFill/>
-                  </a:ln>
-                </p:spPr>
-                <p:style>
-                  <a:lnRef idx="2">
-                    <a:schemeClr val="accent1">
-                      <a:shade val="50000"/>
-                    </a:schemeClr>
-                  </a:lnRef>
-                  <a:fillRef idx="1">
-                    <a:schemeClr val="accent1"/>
-                  </a:fillRef>
-                  <a:effectRef idx="0">
-                    <a:schemeClr val="accent1"/>
-                  </a:effectRef>
-                  <a:fontRef idx="minor">
-                    <a:schemeClr val="lt1"/>
-                  </a:fontRef>
-                </p:style>
-                <p:txBody>
-                  <a:bodyPr rtlCol="0" anchor="ctr"/>
-                  <a:lstStyle/>
-                  <a:p>
-                    <a:pPr algn="ctr"/>
-                    <a:endParaRPr lang="en-US" dirty="0"/>
-                  </a:p>
-                </p:txBody>
-              </p:sp>
-            </p:grpSp>
-            <p:sp>
-              <p:nvSpPr>
-                <p:cNvPr id="86" name="Rectangle 85">
-                  <a:extLst>
-                    <a:ext uri="{FF2B5EF4-FFF2-40B4-BE49-F238E27FC236}">
-                      <a16:creationId xmlns:a16="http://schemas.microsoft.com/office/drawing/2014/main" id="{AC35B425-E17C-46A6-BC1C-89C34E2B336C}"/>
-                    </a:ext>
-                  </a:extLst>
-                </p:cNvPr>
-                <p:cNvSpPr/>
-                <p:nvPr/>
-              </p:nvSpPr>
-              <p:spPr>
-                <a:xfrm>
-                  <a:off x="4721542" y="4753566"/>
-                  <a:ext cx="446424" cy="246221"/>
-                </a:xfrm>
-                <a:prstGeom prst="rect">
-                  <a:avLst/>
-                </a:prstGeom>
-              </p:spPr>
-              <p:txBody>
-                <a:bodyPr wrap="square" lIns="0" tIns="0" rIns="0" bIns="0">
-                  <a:spAutoFit/>
-                </a:bodyPr>
-                <a:lstStyle/>
-                <a:p>
-                  <a:r>
-                    <a:rPr lang="id-ID" sz="1600" i="1" dirty="0">
-                      <a:solidFill>
-                        <a:schemeClr val="bg1"/>
-                      </a:solidFill>
-                      <a:latin typeface="+mj-lt"/>
-                      <a:cs typeface="Segoe UI" panose="020B0502040204020203" pitchFamily="34" charset="0"/>
-                    </a:rPr>
-                    <a:t>80%</a:t>
-                  </a:r>
-                  <a:endParaRPr lang="en-US" sz="1600" i="1" dirty="0">
-                    <a:solidFill>
-                      <a:schemeClr val="bg1"/>
-                    </a:solidFill>
-                    <a:latin typeface="+mj-lt"/>
-                    <a:cs typeface="Segoe UI" panose="020B0502040204020203" pitchFamily="34" charset="0"/>
-                  </a:endParaRPr>
-                </a:p>
-              </p:txBody>
-            </p:sp>
-          </p:grpSp>
-          <p:grpSp>
-            <p:nvGrpSpPr>
-              <p:cNvPr id="9" name="Group 8">
-                <a:extLst>
-                  <a:ext uri="{FF2B5EF4-FFF2-40B4-BE49-F238E27FC236}">
-                    <a16:creationId xmlns:a16="http://schemas.microsoft.com/office/drawing/2014/main" id="{66413DCC-904B-4563-90F1-A5A71C657368}"/>
-                  </a:ext>
-                </a:extLst>
-              </p:cNvPr>
-              <p:cNvGrpSpPr/>
-              <p:nvPr/>
-            </p:nvGrpSpPr>
-            <p:grpSpPr>
-              <a:xfrm>
-                <a:off x="4721542" y="5706518"/>
-                <a:ext cx="2998053" cy="246221"/>
-                <a:chOff x="4721542" y="5706518"/>
-                <a:chExt cx="2998053" cy="246221"/>
-              </a:xfrm>
-            </p:grpSpPr>
-            <p:grpSp>
-              <p:nvGrpSpPr>
-                <p:cNvPr id="87" name="Group 86">
-                  <a:extLst>
-                    <a:ext uri="{FF2B5EF4-FFF2-40B4-BE49-F238E27FC236}">
-                      <a16:creationId xmlns:a16="http://schemas.microsoft.com/office/drawing/2014/main" id="{C7ADDD0C-4947-4DFD-8604-1C7FC185D6F1}"/>
-                    </a:ext>
-                  </a:extLst>
-                </p:cNvPr>
-                <p:cNvGrpSpPr/>
-                <p:nvPr/>
-              </p:nvGrpSpPr>
-              <p:grpSpPr>
-                <a:xfrm>
-                  <a:off x="5298431" y="5785330"/>
-                  <a:ext cx="2421164" cy="88596"/>
-                  <a:chOff x="4674462" y="2940354"/>
-                  <a:chExt cx="3045133" cy="81030"/>
-                </a:xfrm>
-              </p:grpSpPr>
-              <p:sp>
-                <p:nvSpPr>
-                  <p:cNvPr id="88" name="Rectangle: Rounded Corners 87">
-                    <a:extLst>
-                      <a:ext uri="{FF2B5EF4-FFF2-40B4-BE49-F238E27FC236}">
-                        <a16:creationId xmlns:a16="http://schemas.microsoft.com/office/drawing/2014/main" id="{3EE0ED0C-1321-4AB3-B03A-B7AD85571E6C}"/>
-                      </a:ext>
-                    </a:extLst>
-                  </p:cNvPr>
-                  <p:cNvSpPr/>
-                  <p:nvPr/>
-                </p:nvSpPr>
-                <p:spPr>
-                  <a:xfrm>
-                    <a:off x="4674462" y="2940367"/>
-                    <a:ext cx="3045133" cy="81017"/>
-                  </a:xfrm>
-                  <a:prstGeom prst="roundRect">
-                    <a:avLst>
-                      <a:gd name="adj" fmla="val 50000"/>
-                    </a:avLst>
-                  </a:prstGeom>
-                  <a:solidFill>
-                    <a:schemeClr val="bg1">
-                      <a:alpha val="26000"/>
-                    </a:schemeClr>
-                  </a:solidFill>
-                  <a:ln>
-                    <a:noFill/>
-                  </a:ln>
-                </p:spPr>
-                <p:style>
-                  <a:lnRef idx="2">
-                    <a:schemeClr val="accent1">
-                      <a:shade val="50000"/>
-                    </a:schemeClr>
-                  </a:lnRef>
-                  <a:fillRef idx="1">
-                    <a:schemeClr val="accent1"/>
-                  </a:fillRef>
-                  <a:effectRef idx="0">
-                    <a:schemeClr val="accent1"/>
-                  </a:effectRef>
-                  <a:fontRef idx="minor">
-                    <a:schemeClr val="lt1"/>
-                  </a:fontRef>
-                </p:style>
-                <p:txBody>
-                  <a:bodyPr rtlCol="0" anchor="ctr"/>
-                  <a:lstStyle/>
-                  <a:p>
-                    <a:pPr algn="ctr"/>
-                    <a:endParaRPr lang="en-US" dirty="0"/>
-                  </a:p>
-                </p:txBody>
-              </p:sp>
-              <p:sp>
-                <p:nvSpPr>
-                  <p:cNvPr id="89" name="Rectangle: Rounded Corners 88">
-                    <a:extLst>
-                      <a:ext uri="{FF2B5EF4-FFF2-40B4-BE49-F238E27FC236}">
-                        <a16:creationId xmlns:a16="http://schemas.microsoft.com/office/drawing/2014/main" id="{4409F7EA-DE17-4C15-80F3-78361F8366BE}"/>
-                      </a:ext>
-                    </a:extLst>
-                  </p:cNvPr>
-                  <p:cNvSpPr/>
-                  <p:nvPr/>
-                </p:nvSpPr>
-                <p:spPr>
-                  <a:xfrm>
-                    <a:off x="4674465" y="2940354"/>
-                    <a:ext cx="949205" cy="81017"/>
-                  </a:xfrm>
-                  <a:prstGeom prst="roundRect">
-                    <a:avLst>
-                      <a:gd name="adj" fmla="val 50000"/>
-                    </a:avLst>
-                  </a:prstGeom>
-                  <a:solidFill>
-                    <a:schemeClr val="bg1">
-                      <a:alpha val="67000"/>
-                    </a:schemeClr>
-                  </a:solidFill>
-                  <a:ln>
-                    <a:noFill/>
-                  </a:ln>
-                </p:spPr>
-                <p:style>
-                  <a:lnRef idx="2">
-                    <a:schemeClr val="accent1">
-                      <a:shade val="50000"/>
-                    </a:schemeClr>
-                  </a:lnRef>
-                  <a:fillRef idx="1">
-                    <a:schemeClr val="accent1"/>
-                  </a:fillRef>
-                  <a:effectRef idx="0">
-                    <a:schemeClr val="accent1"/>
-                  </a:effectRef>
-                  <a:fontRef idx="minor">
-                    <a:schemeClr val="lt1"/>
-                  </a:fontRef>
-                </p:style>
-                <p:txBody>
-                  <a:bodyPr rtlCol="0" anchor="ctr"/>
-                  <a:lstStyle/>
-                  <a:p>
-                    <a:pPr algn="ctr"/>
-                    <a:endParaRPr lang="en-US" dirty="0"/>
-                  </a:p>
-                </p:txBody>
-              </p:sp>
-            </p:grpSp>
-            <p:sp>
-              <p:nvSpPr>
-                <p:cNvPr id="90" name="Rectangle 89">
-                  <a:extLst>
-                    <a:ext uri="{FF2B5EF4-FFF2-40B4-BE49-F238E27FC236}">
-                      <a16:creationId xmlns:a16="http://schemas.microsoft.com/office/drawing/2014/main" id="{A101B8DB-BADB-4084-8CD6-6CEEA620099A}"/>
-                    </a:ext>
-                  </a:extLst>
-                </p:cNvPr>
-                <p:cNvSpPr/>
-                <p:nvPr/>
-              </p:nvSpPr>
-              <p:spPr>
-                <a:xfrm>
-                  <a:off x="4721542" y="5706518"/>
-                  <a:ext cx="446424" cy="246221"/>
-                </a:xfrm>
-                <a:prstGeom prst="rect">
-                  <a:avLst/>
-                </a:prstGeom>
-              </p:spPr>
-              <p:txBody>
-                <a:bodyPr wrap="square" lIns="0" tIns="0" rIns="0" bIns="0">
-                  <a:spAutoFit/>
-                </a:bodyPr>
-                <a:lstStyle/>
-                <a:p>
-                  <a:r>
-                    <a:rPr lang="id-ID" sz="1600" i="1" dirty="0">
-                      <a:solidFill>
-                        <a:schemeClr val="bg1"/>
-                      </a:solidFill>
-                      <a:latin typeface="+mj-lt"/>
-                      <a:cs typeface="Segoe UI" panose="020B0502040204020203" pitchFamily="34" charset="0"/>
-                    </a:rPr>
-                    <a:t>35%</a:t>
-                  </a:r>
-                  <a:endParaRPr lang="en-US" sz="1600" i="1" dirty="0">
-                    <a:solidFill>
-                      <a:schemeClr val="bg1"/>
-                    </a:solidFill>
-                    <a:latin typeface="+mj-lt"/>
-                    <a:cs typeface="Segoe UI" panose="020B0502040204020203" pitchFamily="34" charset="0"/>
-                  </a:endParaRPr>
-                </a:p>
-              </p:txBody>
-            </p:sp>
-          </p:grpSp>
-        </p:grpSp>
-      </p:grpSp>
-      <p:grpSp>
-        <p:nvGrpSpPr>
-          <p:cNvPr id="93" name="Group 92">
-            <a:extLst>
-              <a:ext uri="{FF2B5EF4-FFF2-40B4-BE49-F238E27FC236}">
-                <a16:creationId xmlns:a16="http://schemas.microsoft.com/office/drawing/2014/main" id="{294AEDC0-6B1D-4A3D-860D-83756CC387D3}"/>
-              </a:ext>
-              <a:ext uri="{C183D7F6-B498-43B3-948B-1728B52AA6E4}">
-                <adec:decorative xmlns:adec="http://schemas.microsoft.com/office/drawing/2017/decorative" val="1"/>
-              </a:ext>
-            </a:extLst>
-          </p:cNvPr>
-          <p:cNvGrpSpPr/>
-          <p:nvPr/>
-        </p:nvGrpSpPr>
-        <p:grpSpPr>
-          <a:xfrm>
-            <a:off x="8446733" y="1300476"/>
-            <a:ext cx="3047138" cy="4564360"/>
-            <a:chOff x="8462691" y="1300476"/>
-            <a:chExt cx="3047138" cy="4564360"/>
-          </a:xfrm>
-        </p:grpSpPr>
-        <p:sp>
-          <p:nvSpPr>
-            <p:cNvPr id="101" name="TextBox 100">
-              <a:extLst>
-                <a:ext uri="{FF2B5EF4-FFF2-40B4-BE49-F238E27FC236}">
-                  <a16:creationId xmlns:a16="http://schemas.microsoft.com/office/drawing/2014/main" id="{CAECCF3F-B2FA-4F0A-96EE-B54207D66547}"/>
-                </a:ext>
-              </a:extLst>
-            </p:cNvPr>
-            <p:cNvSpPr txBox="1"/>
-            <p:nvPr/>
-          </p:nvSpPr>
-          <p:spPr>
-            <a:xfrm>
-              <a:off x="8462691" y="1300476"/>
-              <a:ext cx="3047138" cy="492443"/>
-            </a:xfrm>
-            <a:prstGeom prst="rect">
-              <a:avLst/>
-            </a:prstGeom>
-            <a:noFill/>
-          </p:spPr>
-          <p:txBody>
-            <a:bodyPr wrap="square" lIns="0" tIns="0" rIns="0" bIns="0" rtlCol="0">
-              <a:spAutoFit/>
-            </a:bodyPr>
-            <a:lstStyle/>
-            <a:p>
-              <a:r>
-                <a:rPr lang="id-ID" sz="1600" b="1" dirty="0">
-                  <a:solidFill>
-                    <a:srgbClr val="002060"/>
-                  </a:solidFill>
-                  <a:latin typeface="Segoe UI" panose="020B0502040204020203" pitchFamily="34" charset="0"/>
-                  <a:cs typeface="Segoe UI" panose="020B0502040204020203" pitchFamily="34" charset="0"/>
-                </a:rPr>
-                <a:t>STRATEGY HUMAN RESOURCES:</a:t>
-              </a:r>
-              <a:endParaRPr lang="en-US" sz="1600" b="1" dirty="0">
-                <a:solidFill>
-                  <a:srgbClr val="002060"/>
-                </a:solidFill>
-                <a:latin typeface="Segoe UI" panose="020B0502040204020203" pitchFamily="34" charset="0"/>
-                <a:cs typeface="Segoe UI" panose="020B0502040204020203" pitchFamily="34" charset="0"/>
-              </a:endParaRPr>
-            </a:p>
-          </p:txBody>
-        </p:sp>
-        <p:sp>
-          <p:nvSpPr>
-            <p:cNvPr id="103" name="Rectangle 102">
-              <a:extLst>
-                <a:ext uri="{FF2B5EF4-FFF2-40B4-BE49-F238E27FC236}">
-                  <a16:creationId xmlns:a16="http://schemas.microsoft.com/office/drawing/2014/main" id="{CDAD2E5F-3DBB-47BA-B90E-DDB45972B6AF}"/>
-                </a:ext>
-              </a:extLst>
-            </p:cNvPr>
-            <p:cNvSpPr/>
-            <p:nvPr/>
-          </p:nvSpPr>
-          <p:spPr>
-            <a:xfrm>
-              <a:off x="8483139" y="2034038"/>
-              <a:ext cx="2975669" cy="492443"/>
-            </a:xfrm>
-            <a:prstGeom prst="rect">
-              <a:avLst/>
-            </a:prstGeom>
-          </p:spPr>
-          <p:txBody>
-            <a:bodyPr wrap="square" lIns="0" tIns="0" rIns="0" bIns="0">
-              <a:spAutoFit/>
-            </a:bodyPr>
-            <a:lstStyle/>
-            <a:p>
-              <a:r>
-                <a:rPr lang="en-US" sz="1600" i="1" dirty="0">
-                  <a:solidFill>
-                    <a:srgbClr val="002060"/>
-                  </a:solidFill>
-                  <a:latin typeface="+mj-lt"/>
-                  <a:cs typeface="Segoe UI" panose="020B0502040204020203" pitchFamily="34" charset="0"/>
-                </a:rPr>
-                <a:t>Lorem ipsum dolor sit amet, consectetur adipiscing elit. </a:t>
-              </a:r>
-            </a:p>
-          </p:txBody>
-        </p:sp>
-        <p:sp>
-          <p:nvSpPr>
-            <p:cNvPr id="104" name="TextBox 103">
-              <a:extLst>
-                <a:ext uri="{FF2B5EF4-FFF2-40B4-BE49-F238E27FC236}">
-                  <a16:creationId xmlns:a16="http://schemas.microsoft.com/office/drawing/2014/main" id="{36650A66-75C3-4933-AFC0-6AB58DFE89D9}"/>
-                </a:ext>
-              </a:extLst>
-            </p:cNvPr>
-            <p:cNvSpPr txBox="1"/>
-            <p:nvPr/>
-          </p:nvSpPr>
-          <p:spPr>
-            <a:xfrm>
-              <a:off x="8462691" y="2899706"/>
-              <a:ext cx="3047138" cy="492443"/>
-            </a:xfrm>
-            <a:prstGeom prst="rect">
-              <a:avLst/>
-            </a:prstGeom>
-            <a:noFill/>
-          </p:spPr>
-          <p:txBody>
-            <a:bodyPr wrap="square" lIns="0" tIns="0" rIns="0" bIns="0" rtlCol="0">
-              <a:spAutoFit/>
-            </a:bodyPr>
-            <a:lstStyle/>
-            <a:p>
-              <a:r>
-                <a:rPr lang="id-ID" sz="1600" b="1" dirty="0">
-                  <a:solidFill>
-                    <a:srgbClr val="002060"/>
-                  </a:solidFill>
-                  <a:latin typeface="Segoe UI" panose="020B0502040204020203" pitchFamily="34" charset="0"/>
-                  <a:cs typeface="Segoe UI" panose="020B0502040204020203" pitchFamily="34" charset="0"/>
-                </a:rPr>
-                <a:t>STRATEGY HUMAN RESOURCES:</a:t>
-              </a:r>
-              <a:endParaRPr lang="en-US" sz="1600" b="1" dirty="0">
-                <a:solidFill>
-                  <a:srgbClr val="002060"/>
-                </a:solidFill>
-                <a:latin typeface="Segoe UI" panose="020B0502040204020203" pitchFamily="34" charset="0"/>
-                <a:cs typeface="Segoe UI" panose="020B0502040204020203" pitchFamily="34" charset="0"/>
-              </a:endParaRPr>
-            </a:p>
-          </p:txBody>
-        </p:sp>
-        <p:sp>
-          <p:nvSpPr>
-            <p:cNvPr id="105" name="Rectangle 104">
-              <a:extLst>
-                <a:ext uri="{FF2B5EF4-FFF2-40B4-BE49-F238E27FC236}">
-                  <a16:creationId xmlns:a16="http://schemas.microsoft.com/office/drawing/2014/main" id="{AD1F5E0B-9D11-43FF-9946-9B61EF9D6E88}"/>
-                </a:ext>
-              </a:extLst>
-            </p:cNvPr>
-            <p:cNvSpPr/>
-            <p:nvPr/>
-          </p:nvSpPr>
-          <p:spPr>
-            <a:xfrm>
-              <a:off x="8483139" y="3633268"/>
-              <a:ext cx="2975669" cy="492443"/>
-            </a:xfrm>
-            <a:prstGeom prst="rect">
-              <a:avLst/>
-            </a:prstGeom>
-          </p:spPr>
-          <p:txBody>
-            <a:bodyPr wrap="square" lIns="0" tIns="0" rIns="0" bIns="0">
-              <a:spAutoFit/>
-            </a:bodyPr>
-            <a:lstStyle/>
-            <a:p>
-              <a:r>
-                <a:rPr lang="en-US" sz="1600" i="1" dirty="0">
-                  <a:solidFill>
-                    <a:srgbClr val="002060"/>
-                  </a:solidFill>
-                  <a:latin typeface="+mj-lt"/>
-                  <a:cs typeface="Segoe UI" panose="020B0502040204020203" pitchFamily="34" charset="0"/>
-                </a:rPr>
-                <a:t>Lorem ipsum dolor sit amet, consectetur adipiscing elit. </a:t>
-              </a:r>
-            </a:p>
-          </p:txBody>
-        </p:sp>
-        <p:sp>
-          <p:nvSpPr>
-            <p:cNvPr id="106" name="TextBox 105">
-              <a:extLst>
-                <a:ext uri="{FF2B5EF4-FFF2-40B4-BE49-F238E27FC236}">
-                  <a16:creationId xmlns:a16="http://schemas.microsoft.com/office/drawing/2014/main" id="{2BACDD99-66AF-423B-B714-10B1BD09EBE4}"/>
-                </a:ext>
-              </a:extLst>
-            </p:cNvPr>
-            <p:cNvSpPr txBox="1"/>
-            <p:nvPr/>
-          </p:nvSpPr>
-          <p:spPr>
-            <a:xfrm>
-              <a:off x="8462691" y="4638831"/>
-              <a:ext cx="3047138" cy="492443"/>
-            </a:xfrm>
-            <a:prstGeom prst="rect">
-              <a:avLst/>
-            </a:prstGeom>
-            <a:noFill/>
-          </p:spPr>
-          <p:txBody>
-            <a:bodyPr wrap="square" lIns="0" tIns="0" rIns="0" bIns="0" rtlCol="0">
-              <a:spAutoFit/>
-            </a:bodyPr>
-            <a:lstStyle/>
-            <a:p>
-              <a:r>
-                <a:rPr lang="id-ID" sz="1600" b="1" dirty="0">
-                  <a:solidFill>
-                    <a:srgbClr val="002060"/>
-                  </a:solidFill>
-                  <a:latin typeface="Segoe UI" panose="020B0502040204020203" pitchFamily="34" charset="0"/>
-                  <a:cs typeface="Segoe UI" panose="020B0502040204020203" pitchFamily="34" charset="0"/>
-                </a:rPr>
-                <a:t>STRATEGY HUMAN RESOURCES:</a:t>
-              </a:r>
-              <a:endParaRPr lang="en-US" sz="1600" b="1" dirty="0">
-                <a:solidFill>
-                  <a:srgbClr val="002060"/>
-                </a:solidFill>
-                <a:latin typeface="Segoe UI" panose="020B0502040204020203" pitchFamily="34" charset="0"/>
-                <a:cs typeface="Segoe UI" panose="020B0502040204020203" pitchFamily="34" charset="0"/>
-              </a:endParaRPr>
-            </a:p>
-          </p:txBody>
-        </p:sp>
-        <p:sp>
-          <p:nvSpPr>
-            <p:cNvPr id="107" name="Rectangle 106">
-              <a:extLst>
-                <a:ext uri="{FF2B5EF4-FFF2-40B4-BE49-F238E27FC236}">
-                  <a16:creationId xmlns:a16="http://schemas.microsoft.com/office/drawing/2014/main" id="{D6D9691D-4606-4981-97A5-3BEAC7F0804E}"/>
-                </a:ext>
-              </a:extLst>
-            </p:cNvPr>
-            <p:cNvSpPr/>
-            <p:nvPr/>
-          </p:nvSpPr>
-          <p:spPr>
-            <a:xfrm>
-              <a:off x="8483139" y="5372393"/>
-              <a:ext cx="2975669" cy="492443"/>
-            </a:xfrm>
-            <a:prstGeom prst="rect">
-              <a:avLst/>
-            </a:prstGeom>
-          </p:spPr>
-          <p:txBody>
-            <a:bodyPr wrap="square" lIns="0" tIns="0" rIns="0" bIns="0">
-              <a:spAutoFit/>
-            </a:bodyPr>
-            <a:lstStyle/>
-            <a:p>
-              <a:r>
-                <a:rPr lang="en-US" sz="1600" i="1" dirty="0">
-                  <a:solidFill>
-                    <a:srgbClr val="002060"/>
-                  </a:solidFill>
-                  <a:latin typeface="+mj-lt"/>
-                  <a:cs typeface="Segoe UI" panose="020B0502040204020203" pitchFamily="34" charset="0"/>
-                </a:rPr>
-                <a:t>Lorem ipsum dolor sit amet, consectetur adipiscing elit. </a:t>
-              </a:r>
-            </a:p>
-          </p:txBody>
-        </p:sp>
-        <p:cxnSp>
-          <p:nvCxnSpPr>
-            <p:cNvPr id="72" name="Straight Connector 71">
-              <a:extLst>
-                <a:ext uri="{FF2B5EF4-FFF2-40B4-BE49-F238E27FC236}">
-                  <a16:creationId xmlns:a16="http://schemas.microsoft.com/office/drawing/2014/main" id="{281FF210-334C-43FA-80C2-0E1E9F3F51C4}"/>
-                </a:ext>
-              </a:extLst>
-            </p:cNvPr>
-            <p:cNvCxnSpPr>
-              <a:cxnSpLocks/>
-            </p:cNvCxnSpPr>
-            <p:nvPr/>
-          </p:nvCxnSpPr>
-          <p:spPr>
-            <a:xfrm>
-              <a:off x="8462691" y="4385043"/>
-              <a:ext cx="2996117" cy="0"/>
-            </a:xfrm>
-            <a:prstGeom prst="line">
-              <a:avLst/>
-            </a:prstGeom>
-            <a:ln>
-              <a:solidFill>
-                <a:schemeClr val="bg1">
-                  <a:lumMod val="75000"/>
-                </a:schemeClr>
-              </a:solidFill>
-            </a:ln>
-          </p:spPr>
-          <p:style>
-            <a:lnRef idx="1">
-              <a:schemeClr val="accent1"/>
-            </a:lnRef>
-            <a:fillRef idx="0">
-              <a:schemeClr val="accent1"/>
-            </a:fillRef>
-            <a:effectRef idx="0">
-              <a:schemeClr val="accent1"/>
-            </a:effectRef>
-            <a:fontRef idx="minor">
-              <a:schemeClr val="tx1"/>
-            </a:fontRef>
-          </p:style>
-        </p:cxnSp>
-        <p:cxnSp>
-          <p:nvCxnSpPr>
-            <p:cNvPr id="108" name="Straight Connector 107">
-              <a:extLst>
-                <a:ext uri="{FF2B5EF4-FFF2-40B4-BE49-F238E27FC236}">
-                  <a16:creationId xmlns:a16="http://schemas.microsoft.com/office/drawing/2014/main" id="{8F599308-2B51-4D9D-9F9B-2C2E81CA918F}"/>
-                </a:ext>
-              </a:extLst>
-            </p:cNvPr>
-            <p:cNvCxnSpPr>
-              <a:cxnSpLocks/>
-            </p:cNvCxnSpPr>
-            <p:nvPr/>
-          </p:nvCxnSpPr>
-          <p:spPr>
-            <a:xfrm>
-              <a:off x="8462691" y="2651992"/>
-              <a:ext cx="2996117" cy="0"/>
-            </a:xfrm>
-            <a:prstGeom prst="line">
-              <a:avLst/>
-            </a:prstGeom>
-            <a:ln>
-              <a:solidFill>
-                <a:schemeClr val="bg1">
-                  <a:lumMod val="75000"/>
-                </a:schemeClr>
-              </a:solidFill>
-            </a:ln>
-          </p:spPr>
-          <p:style>
-            <a:lnRef idx="1">
-              <a:schemeClr val="accent1"/>
-            </a:lnRef>
-            <a:fillRef idx="0">
-              <a:schemeClr val="accent1"/>
-            </a:fillRef>
-            <a:effectRef idx="0">
-              <a:schemeClr val="accent1"/>
-            </a:effectRef>
-            <a:fontRef idx="minor">
-              <a:schemeClr val="tx1"/>
-            </a:fontRef>
-          </p:style>
-        </p:cxnSp>
-      </p:grpSp>
-      <p:sp>
-        <p:nvSpPr>
-          <p:cNvPr id="68" name="Title 67" hidden="1">
-            <a:extLst>
-              <a:ext uri="{FF2B5EF4-FFF2-40B4-BE49-F238E27FC236}">
-                <a16:creationId xmlns:a16="http://schemas.microsoft.com/office/drawing/2014/main" id="{3D46526D-118F-4F6F-BAE0-066F422EBD1E}"/>
+                <a16:creationId xmlns:a16="http://schemas.microsoft.com/office/drawing/2014/main" id="{6FE874D2-5D67-4A54-B5C8-9B77CEDA372C}"/>
               </a:ext>
             </a:extLst>
           </p:cNvPr>
@@ -27712,16 +23240,155 @@
           <a:lstStyle/>
           <a:p>
             <a:r>
+              <a:rPr lang="en-GB" dirty="0"/>
+              <a:t>Introduction</a:t>
+            </a:r>
+            <a:endParaRPr lang="en-US" dirty="0"/>
+          </a:p>
+        </p:txBody>
+      </p:sp>
+      <p:sp>
+        <p:nvSpPr>
+          <p:cNvPr id="5" name="Content Placeholder 4">
+            <a:extLst>
+              <a:ext uri="{FF2B5EF4-FFF2-40B4-BE49-F238E27FC236}">
+                <a16:creationId xmlns:a16="http://schemas.microsoft.com/office/drawing/2014/main" id="{1718F0EE-CFD4-4245-B0BB-1CB3381B55A3}"/>
+              </a:ext>
+            </a:extLst>
+          </p:cNvPr>
+          <p:cNvSpPr>
+            <a:spLocks noGrp="1"/>
+          </p:cNvSpPr>
+          <p:nvPr>
+            <p:ph sz="half" idx="1"/>
+          </p:nvPr>
+        </p:nvSpPr>
+        <p:spPr/>
+        <p:txBody>
+          <a:bodyPr>
+            <a:normAutofit fontScale="47500" lnSpcReduction="20000"/>
+          </a:bodyPr>
+          <a:lstStyle/>
+          <a:p>
+            <a:pPr marL="0" indent="0">
+              <a:buNone/>
+            </a:pPr>
+            <a:r>
               <a:rPr lang="en-US" dirty="0"/>
-              <a:t>Human resources slide 3</a:t>
+              <a:t>The industry acknowledges that there is place for improvement, </a:t>
             </a:r>
+            <a:r>
+              <a:rPr lang="en-US" dirty="0" err="1"/>
+              <a:t>systemising</a:t>
+            </a:r>
+            <a:r>
+              <a:rPr lang="en-US" dirty="0"/>
+              <a:t> large scale operations with hundreds or thousands of units in coordination is challenging, especially where within a short timescale. </a:t>
+            </a:r>
+            <a:r>
+              <a:rPr lang="en-US" dirty="0" err="1"/>
+              <a:t>DeviceHub</a:t>
+            </a:r>
+            <a:r>
+              <a:rPr lang="en-US" dirty="0"/>
+              <a:t> IoT platform can support smart logistics solutions, regardless of the scale of operations or technical specifications with the unified dashboard of the platform, all information, units and people working on, are connected real time, using data obtained instantly in making smart decisions within their departments that would benefit the whole </a:t>
+            </a:r>
+            <a:r>
+              <a:rPr lang="en-US" dirty="0" err="1"/>
+              <a:t>organisational</a:t>
+            </a:r>
+            <a:r>
+              <a:rPr lang="en-US" dirty="0"/>
+              <a:t> structure.</a:t>
+            </a:r>
+          </a:p>
+          <a:p>
+            <a:pPr marL="0" indent="0">
+              <a:buNone/>
+            </a:pPr>
+            <a:br>
+              <a:rPr lang="en-US" dirty="0"/>
+            </a:br>
+            <a:r>
+              <a:rPr lang="en-US" dirty="0"/>
+              <a:t>Now the top-priority objectives of logistics companies are to ensure just-in-time delivery, supply chain visibility, product lifecycle transparency and quality services. The success of any logistics company lies in efficient inventory management and warehousing, automation of internal business processes, fast delivery and taking care of safe storage and quality of goods.</a:t>
+            </a:r>
+          </a:p>
+          <a:p>
+            <a:endParaRPr lang="en-US" dirty="0"/>
+          </a:p>
+        </p:txBody>
+      </p:sp>
+      <p:sp>
+        <p:nvSpPr>
+          <p:cNvPr id="7" name="Content Placeholder 6">
+            <a:extLst>
+              <a:ext uri="{FF2B5EF4-FFF2-40B4-BE49-F238E27FC236}">
+                <a16:creationId xmlns:a16="http://schemas.microsoft.com/office/drawing/2014/main" id="{9455CACD-D7DB-4604-B09C-11ED4BA2896E}"/>
+              </a:ext>
+            </a:extLst>
+          </p:cNvPr>
+          <p:cNvSpPr>
+            <a:spLocks noGrp="1"/>
+          </p:cNvSpPr>
+          <p:nvPr>
+            <p:ph sz="half" idx="2"/>
+          </p:nvPr>
+        </p:nvSpPr>
+        <p:spPr/>
+        <p:txBody>
+          <a:bodyPr>
+            <a:normAutofit fontScale="47500" lnSpcReduction="20000"/>
+          </a:bodyPr>
+          <a:lstStyle/>
+          <a:p>
+            <a:pPr marL="0" indent="0">
+              <a:buNone/>
+            </a:pPr>
+            <a:r>
+              <a:rPr lang="en-US" dirty="0">
+                <a:latin typeface="+mj-lt"/>
+              </a:rPr>
+              <a:t>The purpose of this Demonstration is as follows</a:t>
+            </a:r>
+          </a:p>
+          <a:p>
+            <a:pPr fontAlgn="base"/>
+            <a:r>
+              <a:rPr lang="en-US" dirty="0"/>
+              <a:t>Integrated end-to-end management</a:t>
+            </a:r>
+          </a:p>
+          <a:p>
+            <a:pPr fontAlgn="base"/>
+            <a:r>
+              <a:rPr lang="en-US" dirty="0"/>
+              <a:t>Remote tracking of inventory </a:t>
+            </a:r>
+          </a:p>
+          <a:p>
+            <a:pPr fontAlgn="base"/>
+            <a:r>
+              <a:rPr lang="en-US" dirty="0"/>
+              <a:t>Contextual data analysis </a:t>
+            </a:r>
+          </a:p>
+          <a:p>
+            <a:pPr fontAlgn="base"/>
+            <a:r>
+              <a:rPr lang="en-US" dirty="0"/>
+              <a:t>Real time activity oversight</a:t>
+            </a:r>
+          </a:p>
+          <a:p>
+            <a:endParaRPr lang="en-US" dirty="0"/>
           </a:p>
         </p:txBody>
       </p:sp>
     </p:spTree>
     <p:extLst>
       <p:ext uri="{BB962C8B-B14F-4D97-AF65-F5344CB8AC3E}">
-        <p14:creationId xmlns:p14="http://schemas.microsoft.com/office/powerpoint/2010/main" val="1860944946"/>
+        <p14:creationId xmlns:p14="http://schemas.microsoft.com/office/powerpoint/2010/main" val="2856466903"/>
       </p:ext>
     </p:extLst>
   </p:cSld>
@@ -27753,7 +23420,7 @@
           <p:cNvPr id="2" name="Title 1">
             <a:extLst>
               <a:ext uri="{FF2B5EF4-FFF2-40B4-BE49-F238E27FC236}">
-                <a16:creationId xmlns:a16="http://schemas.microsoft.com/office/drawing/2014/main" id="{0EF462F1-820E-4417-80C5-C39C6EC3D904}"/>
+                <a16:creationId xmlns:a16="http://schemas.microsoft.com/office/drawing/2014/main" id="{FA820E99-D3EB-4CEE-8CA1-93DDFD1D0126}"/>
               </a:ext>
             </a:extLst>
           </p:cNvPr>
@@ -27769,6 +23436,10 @@
           <a:bodyPr/>
           <a:lstStyle/>
           <a:p>
+            <a:r>
+              <a:rPr lang="en-GB" dirty="0"/>
+              <a:t>Data</a:t>
+            </a:r>
             <a:endParaRPr lang="en-US" dirty="0"/>
           </a:p>
         </p:txBody>
@@ -27778,7 +23449,7 @@
           <p:cNvPr id="3" name="Content Placeholder 2">
             <a:extLst>
               <a:ext uri="{FF2B5EF4-FFF2-40B4-BE49-F238E27FC236}">
-                <a16:creationId xmlns:a16="http://schemas.microsoft.com/office/drawing/2014/main" id="{F93C19F4-862E-4F23-9831-16F07051FA2A}"/>
+                <a16:creationId xmlns:a16="http://schemas.microsoft.com/office/drawing/2014/main" id="{2E951B20-98F4-4EA6-B5B3-5999B1513B5A}"/>
               </a:ext>
             </a:extLst>
           </p:cNvPr>
@@ -27786,7 +23457,7 @@
             <a:spLocks noGrp="1"/>
           </p:cNvSpPr>
           <p:nvPr>
-            <p:ph idx="1"/>
+            <p:ph sz="half" idx="1"/>
           </p:nvPr>
         </p:nvSpPr>
         <p:spPr/>
@@ -27794,14 +23465,39 @@
           <a:bodyPr/>
           <a:lstStyle/>
           <a:p>
-            <a:endParaRPr lang="en-US" dirty="0"/>
+            <a:endParaRPr lang="en-US"/>
+          </a:p>
+        </p:txBody>
+      </p:sp>
+      <p:sp>
+        <p:nvSpPr>
+          <p:cNvPr id="4" name="Content Placeholder 3">
+            <a:extLst>
+              <a:ext uri="{FF2B5EF4-FFF2-40B4-BE49-F238E27FC236}">
+                <a16:creationId xmlns:a16="http://schemas.microsoft.com/office/drawing/2014/main" id="{DF96BBB5-4122-41A2-870A-84F6AFB0B903}"/>
+              </a:ext>
+            </a:extLst>
+          </p:cNvPr>
+          <p:cNvSpPr>
+            <a:spLocks noGrp="1"/>
+          </p:cNvSpPr>
+          <p:nvPr>
+            <p:ph sz="half" idx="2"/>
+          </p:nvPr>
+        </p:nvSpPr>
+        <p:spPr/>
+        <p:txBody>
+          <a:bodyPr/>
+          <a:lstStyle/>
+          <a:p>
+            <a:endParaRPr lang="en-US"/>
           </a:p>
         </p:txBody>
       </p:sp>
     </p:spTree>
     <p:extLst>
       <p:ext uri="{BB962C8B-B14F-4D97-AF65-F5344CB8AC3E}">
-        <p14:creationId xmlns:p14="http://schemas.microsoft.com/office/powerpoint/2010/main" val="3173802845"/>
+        <p14:creationId xmlns:p14="http://schemas.microsoft.com/office/powerpoint/2010/main" val="848919161"/>
       </p:ext>
     </p:extLst>
   </p:cSld>
@@ -27812,6 +23508,115 @@
 </file>
 
 <file path=ppt/slides/slide7.xml><?xml version="1.0" encoding="utf-8"?>
+<p:sld xmlns:a="http://schemas.openxmlformats.org/drawingml/2006/main" xmlns:r="http://schemas.openxmlformats.org/officeDocument/2006/relationships" xmlns:p="http://schemas.openxmlformats.org/presentationml/2006/main">
+  <p:cSld>
+    <p:spTree>
+      <p:nvGrpSpPr>
+        <p:cNvPr id="1" name=""/>
+        <p:cNvGrpSpPr/>
+        <p:nvPr/>
+      </p:nvGrpSpPr>
+      <p:grpSpPr>
+        <a:xfrm>
+          <a:off x="0" y="0"/>
+          <a:ext cx="0" cy="0"/>
+          <a:chOff x="0" y="0"/>
+          <a:chExt cx="0" cy="0"/>
+        </a:xfrm>
+      </p:grpSpPr>
+      <p:sp>
+        <p:nvSpPr>
+          <p:cNvPr id="2" name="Title 1">
+            <a:extLst>
+              <a:ext uri="{FF2B5EF4-FFF2-40B4-BE49-F238E27FC236}">
+                <a16:creationId xmlns:a16="http://schemas.microsoft.com/office/drawing/2014/main" id="{1EB6AF0D-C52A-4A70-A83F-49B47F07EC0A}"/>
+              </a:ext>
+            </a:extLst>
+          </p:cNvPr>
+          <p:cNvSpPr>
+            <a:spLocks noGrp="1"/>
+          </p:cNvSpPr>
+          <p:nvPr>
+            <p:ph type="title"/>
+          </p:nvPr>
+        </p:nvSpPr>
+        <p:spPr/>
+        <p:txBody>
+          <a:bodyPr/>
+          <a:lstStyle/>
+          <a:p>
+            <a:r>
+              <a:rPr lang="en-GB" dirty="0"/>
+              <a:t>Technology</a:t>
+            </a:r>
+            <a:endParaRPr lang="en-US" dirty="0"/>
+          </a:p>
+        </p:txBody>
+      </p:sp>
+      <p:sp>
+        <p:nvSpPr>
+          <p:cNvPr id="3" name="Content Placeholder 2">
+            <a:extLst>
+              <a:ext uri="{FF2B5EF4-FFF2-40B4-BE49-F238E27FC236}">
+                <a16:creationId xmlns:a16="http://schemas.microsoft.com/office/drawing/2014/main" id="{72A2D8A2-935C-49B5-8D58-58A38CD953D4}"/>
+              </a:ext>
+            </a:extLst>
+          </p:cNvPr>
+          <p:cNvSpPr>
+            <a:spLocks noGrp="1"/>
+          </p:cNvSpPr>
+          <p:nvPr>
+            <p:ph sz="half" idx="1"/>
+          </p:nvPr>
+        </p:nvSpPr>
+        <p:spPr/>
+        <p:txBody>
+          <a:bodyPr/>
+          <a:lstStyle/>
+          <a:p>
+            <a:endParaRPr lang="en-US"/>
+          </a:p>
+        </p:txBody>
+      </p:sp>
+      <p:sp>
+        <p:nvSpPr>
+          <p:cNvPr id="4" name="Content Placeholder 3">
+            <a:extLst>
+              <a:ext uri="{FF2B5EF4-FFF2-40B4-BE49-F238E27FC236}">
+                <a16:creationId xmlns:a16="http://schemas.microsoft.com/office/drawing/2014/main" id="{4D03469F-5100-4517-BE98-8D7902F7A045}"/>
+              </a:ext>
+            </a:extLst>
+          </p:cNvPr>
+          <p:cNvSpPr>
+            <a:spLocks noGrp="1"/>
+          </p:cNvSpPr>
+          <p:nvPr>
+            <p:ph sz="half" idx="2"/>
+          </p:nvPr>
+        </p:nvSpPr>
+        <p:spPr/>
+        <p:txBody>
+          <a:bodyPr/>
+          <a:lstStyle/>
+          <a:p>
+            <a:endParaRPr lang="en-US"/>
+          </a:p>
+        </p:txBody>
+      </p:sp>
+    </p:spTree>
+    <p:extLst>
+      <p:ext uri="{BB962C8B-B14F-4D97-AF65-F5344CB8AC3E}">
+        <p14:creationId xmlns:p14="http://schemas.microsoft.com/office/powerpoint/2010/main" val="3118296869"/>
+      </p:ext>
+    </p:extLst>
+  </p:cSld>
+  <p:clrMapOvr>
+    <a:masterClrMapping/>
+  </p:clrMapOvr>
+</p:sld>
+</file>
+
+<file path=ppt/slides/slide8.xml><?xml version="1.0" encoding="utf-8"?>
 <p:sld xmlns:a="http://schemas.openxmlformats.org/drawingml/2006/main" xmlns:r="http://schemas.openxmlformats.org/officeDocument/2006/relationships" xmlns:p="http://schemas.openxmlformats.org/presentationml/2006/main">
   <p:cSld>
     <p:spTree>
@@ -28440,7 +24245,7 @@
 </p:sld>
 </file>
 
-<file path=ppt/slides/slide8.xml><?xml version="1.0" encoding="utf-8"?>
+<file path=ppt/slides/slide9.xml><?xml version="1.0" encoding="utf-8"?>
 <p:sld xmlns:a="http://schemas.openxmlformats.org/drawingml/2006/main" xmlns:r="http://schemas.openxmlformats.org/officeDocument/2006/relationships" xmlns:p="http://schemas.openxmlformats.org/presentationml/2006/main">
   <p:cSld>
     <p:spTree>
@@ -28624,635 +24429,6 @@
     <p:extLst>
       <p:ext uri="{BB962C8B-B14F-4D97-AF65-F5344CB8AC3E}">
         <p14:creationId xmlns:p14="http://schemas.microsoft.com/office/powerpoint/2010/main" val="3626214639"/>
-      </p:ext>
-    </p:extLst>
-  </p:cSld>
-  <p:clrMapOvr>
-    <a:masterClrMapping/>
-  </p:clrMapOvr>
-</p:sld>
-</file>
-
-<file path=ppt/slides/slide9.xml><?xml version="1.0" encoding="utf-8"?>
-<p:sld xmlns:a="http://schemas.openxmlformats.org/drawingml/2006/main" xmlns:r="http://schemas.openxmlformats.org/officeDocument/2006/relationships" xmlns:p="http://schemas.openxmlformats.org/presentationml/2006/main">
-  <p:cSld>
-    <p:spTree>
-      <p:nvGrpSpPr>
-        <p:cNvPr id="1" name=""/>
-        <p:cNvGrpSpPr/>
-        <p:nvPr/>
-      </p:nvGrpSpPr>
-      <p:grpSpPr>
-        <a:xfrm>
-          <a:off x="0" y="0"/>
-          <a:ext cx="0" cy="0"/>
-          <a:chOff x="0" y="0"/>
-          <a:chExt cx="0" cy="0"/>
-        </a:xfrm>
-      </p:grpSpPr>
-      <p:grpSp>
-        <p:nvGrpSpPr>
-          <p:cNvPr id="23" name="Group 22" descr="This image is of an abstract shape. ">
-            <a:extLst>
-              <a:ext uri="{FF2B5EF4-FFF2-40B4-BE49-F238E27FC236}">
-                <a16:creationId xmlns:a16="http://schemas.microsoft.com/office/drawing/2014/main" id="{C5C1EC81-7459-4B76-B0C8-CF221BB21A2F}"/>
-              </a:ext>
-            </a:extLst>
-          </p:cNvPr>
-          <p:cNvGrpSpPr/>
-          <p:nvPr/>
-        </p:nvGrpSpPr>
-        <p:grpSpPr>
-          <a:xfrm>
-            <a:off x="6096000" y="-3087465"/>
-            <a:ext cx="8948964" cy="12105059"/>
-            <a:chOff x="4855953" y="-2833465"/>
-            <a:chExt cx="8948964" cy="12105059"/>
-          </a:xfrm>
-        </p:grpSpPr>
-        <p:sp>
-          <p:nvSpPr>
-            <p:cNvPr id="20" name="Freeform 10">
-              <a:extLst>
-                <a:ext uri="{FF2B5EF4-FFF2-40B4-BE49-F238E27FC236}">
-                  <a16:creationId xmlns:a16="http://schemas.microsoft.com/office/drawing/2014/main" id="{6067105C-8C4E-4F4D-AF25-4E9E7FEE0199}"/>
-                </a:ext>
-              </a:extLst>
-            </p:cNvPr>
-            <p:cNvSpPr>
-              <a:spLocks/>
-            </p:cNvSpPr>
-            <p:nvPr/>
-          </p:nvSpPr>
-          <p:spPr bwMode="auto">
-            <a:xfrm rot="9420272">
-              <a:off x="4855953" y="-2246936"/>
-              <a:ext cx="8673602" cy="11518530"/>
-            </a:xfrm>
-            <a:custGeom>
-              <a:avLst/>
-              <a:gdLst>
-                <a:gd name="T0" fmla="*/ 1166 w 2492"/>
-                <a:gd name="T1" fmla="*/ 2419 h 3315"/>
-                <a:gd name="T2" fmla="*/ 243 w 2492"/>
-                <a:gd name="T3" fmla="*/ 912 h 3315"/>
-                <a:gd name="T4" fmla="*/ 449 w 2492"/>
-                <a:gd name="T5" fmla="*/ 15 h 3315"/>
-                <a:gd name="T6" fmla="*/ 766 w 2492"/>
-                <a:gd name="T7" fmla="*/ 302 h 3315"/>
-                <a:gd name="T8" fmla="*/ 1651 w 2492"/>
-                <a:gd name="T9" fmla="*/ 481 h 3315"/>
-                <a:gd name="T10" fmla="*/ 2239 w 2492"/>
-                <a:gd name="T11" fmla="*/ 1238 h 3315"/>
-                <a:gd name="T12" fmla="*/ 2186 w 2492"/>
-                <a:gd name="T13" fmla="*/ 2201 h 3315"/>
-                <a:gd name="T14" fmla="*/ 2165 w 2492"/>
-                <a:gd name="T15" fmla="*/ 2928 h 3315"/>
-                <a:gd name="T16" fmla="*/ 1400 w 2492"/>
-                <a:gd name="T17" fmla="*/ 3100 h 3315"/>
-                <a:gd name="T18" fmla="*/ 1166 w 2492"/>
-                <a:gd name="T19" fmla="*/ 2419 h 3315"/>
-              </a:gdLst>
-              <a:ahLst/>
-              <a:cxnLst>
-                <a:cxn ang="0">
-                  <a:pos x="T0" y="T1"/>
-                </a:cxn>
-                <a:cxn ang="0">
-                  <a:pos x="T2" y="T3"/>
-                </a:cxn>
-                <a:cxn ang="0">
-                  <a:pos x="T4" y="T5"/>
-                </a:cxn>
-                <a:cxn ang="0">
-                  <a:pos x="T6" y="T7"/>
-                </a:cxn>
-                <a:cxn ang="0">
-                  <a:pos x="T8" y="T9"/>
-                </a:cxn>
-                <a:cxn ang="0">
-                  <a:pos x="T10" y="T11"/>
-                </a:cxn>
-                <a:cxn ang="0">
-                  <a:pos x="T12" y="T13"/>
-                </a:cxn>
-                <a:cxn ang="0">
-                  <a:pos x="T14" y="T15"/>
-                </a:cxn>
-                <a:cxn ang="0">
-                  <a:pos x="T16" y="T17"/>
-                </a:cxn>
-                <a:cxn ang="0">
-                  <a:pos x="T18" y="T19"/>
-                </a:cxn>
-              </a:cxnLst>
-              <a:rect l="0" t="0" r="r" b="b"/>
-              <a:pathLst>
-                <a:path w="2492" h="3315">
-                  <a:moveTo>
-                    <a:pt x="1166" y="2419"/>
-                  </a:moveTo>
-                  <a:cubicBezTo>
-                    <a:pt x="1505" y="1277"/>
-                    <a:pt x="486" y="1533"/>
-                    <a:pt x="243" y="912"/>
-                  </a:cubicBezTo>
-                  <a:cubicBezTo>
-                    <a:pt x="0" y="292"/>
-                    <a:pt x="291" y="31"/>
-                    <a:pt x="449" y="15"/>
-                  </a:cubicBezTo>
-                  <a:cubicBezTo>
-                    <a:pt x="607" y="0"/>
-                    <a:pt x="716" y="54"/>
-                    <a:pt x="766" y="302"/>
-                  </a:cubicBezTo>
-                  <a:cubicBezTo>
-                    <a:pt x="817" y="551"/>
-                    <a:pt x="1312" y="508"/>
-                    <a:pt x="1651" y="481"/>
-                  </a:cubicBezTo>
-                  <a:cubicBezTo>
-                    <a:pt x="1989" y="454"/>
-                    <a:pt x="2492" y="733"/>
-                    <a:pt x="2239" y="1238"/>
-                  </a:cubicBezTo>
-                  <a:cubicBezTo>
-                    <a:pt x="1986" y="1743"/>
-                    <a:pt x="2000" y="1716"/>
-                    <a:pt x="2186" y="2201"/>
-                  </a:cubicBezTo>
-                  <a:cubicBezTo>
-                    <a:pt x="2372" y="2685"/>
-                    <a:pt x="2165" y="2928"/>
-                    <a:pt x="2165" y="2928"/>
-                  </a:cubicBezTo>
-                  <a:cubicBezTo>
-                    <a:pt x="2165" y="2928"/>
-                    <a:pt x="1791" y="3315"/>
-                    <a:pt x="1400" y="3100"/>
-                  </a:cubicBezTo>
-                  <a:cubicBezTo>
-                    <a:pt x="1008" y="2885"/>
-                    <a:pt x="1166" y="2419"/>
-                    <a:pt x="1166" y="2419"/>
-                  </a:cubicBezTo>
-                  <a:close/>
-                </a:path>
-              </a:pathLst>
-            </a:custGeom>
-            <a:gradFill>
-              <a:gsLst>
-                <a:gs pos="0">
-                  <a:srgbClr val="80DEDE"/>
-                </a:gs>
-                <a:gs pos="53500">
-                  <a:srgbClr val="85C1E7"/>
-                </a:gs>
-                <a:gs pos="100000">
-                  <a:srgbClr val="878CFF"/>
-                </a:gs>
-              </a:gsLst>
-              <a:lin ang="5400000" scaled="1"/>
-            </a:gradFill>
-            <a:ln w="12700" cap="flat">
-              <a:noFill/>
-              <a:prstDash val="solid"/>
-              <a:miter lim="800000"/>
-              <a:headEnd/>
-              <a:tailEnd/>
-            </a:ln>
-          </p:spPr>
-          <p:txBody>
-            <a:bodyPr vert="horz" wrap="square" lIns="91440" tIns="45720" rIns="91440" bIns="45720" numCol="1" anchor="t" anchorCtr="0" compatLnSpc="1">
-              <a:prstTxWarp prst="textNoShape">
-                <a:avLst/>
-              </a:prstTxWarp>
-            </a:bodyPr>
-            <a:lstStyle/>
-            <a:p>
-              <a:endParaRPr lang="en-US" dirty="0"/>
-            </a:p>
-          </p:txBody>
-        </p:sp>
-        <p:sp>
-          <p:nvSpPr>
-            <p:cNvPr id="21" name="Freeform 11">
-              <a:extLst>
-                <a:ext uri="{FF2B5EF4-FFF2-40B4-BE49-F238E27FC236}">
-                  <a16:creationId xmlns:a16="http://schemas.microsoft.com/office/drawing/2014/main" id="{70B75532-3E3F-4E79-89ED-8E7671BB9C68}"/>
-                </a:ext>
-              </a:extLst>
-            </p:cNvPr>
-            <p:cNvSpPr>
-              <a:spLocks/>
-            </p:cNvSpPr>
-            <p:nvPr/>
-          </p:nvSpPr>
-          <p:spPr bwMode="auto">
-            <a:xfrm rot="9420272">
-              <a:off x="5048022" y="-2833465"/>
-              <a:ext cx="8756895" cy="10755934"/>
-            </a:xfrm>
-            <a:custGeom>
-              <a:avLst/>
-              <a:gdLst>
-                <a:gd name="T0" fmla="*/ 1504 w 2516"/>
-                <a:gd name="T1" fmla="*/ 2980 h 3095"/>
-                <a:gd name="T2" fmla="*/ 2237 w 2516"/>
-                <a:gd name="T3" fmla="*/ 2283 h 3095"/>
-                <a:gd name="T4" fmla="*/ 1468 w 2516"/>
-                <a:gd name="T5" fmla="*/ 1052 h 3095"/>
-                <a:gd name="T6" fmla="*/ 979 w 2516"/>
-                <a:gd name="T7" fmla="*/ 648 h 3095"/>
-                <a:gd name="T8" fmla="*/ 411 w 2516"/>
-                <a:gd name="T9" fmla="*/ 195 h 3095"/>
-                <a:gd name="T10" fmla="*/ 397 w 2516"/>
-                <a:gd name="T11" fmla="*/ 1117 h 3095"/>
-                <a:gd name="T12" fmla="*/ 194 w 2516"/>
-                <a:gd name="T13" fmla="*/ 1767 h 3095"/>
-                <a:gd name="T14" fmla="*/ 866 w 2516"/>
-                <a:gd name="T15" fmla="*/ 2349 h 3095"/>
-                <a:gd name="T16" fmla="*/ 1275 w 2516"/>
-                <a:gd name="T17" fmla="*/ 2766 h 3095"/>
-                <a:gd name="T18" fmla="*/ 1504 w 2516"/>
-                <a:gd name="T19" fmla="*/ 2980 h 3095"/>
-              </a:gdLst>
-              <a:ahLst/>
-              <a:cxnLst>
-                <a:cxn ang="0">
-                  <a:pos x="T0" y="T1"/>
-                </a:cxn>
-                <a:cxn ang="0">
-                  <a:pos x="T2" y="T3"/>
-                </a:cxn>
-                <a:cxn ang="0">
-                  <a:pos x="T4" y="T5"/>
-                </a:cxn>
-                <a:cxn ang="0">
-                  <a:pos x="T6" y="T7"/>
-                </a:cxn>
-                <a:cxn ang="0">
-                  <a:pos x="T8" y="T9"/>
-                </a:cxn>
-                <a:cxn ang="0">
-                  <a:pos x="T10" y="T11"/>
-                </a:cxn>
-                <a:cxn ang="0">
-                  <a:pos x="T12" y="T13"/>
-                </a:cxn>
-                <a:cxn ang="0">
-                  <a:pos x="T14" y="T15"/>
-                </a:cxn>
-                <a:cxn ang="0">
-                  <a:pos x="T16" y="T17"/>
-                </a:cxn>
-                <a:cxn ang="0">
-                  <a:pos x="T18" y="T19"/>
-                </a:cxn>
-              </a:cxnLst>
-              <a:rect l="0" t="0" r="r" b="b"/>
-              <a:pathLst>
-                <a:path w="2516" h="3095">
-                  <a:moveTo>
-                    <a:pt x="1504" y="2980"/>
-                  </a:moveTo>
-                  <a:cubicBezTo>
-                    <a:pt x="1504" y="2980"/>
-                    <a:pt x="1958" y="3095"/>
-                    <a:pt x="2237" y="2283"/>
-                  </a:cubicBezTo>
-                  <a:cubicBezTo>
-                    <a:pt x="2516" y="1472"/>
-                    <a:pt x="1745" y="1159"/>
-                    <a:pt x="1468" y="1052"/>
-                  </a:cubicBezTo>
-                  <a:cubicBezTo>
-                    <a:pt x="1191" y="945"/>
-                    <a:pt x="1126" y="907"/>
-                    <a:pt x="979" y="648"/>
-                  </a:cubicBezTo>
-                  <a:cubicBezTo>
-                    <a:pt x="832" y="389"/>
-                    <a:pt x="822" y="0"/>
-                    <a:pt x="411" y="195"/>
-                  </a:cubicBezTo>
-                  <a:cubicBezTo>
-                    <a:pt x="0" y="391"/>
-                    <a:pt x="384" y="948"/>
-                    <a:pt x="397" y="1117"/>
-                  </a:cubicBezTo>
-                  <a:cubicBezTo>
-                    <a:pt x="411" y="1286"/>
-                    <a:pt x="128" y="1580"/>
-                    <a:pt x="194" y="1767"/>
-                  </a:cubicBezTo>
-                  <a:cubicBezTo>
-                    <a:pt x="259" y="1954"/>
-                    <a:pt x="273" y="2154"/>
-                    <a:pt x="866" y="2349"/>
-                  </a:cubicBezTo>
-                  <a:cubicBezTo>
-                    <a:pt x="866" y="2349"/>
-                    <a:pt x="1186" y="2374"/>
-                    <a:pt x="1275" y="2766"/>
-                  </a:cubicBezTo>
-                  <a:cubicBezTo>
-                    <a:pt x="1275" y="2766"/>
-                    <a:pt x="1340" y="2988"/>
-                    <a:pt x="1504" y="2980"/>
-                  </a:cubicBezTo>
-                  <a:close/>
-                </a:path>
-              </a:pathLst>
-            </a:custGeom>
-            <a:gradFill>
-              <a:gsLst>
-                <a:gs pos="0">
-                  <a:srgbClr val="7CEFD8"/>
-                </a:gs>
-                <a:gs pos="51000">
-                  <a:srgbClr val="6672E4"/>
-                </a:gs>
-                <a:gs pos="100000">
-                  <a:srgbClr val="882BE5"/>
-                </a:gs>
-              </a:gsLst>
-              <a:lin ang="5400000" scaled="1"/>
-            </a:gradFill>
-            <a:ln w="12700" cap="flat">
-              <a:noFill/>
-              <a:prstDash val="solid"/>
-              <a:miter lim="800000"/>
-              <a:headEnd/>
-              <a:tailEnd/>
-            </a:ln>
-          </p:spPr>
-          <p:txBody>
-            <a:bodyPr vert="horz" wrap="square" lIns="91440" tIns="45720" rIns="91440" bIns="45720" numCol="1" anchor="t" anchorCtr="0" compatLnSpc="1">
-              <a:prstTxWarp prst="textNoShape">
-                <a:avLst/>
-              </a:prstTxWarp>
-            </a:bodyPr>
-            <a:lstStyle/>
-            <a:p>
-              <a:endParaRPr lang="en-US" dirty="0"/>
-            </a:p>
-          </p:txBody>
-        </p:sp>
-        <p:sp>
-          <p:nvSpPr>
-            <p:cNvPr id="22" name="Freeform 12">
-              <a:extLst>
-                <a:ext uri="{FF2B5EF4-FFF2-40B4-BE49-F238E27FC236}">
-                  <a16:creationId xmlns:a16="http://schemas.microsoft.com/office/drawing/2014/main" id="{517F7404-4FD2-4A56-9BC1-55945A2E0042}"/>
-                </a:ext>
-              </a:extLst>
-            </p:cNvPr>
-            <p:cNvSpPr>
-              <a:spLocks/>
-            </p:cNvSpPr>
-            <p:nvPr/>
-          </p:nvSpPr>
-          <p:spPr bwMode="auto">
-            <a:xfrm rot="9420272">
-              <a:off x="5218811" y="-1993836"/>
-              <a:ext cx="7570428" cy="10122905"/>
-            </a:xfrm>
-            <a:custGeom>
-              <a:avLst/>
-              <a:gdLst>
-                <a:gd name="T0" fmla="*/ 1896 w 2175"/>
-                <a:gd name="T1" fmla="*/ 2283 h 2913"/>
-                <a:gd name="T2" fmla="*/ 1467 w 2175"/>
-                <a:gd name="T3" fmla="*/ 2913 h 2913"/>
-                <a:gd name="T4" fmla="*/ 1250 w 2175"/>
-                <a:gd name="T5" fmla="*/ 2849 h 2913"/>
-                <a:gd name="T6" fmla="*/ 1016 w 2175"/>
-                <a:gd name="T7" fmla="*/ 2168 h 2913"/>
-                <a:gd name="T8" fmla="*/ 93 w 2175"/>
-                <a:gd name="T9" fmla="*/ 661 h 2913"/>
-                <a:gd name="T10" fmla="*/ 0 w 2175"/>
-                <a:gd name="T11" fmla="*/ 238 h 2913"/>
-                <a:gd name="T12" fmla="*/ 70 w 2175"/>
-                <a:gd name="T13" fmla="*/ 195 h 2913"/>
-                <a:gd name="T14" fmla="*/ 638 w 2175"/>
-                <a:gd name="T15" fmla="*/ 648 h 2913"/>
-                <a:gd name="T16" fmla="*/ 1127 w 2175"/>
-                <a:gd name="T17" fmla="*/ 1052 h 2913"/>
-                <a:gd name="T18" fmla="*/ 1896 w 2175"/>
-                <a:gd name="T19" fmla="*/ 2283 h 2913"/>
-              </a:gdLst>
-              <a:ahLst/>
-              <a:cxnLst>
-                <a:cxn ang="0">
-                  <a:pos x="T0" y="T1"/>
-                </a:cxn>
-                <a:cxn ang="0">
-                  <a:pos x="T2" y="T3"/>
-                </a:cxn>
-                <a:cxn ang="0">
-                  <a:pos x="T4" y="T5"/>
-                </a:cxn>
-                <a:cxn ang="0">
-                  <a:pos x="T6" y="T7"/>
-                </a:cxn>
-                <a:cxn ang="0">
-                  <a:pos x="T8" y="T9"/>
-                </a:cxn>
-                <a:cxn ang="0">
-                  <a:pos x="T10" y="T11"/>
-                </a:cxn>
-                <a:cxn ang="0">
-                  <a:pos x="T12" y="T13"/>
-                </a:cxn>
-                <a:cxn ang="0">
-                  <a:pos x="T14" y="T15"/>
-                </a:cxn>
-                <a:cxn ang="0">
-                  <a:pos x="T16" y="T17"/>
-                </a:cxn>
-                <a:cxn ang="0">
-                  <a:pos x="T18" y="T19"/>
-                </a:cxn>
-              </a:cxnLst>
-              <a:rect l="0" t="0" r="r" b="b"/>
-              <a:pathLst>
-                <a:path w="2175" h="2913">
-                  <a:moveTo>
-                    <a:pt x="1896" y="2283"/>
-                  </a:moveTo>
-                  <a:cubicBezTo>
-                    <a:pt x="1770" y="2651"/>
-                    <a:pt x="1607" y="2829"/>
-                    <a:pt x="1467" y="2913"/>
-                  </a:cubicBezTo>
-                  <a:cubicBezTo>
-                    <a:pt x="1397" y="2909"/>
-                    <a:pt x="1324" y="2889"/>
-                    <a:pt x="1250" y="2849"/>
-                  </a:cubicBezTo>
-                  <a:cubicBezTo>
-                    <a:pt x="858" y="2634"/>
-                    <a:pt x="1016" y="2168"/>
-                    <a:pt x="1016" y="2168"/>
-                  </a:cubicBezTo>
-                  <a:cubicBezTo>
-                    <a:pt x="1354" y="1026"/>
-                    <a:pt x="336" y="1282"/>
-                    <a:pt x="93" y="661"/>
-                  </a:cubicBezTo>
-                  <a:cubicBezTo>
-                    <a:pt x="28" y="495"/>
-                    <a:pt x="1" y="354"/>
-                    <a:pt x="0" y="238"/>
-                  </a:cubicBezTo>
-                  <a:cubicBezTo>
-                    <a:pt x="20" y="222"/>
-                    <a:pt x="44" y="208"/>
-                    <a:pt x="70" y="195"/>
-                  </a:cubicBezTo>
-                  <a:cubicBezTo>
-                    <a:pt x="481" y="0"/>
-                    <a:pt x="491" y="389"/>
-                    <a:pt x="638" y="648"/>
-                  </a:cubicBezTo>
-                  <a:cubicBezTo>
-                    <a:pt x="785" y="907"/>
-                    <a:pt x="850" y="945"/>
-                    <a:pt x="1127" y="1052"/>
-                  </a:cubicBezTo>
-                  <a:cubicBezTo>
-                    <a:pt x="1404" y="1159"/>
-                    <a:pt x="2175" y="1472"/>
-                    <a:pt x="1896" y="2283"/>
-                  </a:cubicBezTo>
-                  <a:close/>
-                </a:path>
-              </a:pathLst>
-            </a:custGeom>
-            <a:gradFill>
-              <a:gsLst>
-                <a:gs pos="100000">
-                  <a:srgbClr val="7CEFD8"/>
-                </a:gs>
-                <a:gs pos="19000">
-                  <a:srgbClr val="6672E4"/>
-                </a:gs>
-                <a:gs pos="0">
-                  <a:srgbClr val="882BE5"/>
-                </a:gs>
-              </a:gsLst>
-              <a:lin ang="10200000" scaled="0"/>
-            </a:gradFill>
-            <a:ln w="12700" cap="flat">
-              <a:noFill/>
-              <a:prstDash val="solid"/>
-              <a:miter lim="800000"/>
-              <a:headEnd/>
-              <a:tailEnd/>
-            </a:ln>
-          </p:spPr>
-          <p:txBody>
-            <a:bodyPr vert="horz" wrap="square" lIns="91440" tIns="45720" rIns="91440" bIns="45720" numCol="1" anchor="t" anchorCtr="0" compatLnSpc="1">
-              <a:prstTxWarp prst="textNoShape">
-                <a:avLst/>
-              </a:prstTxWarp>
-            </a:bodyPr>
-            <a:lstStyle/>
-            <a:p>
-              <a:endParaRPr lang="en-US" dirty="0"/>
-            </a:p>
-          </p:txBody>
-        </p:sp>
-      </p:grpSp>
-      <p:sp>
-        <p:nvSpPr>
-          <p:cNvPr id="3" name="TextBox 2">
-            <a:extLst>
-              <a:ext uri="{FF2B5EF4-FFF2-40B4-BE49-F238E27FC236}">
-                <a16:creationId xmlns:a16="http://schemas.microsoft.com/office/drawing/2014/main" id="{9436B850-15F2-41BC-A54E-6E0F332F011D}"/>
-              </a:ext>
-            </a:extLst>
-          </p:cNvPr>
-          <p:cNvSpPr txBox="1"/>
-          <p:nvPr/>
-        </p:nvSpPr>
-        <p:spPr>
-          <a:xfrm>
-            <a:off x="733192" y="4331033"/>
-            <a:ext cx="6124808" cy="830997"/>
-          </a:xfrm>
-          <a:prstGeom prst="rect">
-            <a:avLst/>
-          </a:prstGeom>
-          <a:noFill/>
-        </p:spPr>
-        <p:txBody>
-          <a:bodyPr wrap="square" lIns="0" tIns="0" rIns="0" bIns="0" rtlCol="0">
-            <a:spAutoFit/>
-          </a:bodyPr>
-          <a:lstStyle/>
-          <a:p>
-            <a:r>
-              <a:rPr lang="en-GB" sz="5400" b="1" cap="all" dirty="0">
-                <a:solidFill>
-                  <a:srgbClr val="002060"/>
-                </a:solidFill>
-                <a:latin typeface="Segoe UI Black" panose="020B0A02040204020203" pitchFamily="34" charset="0"/>
-                <a:ea typeface="Segoe UI Black" panose="020B0A02040204020203" pitchFamily="34" charset="0"/>
-                <a:cs typeface="Segoe UI" panose="020B0502040204020203" pitchFamily="34" charset="0"/>
-              </a:rPr>
-              <a:t>concept</a:t>
-            </a:r>
-            <a:endParaRPr lang="en-US" sz="5400" b="1" cap="all" dirty="0">
-              <a:solidFill>
-                <a:srgbClr val="002060"/>
-              </a:solidFill>
-              <a:latin typeface="Segoe UI Black" panose="020B0A02040204020203" pitchFamily="34" charset="0"/>
-              <a:ea typeface="Segoe UI Black" panose="020B0A02040204020203" pitchFamily="34" charset="0"/>
-              <a:cs typeface="Segoe UI" panose="020B0502040204020203" pitchFamily="34" charset="0"/>
-            </a:endParaRPr>
-          </a:p>
-        </p:txBody>
-      </p:sp>
-      <p:sp>
-        <p:nvSpPr>
-          <p:cNvPr id="25" name="Title 24" hidden="1">
-            <a:extLst>
-              <a:ext uri="{FF2B5EF4-FFF2-40B4-BE49-F238E27FC236}">
-                <a16:creationId xmlns:a16="http://schemas.microsoft.com/office/drawing/2014/main" id="{24922840-A8AD-427F-889C-2B79CACC872F}"/>
-              </a:ext>
-            </a:extLst>
-          </p:cNvPr>
-          <p:cNvSpPr>
-            <a:spLocks noGrp="1"/>
-          </p:cNvSpPr>
-          <p:nvPr>
-            <p:ph type="title" idx="4294967295"/>
-          </p:nvPr>
-        </p:nvSpPr>
-        <p:spPr>
-          <a:xfrm>
-            <a:off x="0" y="365125"/>
-            <a:ext cx="10515600" cy="1325563"/>
-          </a:xfrm>
-        </p:spPr>
-        <p:txBody>
-          <a:bodyPr/>
-          <a:lstStyle/>
-          <a:p>
-            <a:r>
-              <a:rPr lang="en-US" dirty="0"/>
-              <a:t>Human resources slide 10</a:t>
-            </a:r>
-          </a:p>
-        </p:txBody>
-      </p:sp>
-    </p:spTree>
-    <p:extLst>
-      <p:ext uri="{BB962C8B-B14F-4D97-AF65-F5344CB8AC3E}">
-        <p14:creationId xmlns:p14="http://schemas.microsoft.com/office/powerpoint/2010/main" val="365156788"/>
       </p:ext>
     </p:extLst>
   </p:cSld>
